--- a/intro_slides_textxd_2019.pptx
+++ b/intro_slides_textxd_2019.pptx
@@ -5140,8 +5140,8 @@
         </p:nvSpPr>
         <p:spPr>
           <a:xfrm>
-            <a:off x="1161927" y="3237231"/>
-            <a:ext cx="6820534" cy="1320874"/>
+            <a:off x="1181099" y="3323691"/>
+            <a:ext cx="6781800" cy="1644040"/>
           </a:xfrm>
           <a:prstGeom prst="rect">
             <a:avLst/>
@@ -5290,7 +5290,39 @@
               </a:rPr>
               <a:t>Pennec-Caldichoury</a:t>
             </a:r>
-            <a:endParaRPr sz="2100" dirty="0">
+            <a:endParaRPr lang="en-US" sz="2100" spc="-60" dirty="0">
+              <a:latin typeface="Book Antiqua"/>
+              <a:cs typeface="Book Antiqua"/>
+            </a:endParaRPr>
+          </a:p>
+          <a:p>
+            <a:pPr algn="ctr">
+              <a:lnSpc>
+                <a:spcPct val="100000"/>
+              </a:lnSpc>
+              <a:spcBef>
+                <a:spcPts val="30"/>
+              </a:spcBef>
+            </a:pPr>
+            <a:r>
+              <a:rPr lang="en-US" sz="2100" i="1" spc="-60" dirty="0">
+                <a:latin typeface="Book Antiqua"/>
+                <a:cs typeface="Book Antiqua"/>
+              </a:rPr>
+              <a:t>Slides: </a:t>
+            </a:r>
+            <a:r>
+              <a:rPr lang="en-US" sz="2000" dirty="0">
+                <a:solidFill>
+                  <a:schemeClr val="accent6"/>
+                </a:solidFill>
+              </a:rPr>
+              <a:t>http://bit.ly/repo-textxd19</a:t>
+            </a:r>
+            <a:endParaRPr sz="2000" i="1" dirty="0">
+              <a:solidFill>
+                <a:schemeClr val="accent6"/>
+              </a:solidFill>
               <a:latin typeface="Book Antiqua"/>
               <a:cs typeface="Book Antiqua"/>
             </a:endParaRPr>
@@ -5299,10 +5331,10 @@
       </p:sp>
       <p:pic>
         <p:nvPicPr>
-          <p:cNvPr id="7" name="Picture 6">
+          <p:cNvPr id="8" name="Picture 7">
             <a:extLst>
               <a:ext uri="{FF2B5EF4-FFF2-40B4-BE49-F238E27FC236}">
-                <a16:creationId xmlns:a16="http://schemas.microsoft.com/office/drawing/2014/main" id="{849F89A7-E8C5-449C-9D7F-13BE8333D02F}"/>
+                <a16:creationId xmlns:a16="http://schemas.microsoft.com/office/drawing/2014/main" id="{AEB86174-C4E8-467E-8D85-649C80658659}"/>
               </a:ext>
             </a:extLst>
           </p:cNvPr>
@@ -5317,39 +5349,8 @@
         </p:blipFill>
         <p:spPr>
           <a:xfrm>
-            <a:off x="345610" y="1828668"/>
-            <a:ext cx="2873964" cy="1966565"/>
-          </a:xfrm>
-          <a:prstGeom prst="rect">
-            <a:avLst/>
-          </a:prstGeom>
-          <a:ln>
-            <a:noFill/>
-          </a:ln>
-        </p:spPr>
-      </p:pic>
-      <p:pic>
-        <p:nvPicPr>
-          <p:cNvPr id="8" name="Picture 7">
-            <a:extLst>
-              <a:ext uri="{FF2B5EF4-FFF2-40B4-BE49-F238E27FC236}">
-                <a16:creationId xmlns:a16="http://schemas.microsoft.com/office/drawing/2014/main" id="{AEB86174-C4E8-467E-8D85-649C80658659}"/>
-              </a:ext>
-            </a:extLst>
-          </p:cNvPr>
-          <p:cNvPicPr/>
-          <p:nvPr/>
-        </p:nvPicPr>
-        <p:blipFill>
-          <a:blip r:embed="rId5"/>
-          <a:stretch>
-            <a:fillRect/>
-          </a:stretch>
-        </p:blipFill>
-        <p:spPr>
-          <a:xfrm>
-            <a:off x="5826090" y="1828668"/>
-            <a:ext cx="3331162" cy="2036359"/>
+            <a:off x="609600" y="1709360"/>
+            <a:ext cx="2680252" cy="1809881"/>
           </a:xfrm>
           <a:prstGeom prst="rect">
             <a:avLst/>
@@ -46126,6 +46127,37 @@
           </a:p>
         </p:txBody>
       </p:sp>
+      <p:pic>
+        <p:nvPicPr>
+          <p:cNvPr id="4" name="Picture 3">
+            <a:extLst>
+              <a:ext uri="{FF2B5EF4-FFF2-40B4-BE49-F238E27FC236}">
+                <a16:creationId xmlns:a16="http://schemas.microsoft.com/office/drawing/2014/main" id="{E1F81790-EF9D-44BD-8A46-2B922E836B56}"/>
+              </a:ext>
+            </a:extLst>
+          </p:cNvPr>
+          <p:cNvPicPr/>
+          <p:nvPr/>
+        </p:nvPicPr>
+        <p:blipFill>
+          <a:blip r:embed="rId2"/>
+          <a:stretch>
+            <a:fillRect/>
+          </a:stretch>
+        </p:blipFill>
+        <p:spPr>
+          <a:xfrm>
+            <a:off x="5334000" y="1809750"/>
+            <a:ext cx="3505200" cy="2495550"/>
+          </a:xfrm>
+          <a:prstGeom prst="rect">
+            <a:avLst/>
+          </a:prstGeom>
+          <a:ln>
+            <a:noFill/>
+          </a:ln>
+        </p:spPr>
+      </p:pic>
     </p:spTree>
   </p:cSld>
   <p:clrMapOvr>

--- a/intro_slides_textxd_2019.pptx
+++ b/intro_slides_textxd_2019.pptx
@@ -5,7 +5,7 @@
     <p:sldMasterId id="2147483648" r:id="rId1"/>
   </p:sldMasterIdLst>
   <p:notesMasterIdLst>
-    <p:notesMasterId r:id="rId43"/>
+    <p:notesMasterId r:id="rId44"/>
   </p:notesMasterIdLst>
   <p:sldIdLst>
     <p:sldId id="256" r:id="rId2"/>
@@ -33,22 +33,23 @@
     <p:sldId id="270" r:id="rId24"/>
     <p:sldId id="271" r:id="rId25"/>
     <p:sldId id="272" r:id="rId26"/>
-    <p:sldId id="273" r:id="rId27"/>
-    <p:sldId id="274" r:id="rId28"/>
-    <p:sldId id="318" r:id="rId29"/>
-    <p:sldId id="319" r:id="rId30"/>
-    <p:sldId id="320" r:id="rId31"/>
+    <p:sldId id="274" r:id="rId27"/>
+    <p:sldId id="318" r:id="rId28"/>
+    <p:sldId id="319" r:id="rId29"/>
+    <p:sldId id="320" r:id="rId30"/>
+    <p:sldId id="273" r:id="rId31"/>
     <p:sldId id="275" r:id="rId32"/>
     <p:sldId id="276" r:id="rId33"/>
-    <p:sldId id="317" r:id="rId34"/>
-    <p:sldId id="316" r:id="rId35"/>
-    <p:sldId id="315" r:id="rId36"/>
-    <p:sldId id="278" r:id="rId37"/>
-    <p:sldId id="279" r:id="rId38"/>
-    <p:sldId id="280" r:id="rId39"/>
-    <p:sldId id="322" r:id="rId40"/>
-    <p:sldId id="283" r:id="rId41"/>
-    <p:sldId id="265" r:id="rId42"/>
+    <p:sldId id="323" r:id="rId34"/>
+    <p:sldId id="317" r:id="rId35"/>
+    <p:sldId id="316" r:id="rId36"/>
+    <p:sldId id="315" r:id="rId37"/>
+    <p:sldId id="278" r:id="rId38"/>
+    <p:sldId id="279" r:id="rId39"/>
+    <p:sldId id="280" r:id="rId40"/>
+    <p:sldId id="322" r:id="rId41"/>
+    <p:sldId id="283" r:id="rId42"/>
+    <p:sldId id="265" r:id="rId43"/>
   </p:sldIdLst>
   <p:sldSz cx="9144000" cy="5143500" type="screen16x9"/>
   <p:notesSz cx="9144000" cy="5143500"/>
@@ -1283,7 +1284,7 @@
           <a:p>
             <a:fld id="{64E8FA7E-3529-44EE-AFD5-6167B49EB9D5}" type="slidenum">
               <a:rPr lang="en-US" smtClean="0"/>
-              <a:t>27</a:t>
+              <a:t>26</a:t>
             </a:fld>
             <a:endParaRPr lang="en-US"/>
           </a:p>
@@ -1346,6 +1347,275 @@
           <a:bodyPr/>
           <a:lstStyle/>
           <a:p>
+            <a:pPr marL="12065" indent="0">
+              <a:lnSpc>
+                <a:spcPct val="100000"/>
+              </a:lnSpc>
+              <a:spcBef>
+                <a:spcPts val="254"/>
+              </a:spcBef>
+              <a:buNone/>
+              <a:tabLst>
+                <a:tab pos="312420" algn="l"/>
+                <a:tab pos="313690" algn="l"/>
+              </a:tabLst>
+            </a:pPr>
+            <a:r>
+              <a:rPr lang="en-US" sz="1800" spc="-35" dirty="0">
+                <a:latin typeface="Book Antiqua"/>
+                <a:cs typeface="Book Antiqua"/>
+              </a:rPr>
+              <a:t>Document-Term </a:t>
+            </a:r>
+            <a:r>
+              <a:rPr lang="en-US" sz="1800" spc="-40" dirty="0">
+                <a:latin typeface="Book Antiqua"/>
+                <a:cs typeface="Book Antiqua"/>
+              </a:rPr>
+              <a:t>Matrix</a:t>
+            </a:r>
+            <a:r>
+              <a:rPr lang="en-US" sz="1800" spc="30" dirty="0">
+                <a:latin typeface="Book Antiqua"/>
+                <a:cs typeface="Book Antiqua"/>
+              </a:rPr>
+              <a:t> </a:t>
+            </a:r>
+            <a:r>
+              <a:rPr lang="en-US" sz="1800" spc="45" dirty="0">
+                <a:latin typeface="Book Antiqua"/>
+                <a:cs typeface="Book Antiqua"/>
+              </a:rPr>
+              <a:t>(DTM)</a:t>
+            </a:r>
+            <a:endParaRPr lang="en-US" sz="1800" dirty="0">
+              <a:latin typeface="Book Antiqua"/>
+              <a:cs typeface="Book Antiqua"/>
+            </a:endParaRPr>
+          </a:p>
+          <a:p>
+            <a:pPr marL="770255" lvl="1" indent="-285115">
+              <a:lnSpc>
+                <a:spcPct val="100000"/>
+              </a:lnSpc>
+              <a:spcBef>
+                <a:spcPts val="330"/>
+              </a:spcBef>
+              <a:buChar char="-"/>
+              <a:tabLst>
+                <a:tab pos="769620" algn="l"/>
+                <a:tab pos="770890" algn="l"/>
+              </a:tabLst>
+            </a:pPr>
+            <a:r>
+              <a:rPr lang="en-US" sz="1400" spc="-45" dirty="0">
+                <a:latin typeface="Book Antiqua"/>
+                <a:cs typeface="Book Antiqua"/>
+              </a:rPr>
+              <a:t>Words</a:t>
+            </a:r>
+            <a:r>
+              <a:rPr lang="en-US" sz="1400" spc="5" dirty="0">
+                <a:latin typeface="Book Antiqua"/>
+                <a:cs typeface="Book Antiqua"/>
+              </a:rPr>
+              <a:t> </a:t>
+            </a:r>
+            <a:r>
+              <a:rPr lang="en-US" sz="1400" spc="-40" dirty="0">
+                <a:latin typeface="Book Antiqua"/>
+                <a:cs typeface="Book Antiqua"/>
+              </a:rPr>
+              <a:t>are</a:t>
+            </a:r>
+            <a:r>
+              <a:rPr lang="en-US" sz="1400" spc="10" dirty="0">
+                <a:latin typeface="Book Antiqua"/>
+                <a:cs typeface="Book Antiqua"/>
+              </a:rPr>
+              <a:t> </a:t>
+            </a:r>
+            <a:r>
+              <a:rPr lang="en-US" sz="1400" spc="-65" dirty="0">
+                <a:latin typeface="Book Antiqua"/>
+                <a:cs typeface="Book Antiqua"/>
+              </a:rPr>
+              <a:t>rows,</a:t>
+            </a:r>
+            <a:r>
+              <a:rPr lang="en-US" sz="1400" spc="10" dirty="0">
+                <a:latin typeface="Book Antiqua"/>
+                <a:cs typeface="Book Antiqua"/>
+              </a:rPr>
+              <a:t> </a:t>
+            </a:r>
+            <a:r>
+              <a:rPr lang="en-US" sz="1400" spc="-45" dirty="0">
+                <a:latin typeface="Book Antiqua"/>
+                <a:cs typeface="Book Antiqua"/>
+              </a:rPr>
+              <a:t>documents</a:t>
+            </a:r>
+            <a:r>
+              <a:rPr lang="en-US" sz="1400" spc="5" dirty="0">
+                <a:latin typeface="Book Antiqua"/>
+                <a:cs typeface="Book Antiqua"/>
+              </a:rPr>
+              <a:t> </a:t>
+            </a:r>
+            <a:r>
+              <a:rPr lang="en-US" sz="1400" spc="-40" dirty="0">
+                <a:latin typeface="Book Antiqua"/>
+                <a:cs typeface="Book Antiqua"/>
+              </a:rPr>
+              <a:t>are</a:t>
+            </a:r>
+            <a:r>
+              <a:rPr lang="en-US" sz="1400" spc="10" dirty="0">
+                <a:latin typeface="Book Antiqua"/>
+                <a:cs typeface="Book Antiqua"/>
+              </a:rPr>
+              <a:t> </a:t>
+            </a:r>
+            <a:r>
+              <a:rPr lang="en-US" sz="1400" spc="-45" dirty="0">
+                <a:latin typeface="Book Antiqua"/>
+                <a:cs typeface="Book Antiqua"/>
+              </a:rPr>
+              <a:t>columns,</a:t>
+            </a:r>
+            <a:r>
+              <a:rPr lang="en-US" sz="1400" spc="10" dirty="0">
+                <a:latin typeface="Book Antiqua"/>
+                <a:cs typeface="Book Antiqua"/>
+              </a:rPr>
+              <a:t> </a:t>
+            </a:r>
+            <a:r>
+              <a:rPr lang="en-US" sz="1400" spc="-30" dirty="0">
+                <a:latin typeface="Book Antiqua"/>
+                <a:cs typeface="Book Antiqua"/>
+              </a:rPr>
+              <a:t>entries</a:t>
+            </a:r>
+            <a:r>
+              <a:rPr lang="en-US" sz="1400" spc="10" dirty="0">
+                <a:latin typeface="Book Antiqua"/>
+                <a:cs typeface="Book Antiqua"/>
+              </a:rPr>
+              <a:t> </a:t>
+            </a:r>
+            <a:r>
+              <a:rPr lang="en-US" sz="1400" spc="-40" dirty="0">
+                <a:latin typeface="Book Antiqua"/>
+                <a:cs typeface="Book Antiqua"/>
+              </a:rPr>
+              <a:t>are</a:t>
+            </a:r>
+            <a:r>
+              <a:rPr lang="en-US" sz="1400" spc="5" dirty="0">
+                <a:latin typeface="Book Antiqua"/>
+                <a:cs typeface="Book Antiqua"/>
+              </a:rPr>
+              <a:t> </a:t>
+            </a:r>
+            <a:r>
+              <a:rPr lang="en-US" sz="1400" spc="-45" dirty="0">
+                <a:latin typeface="Book Antiqua"/>
+                <a:cs typeface="Book Antiqua"/>
+              </a:rPr>
+              <a:t>number</a:t>
+            </a:r>
+            <a:r>
+              <a:rPr lang="en-US" sz="1400" spc="10" dirty="0">
+                <a:latin typeface="Book Antiqua"/>
+                <a:cs typeface="Book Antiqua"/>
+              </a:rPr>
+              <a:t> </a:t>
+            </a:r>
+            <a:r>
+              <a:rPr lang="en-US" sz="1400" spc="-25" dirty="0">
+                <a:latin typeface="Book Antiqua"/>
+                <a:cs typeface="Book Antiqua"/>
+              </a:rPr>
+              <a:t>of</a:t>
+            </a:r>
+            <a:r>
+              <a:rPr lang="en-US" sz="1400" spc="10" dirty="0">
+                <a:latin typeface="Book Antiqua"/>
+                <a:cs typeface="Book Antiqua"/>
+              </a:rPr>
+              <a:t> </a:t>
+            </a:r>
+            <a:r>
+              <a:rPr lang="en-US" sz="1400" spc="-35" dirty="0">
+                <a:latin typeface="Book Antiqua"/>
+                <a:cs typeface="Book Antiqua"/>
+              </a:rPr>
+              <a:t>times</a:t>
+            </a:r>
+            <a:r>
+              <a:rPr lang="en-US" sz="1400" spc="5" dirty="0">
+                <a:latin typeface="Book Antiqua"/>
+                <a:cs typeface="Book Antiqua"/>
+              </a:rPr>
+              <a:t> </a:t>
+            </a:r>
+            <a:r>
+              <a:rPr lang="en-US" sz="1400" spc="-75" dirty="0">
+                <a:latin typeface="Book Antiqua"/>
+                <a:cs typeface="Book Antiqua"/>
+              </a:rPr>
+              <a:t>word</a:t>
+            </a:r>
+            <a:r>
+              <a:rPr lang="en-US" sz="1400" spc="10" dirty="0">
+                <a:latin typeface="Book Antiqua"/>
+                <a:cs typeface="Book Antiqua"/>
+              </a:rPr>
+              <a:t> </a:t>
+            </a:r>
+            <a:r>
+              <a:rPr lang="en-US" sz="1400" spc="-60" dirty="0">
+                <a:latin typeface="Book Antiqua"/>
+                <a:cs typeface="Book Antiqua"/>
+              </a:rPr>
+              <a:t>appears</a:t>
+            </a:r>
+            <a:r>
+              <a:rPr lang="en-US" sz="1400" spc="10" dirty="0">
+                <a:latin typeface="Book Antiqua"/>
+                <a:cs typeface="Book Antiqua"/>
+              </a:rPr>
+              <a:t> </a:t>
+            </a:r>
+            <a:r>
+              <a:rPr lang="en-US" sz="1400" spc="-30" dirty="0">
+                <a:latin typeface="Book Antiqua"/>
+                <a:cs typeface="Book Antiqua"/>
+              </a:rPr>
+              <a:t>in</a:t>
+            </a:r>
+            <a:r>
+              <a:rPr lang="en-US" sz="1400" spc="10" dirty="0">
+                <a:latin typeface="Book Antiqua"/>
+                <a:cs typeface="Book Antiqua"/>
+              </a:rPr>
+              <a:t> </a:t>
+            </a:r>
+            <a:r>
+              <a:rPr lang="en-US" sz="1400" spc="-50" dirty="0">
+                <a:latin typeface="Book Antiqua"/>
+                <a:cs typeface="Book Antiqua"/>
+              </a:rPr>
+              <a:t>document.</a:t>
+            </a:r>
+            <a:endParaRPr lang="en-US" sz="1200" spc="-35" dirty="0">
+              <a:latin typeface="Arial"/>
+              <a:cs typeface="Arial"/>
+            </a:endParaRPr>
+          </a:p>
+          <a:p>
             <a:pPr marL="0" marR="0" lvl="0" indent="0" algn="l" defTabSz="914400" rtl="0" eaLnBrk="1" fontAlgn="auto" latinLnBrk="0" hangingPunct="1">
               <a:lnSpc>
                 <a:spcPct val="100000"/>
@@ -1642,7 +1912,7 @@
           <a:p>
             <a:fld id="{64E8FA7E-3529-44EE-AFD5-6167B49EB9D5}" type="slidenum">
               <a:rPr lang="en-US" smtClean="0"/>
-              <a:t>28</a:t>
+              <a:t>27</a:t>
             </a:fld>
             <a:endParaRPr lang="en-US"/>
           </a:p>
@@ -1874,6 +2144,107 @@
       </p:grpSpPr>
       <p:sp>
         <p:nvSpPr>
+          <p:cNvPr id="161" name="PlaceHolder 1"/>
+          <p:cNvSpPr>
+            <a:spLocks noGrp="1"/>
+          </p:cNvSpPr>
+          <p:nvPr>
+            <p:ph type="body"/>
+          </p:nvPr>
+        </p:nvSpPr>
+        <p:spPr>
+          <a:xfrm>
+            <a:off x="777240" y="4777560"/>
+            <a:ext cx="6217560" cy="4525920"/>
+          </a:xfrm>
+          <a:prstGeom prst="rect">
+            <a:avLst/>
+          </a:prstGeom>
+        </p:spPr>
+        <p:txBody>
+          <a:bodyPr lIns="0" tIns="0" rIns="0" bIns="0"/>
+          <a:lstStyle/>
+          <a:p>
+            <a:r>
+              <a:rPr lang="en-US" sz="1200" dirty="0">
+                <a:latin typeface="Arial"/>
+                <a:cs typeface="Arial"/>
+              </a:rPr>
+              <a:t>Your first decision, can I do automated text analysis? It requires digitized text. </a:t>
+            </a:r>
+          </a:p>
+          <a:p>
+            <a:r>
+              <a:rPr lang="en-US" sz="1200" dirty="0">
+                <a:latin typeface="Arial"/>
+                <a:cs typeface="Arial"/>
+              </a:rPr>
+              <a:t>Cosine similarity just</a:t>
+            </a:r>
+            <a:r>
+              <a:rPr lang="en-US" sz="1200" baseline="0" dirty="0">
+                <a:latin typeface="Arial"/>
+                <a:cs typeface="Arial"/>
+              </a:rPr>
+              <a:t> checks how similar the corpora are – useful for plagiarism checking. If the number is near zero, someone plagiarized</a:t>
+            </a:r>
+          </a:p>
+          <a:p>
+            <a:endParaRPr lang="en-US" sz="1200" dirty="0">
+              <a:latin typeface="Arial"/>
+              <a:cs typeface="Arial"/>
+            </a:endParaRPr>
+          </a:p>
+          <a:p>
+            <a:r>
+              <a:rPr lang="en-US" sz="1200" dirty="0">
+                <a:latin typeface="Arial"/>
+                <a:cs typeface="Arial"/>
+              </a:rPr>
+              <a:t>Second question, do I want to do deductive or inductive analysis?</a:t>
+            </a:r>
+          </a:p>
+          <a:p>
+            <a:endParaRPr lang="en-US" sz="1200" dirty="0">
+              <a:latin typeface="Arial"/>
+              <a:cs typeface="Arial"/>
+            </a:endParaRPr>
+          </a:p>
+          <a:p>
+            <a:endParaRPr dirty="0">
+              <a:latin typeface="Arial"/>
+              <a:cs typeface="Arial"/>
+            </a:endParaRPr>
+          </a:p>
+        </p:txBody>
+      </p:sp>
+    </p:spTree>
+  </p:cSld>
+  <p:clrMapOvr>
+    <a:masterClrMapping/>
+  </p:clrMapOvr>
+</p:notes>
+</file>
+
+<file path=ppt/notesSlides/notesSlide16.xml><?xml version="1.0" encoding="utf-8"?>
+<p:notes xmlns:a="http://schemas.openxmlformats.org/drawingml/2006/main" xmlns:r="http://schemas.openxmlformats.org/officeDocument/2006/relationships" xmlns:p="http://schemas.openxmlformats.org/presentationml/2006/main">
+  <p:cSld>
+    <p:spTree>
+      <p:nvGrpSpPr>
+        <p:cNvPr id="1" name=""/>
+        <p:cNvGrpSpPr/>
+        <p:nvPr/>
+      </p:nvGrpSpPr>
+      <p:grpSpPr>
+        <a:xfrm>
+          <a:off x="0" y="0"/>
+          <a:ext cx="0" cy="0"/>
+          <a:chOff x="0" y="0"/>
+          <a:chExt cx="0" cy="0"/>
+        </a:xfrm>
+      </p:grpSpPr>
+      <p:sp>
+        <p:nvSpPr>
           <p:cNvPr id="2" name="Slide Image Placeholder 1"/>
           <p:cNvSpPr>
             <a:spLocks noGrp="1" noRot="1" noChangeAspect="1"/>
@@ -2467,7 +2838,7 @@
           <a:p>
             <a:fld id="{64E8FA7E-3529-44EE-AFD5-6167B49EB9D5}" type="slidenum">
               <a:rPr lang="en-US" smtClean="0"/>
-              <a:t>35</a:t>
+              <a:t>36</a:t>
             </a:fld>
             <a:endParaRPr lang="en-US"/>
           </a:p>
@@ -2486,7 +2857,7 @@
 </p:notes>
 </file>
 
-<file path=ppt/notesSlides/notesSlide16.xml><?xml version="1.0" encoding="utf-8"?>
+<file path=ppt/notesSlides/notesSlide17.xml><?xml version="1.0" encoding="utf-8"?>
 <p:notes xmlns:a="http://schemas.openxmlformats.org/drawingml/2006/main" xmlns:r="http://schemas.openxmlformats.org/officeDocument/2006/relationships" xmlns:p="http://schemas.openxmlformats.org/presentationml/2006/main">
   <p:cSld>
     <p:spTree>
@@ -2589,7 +2960,7 @@
           <a:p>
             <a:fld id="{64E8FA7E-3529-44EE-AFD5-6167B49EB9D5}" type="slidenum">
               <a:rPr lang="en-US" smtClean="0"/>
-              <a:t>39</a:t>
+              <a:t>40</a:t>
             </a:fld>
             <a:endParaRPr lang="en-US"/>
           </a:p>
@@ -5074,7 +5445,7 @@
           </a:bodyPr>
           <a:lstStyle/>
           <a:p>
-            <a:pPr marL="906780" marR="5080" indent="-894715">
+            <a:pPr marL="906780" marR="5080" indent="-894715" algn="ctr">
               <a:lnSpc>
                 <a:spcPct val="100299"/>
               </a:lnSpc>
@@ -5083,34 +5454,14 @@
               </a:spcBef>
             </a:pPr>
             <a:r>
-              <a:rPr sz="4800" dirty="0">
+              <a:rPr lang="en-US" sz="4800" dirty="0">
                 <a:solidFill>
                   <a:schemeClr val="tx1"/>
                 </a:solidFill>
                 <a:latin typeface="Arial Narrow"/>
                 <a:cs typeface="Arial Narrow"/>
               </a:rPr>
-              <a:t>Computational </a:t>
-            </a:r>
-            <a:r>
-              <a:rPr sz="4800" spc="120" dirty="0">
-                <a:solidFill>
-                  <a:schemeClr val="tx1"/>
-                </a:solidFill>
-                <a:latin typeface="Arial Narrow"/>
-                <a:cs typeface="Arial Narrow"/>
-              </a:rPr>
-              <a:t>text</a:t>
-            </a:r>
-            <a:r>
-              <a:rPr sz="4800" spc="-10" dirty="0">
-                <a:solidFill>
-                  <a:schemeClr val="tx1"/>
-                </a:solidFill>
-                <a:latin typeface="Arial Narrow"/>
-                <a:cs typeface="Arial Narrow"/>
-              </a:rPr>
-              <a:t> </a:t>
+              <a:t>Text as Data</a:t>
             </a:r>
             <a:r>
               <a:rPr sz="4800" spc="-60" dirty="0">
@@ -5120,7 +5471,7 @@
                 <a:latin typeface="Arial Narrow"/>
                 <a:cs typeface="Arial Narrow"/>
               </a:rPr>
-              <a:t>analysis:</a:t>
+              <a:t>:</a:t>
             </a:r>
             <a:endParaRPr sz="4800" dirty="0">
               <a:solidFill>
@@ -5140,8 +5491,8 @@
         </p:nvSpPr>
         <p:spPr>
           <a:xfrm>
-            <a:off x="1181099" y="3323691"/>
-            <a:ext cx="6781800" cy="1644040"/>
+            <a:off x="1181099" y="2464104"/>
+            <a:ext cx="6781800" cy="2507097"/>
           </a:xfrm>
           <a:prstGeom prst="rect">
             <a:avLst/>
@@ -5186,12 +5537,39 @@
               </a:spcBef>
             </a:pPr>
             <a:r>
-              <a:rPr lang="en-US" sz="2100" i="1" spc="-35" dirty="0">
+              <a:rPr lang="en-US" sz="2100" spc="-35" dirty="0">
                 <a:latin typeface="Book Antiqua"/>
                 <a:cs typeface="Book Antiqua"/>
               </a:rPr>
               <a:t>Jaren Haber</a:t>
             </a:r>
+          </a:p>
+          <a:p>
+            <a:pPr marL="2201545" marR="2193925" algn="ctr">
+              <a:lnSpc>
+                <a:spcPct val="101200"/>
+              </a:lnSpc>
+              <a:spcBef>
+                <a:spcPts val="70"/>
+              </a:spcBef>
+            </a:pPr>
+            <a:r>
+              <a:rPr lang="en-US" sz="2100" spc="-35" dirty="0">
+                <a:latin typeface="Book Antiqua"/>
+                <a:cs typeface="Book Antiqua"/>
+              </a:rPr>
+              <a:t>UC Berkeley</a:t>
+            </a:r>
+          </a:p>
+          <a:p>
+            <a:pPr marL="2201545" marR="2193925" algn="ctr">
+              <a:lnSpc>
+                <a:spcPct val="101200"/>
+              </a:lnSpc>
+              <a:spcBef>
+                <a:spcPts val="70"/>
+              </a:spcBef>
+            </a:pPr>
             <a:endParaRPr sz="2100" i="1" dirty="0">
               <a:latin typeface="Book Antiqua"/>
               <a:cs typeface="Book Antiqua"/>
@@ -5207,90 +5585,121 @@
               </a:spcBef>
             </a:pPr>
             <a:r>
-              <a:rPr sz="2100" spc="-30" dirty="0">
-                <a:latin typeface="Book Antiqua"/>
-                <a:cs typeface="Book Antiqua"/>
-              </a:rPr>
-              <a:t>With </a:t>
-            </a:r>
-            <a:r>
-              <a:rPr sz="2100" spc="-60" dirty="0">
-                <a:latin typeface="Book Antiqua"/>
-                <a:cs typeface="Book Antiqua"/>
-              </a:rPr>
-              <a:t>special thanks </a:t>
-            </a:r>
-            <a:r>
-              <a:rPr sz="2100" spc="-20" dirty="0">
+              <a:rPr lang="en-US" spc="-30" dirty="0">
+                <a:latin typeface="Book Antiqua"/>
+                <a:cs typeface="Book Antiqua"/>
+              </a:rPr>
+              <a:t>S</a:t>
+            </a:r>
+            <a:r>
+              <a:rPr spc="-60" dirty="0">
+                <a:latin typeface="Book Antiqua"/>
+                <a:cs typeface="Book Antiqua"/>
+              </a:rPr>
+              <a:t>pecial thanks </a:t>
+            </a:r>
+            <a:r>
+              <a:rPr spc="-20" dirty="0">
                 <a:latin typeface="Book Antiqua"/>
                 <a:cs typeface="Book Antiqua"/>
               </a:rPr>
               <a:t>to Ben </a:t>
             </a:r>
             <a:r>
-              <a:rPr sz="2100" spc="-50" dirty="0" err="1">
+              <a:rPr spc="-50" dirty="0" err="1">
                 <a:latin typeface="Book Antiqua"/>
                 <a:cs typeface="Book Antiqua"/>
               </a:rPr>
               <a:t>Gebre</a:t>
             </a:r>
             <a:r>
-              <a:rPr sz="2100" spc="-50" dirty="0">
+              <a:rPr spc="-50" dirty="0">
                 <a:latin typeface="Book Antiqua"/>
                 <a:cs typeface="Book Antiqua"/>
               </a:rPr>
               <a:t>-Medhin</a:t>
             </a:r>
             <a:r>
-              <a:rPr lang="en-US" sz="2100" spc="-50" dirty="0">
+              <a:rPr lang="en-US" spc="-50" dirty="0">
                 <a:latin typeface="Book Antiqua"/>
                 <a:cs typeface="Book Antiqua"/>
               </a:rPr>
               <a:t>,</a:t>
             </a:r>
             <a:r>
-              <a:rPr sz="2100" spc="-95" dirty="0">
+              <a:rPr spc="-95" dirty="0">
                 <a:latin typeface="Book Antiqua"/>
                 <a:cs typeface="Book Antiqua"/>
               </a:rPr>
               <a:t> </a:t>
             </a:r>
             <a:r>
-              <a:rPr sz="2100" spc="-80" dirty="0">
+              <a:rPr spc="-80" dirty="0">
                 <a:latin typeface="Book Antiqua"/>
                 <a:cs typeface="Book Antiqua"/>
               </a:rPr>
               <a:t>Laura</a:t>
             </a:r>
             <a:r>
-              <a:rPr sz="2100" spc="330" dirty="0">
+              <a:rPr spc="330" dirty="0">
                 <a:latin typeface="Book Antiqua"/>
                 <a:cs typeface="Book Antiqua"/>
               </a:rPr>
               <a:t> </a:t>
             </a:r>
             <a:r>
-              <a:rPr sz="2100" spc="-60" dirty="0">
+              <a:rPr spc="-60" dirty="0">
                 <a:latin typeface="Book Antiqua"/>
                 <a:cs typeface="Book Antiqua"/>
               </a:rPr>
               <a:t>Nelson</a:t>
             </a:r>
             <a:r>
-              <a:rPr lang="en-US" sz="2100" spc="-60" dirty="0">
-                <a:latin typeface="Book Antiqua"/>
-                <a:cs typeface="Book Antiqua"/>
-              </a:rPr>
-              <a:t>, Geoff Bacon, and Caroline Le </a:t>
-            </a:r>
-            <a:r>
-              <a:rPr lang="en-US" sz="2100" spc="-60" dirty="0" err="1">
+              <a:rPr lang="en-US" spc="-60" dirty="0">
+                <a:latin typeface="Book Antiqua"/>
+                <a:cs typeface="Book Antiqua"/>
+              </a:rPr>
+              <a:t>, </a:t>
+            </a:r>
+          </a:p>
+          <a:p>
+            <a:pPr algn="ctr">
+              <a:lnSpc>
+                <a:spcPct val="100000"/>
+              </a:lnSpc>
+              <a:spcBef>
+                <a:spcPts val="30"/>
+              </a:spcBef>
+            </a:pPr>
+            <a:r>
+              <a:rPr lang="en-US" spc="-60" dirty="0">
+                <a:latin typeface="Book Antiqua"/>
+                <a:cs typeface="Book Antiqua"/>
+              </a:rPr>
+              <a:t>Geoff Bacon, and Caroline Le </a:t>
+            </a:r>
+            <a:r>
+              <a:rPr lang="en-US" spc="-60" dirty="0" err="1">
                 <a:latin typeface="Book Antiqua"/>
                 <a:cs typeface="Book Antiqua"/>
               </a:rPr>
               <a:t>Pennec-Caldichoury</a:t>
             </a:r>
-            <a:endParaRPr lang="en-US" sz="2100" spc="-60" dirty="0">
+            <a:endParaRPr lang="en-US" spc="-60" dirty="0">
+              <a:latin typeface="Book Antiqua"/>
+              <a:cs typeface="Book Antiqua"/>
+            </a:endParaRPr>
+          </a:p>
+          <a:p>
+            <a:pPr algn="ctr">
+              <a:lnSpc>
+                <a:spcPct val="100000"/>
+              </a:lnSpc>
+              <a:spcBef>
+                <a:spcPts val="30"/>
+              </a:spcBef>
+            </a:pPr>
+            <a:endParaRPr lang="en-US" spc="-60" dirty="0">
               <a:latin typeface="Book Antiqua"/>
               <a:cs typeface="Book Antiqua"/>
             </a:endParaRPr>
@@ -5349,7 +5758,7 @@
         </p:blipFill>
         <p:spPr>
           <a:xfrm>
-            <a:off x="609600" y="1709360"/>
+            <a:off x="89678" y="0"/>
             <a:ext cx="2680252" cy="1809881"/>
           </a:xfrm>
           <a:prstGeom prst="rect">
@@ -5595,7 +6004,7 @@
         </p:nvSpPr>
         <p:spPr>
           <a:xfrm>
-            <a:off x="3250823" y="1486431"/>
+            <a:off x="3049503" y="1654036"/>
             <a:ext cx="3633529" cy="1865363"/>
           </a:xfrm>
           <a:prstGeom prst="rect">
@@ -5682,7 +6091,7 @@
         </p:nvSpPr>
         <p:spPr>
           <a:xfrm>
-            <a:off x="4100180" y="1136674"/>
+            <a:off x="4572000" y="308947"/>
             <a:ext cx="4585751" cy="2243805"/>
           </a:xfrm>
           <a:prstGeom prst="rect">
@@ -7266,7 +7675,7 @@
               </a:rPr>
               <a:t>reading</a:t>
             </a:r>
-            <a:endParaRPr sz="1800">
+            <a:endParaRPr sz="1800" dirty="0">
               <a:latin typeface="Book Antiqua"/>
               <a:cs typeface="Book Antiqua"/>
             </a:endParaRPr>
@@ -7709,7 +8118,7 @@
         <p:spPr>
           <a:xfrm>
             <a:off x="1447800" y="1352550"/>
-            <a:ext cx="6781800" cy="1755609"/>
+            <a:ext cx="6781800" cy="2084673"/>
           </a:xfrm>
           <a:prstGeom prst="rect">
             <a:avLst/>
@@ -7730,34 +8139,34 @@
               </a:spcBef>
             </a:pPr>
             <a:r>
-              <a:rPr sz="1700" spc="-45" dirty="0">
+              <a:rPr sz="2400" spc="-45" dirty="0">
                 <a:latin typeface="Arial" panose="020B0604020202020204" pitchFamily="34" charset="0"/>
                 <a:cs typeface="Arial" panose="020B0604020202020204" pitchFamily="34" charset="0"/>
               </a:rPr>
               <a:t>Corpus </a:t>
             </a:r>
             <a:r>
-              <a:rPr sz="1700" spc="-35" dirty="0">
+              <a:rPr sz="2400" spc="-35" dirty="0">
                 <a:latin typeface="Arial" panose="020B0604020202020204" pitchFamily="34" charset="0"/>
                 <a:cs typeface="Arial" panose="020B0604020202020204" pitchFamily="34" charset="0"/>
               </a:rPr>
               <a:t>of</a:t>
             </a:r>
             <a:r>
-              <a:rPr sz="1700" spc="75" dirty="0">
+              <a:rPr sz="2400" spc="75" dirty="0">
                 <a:latin typeface="Arial" panose="020B0604020202020204" pitchFamily="34" charset="0"/>
                 <a:cs typeface="Arial" panose="020B0604020202020204" pitchFamily="34" charset="0"/>
               </a:rPr>
               <a:t> </a:t>
             </a:r>
             <a:r>
-              <a:rPr sz="1700" i="1" spc="-55" dirty="0">
+              <a:rPr sz="2400" i="1" spc="-55" dirty="0">
                 <a:latin typeface="Arial" panose="020B0604020202020204" pitchFamily="34" charset="0"/>
                 <a:cs typeface="Arial" panose="020B0604020202020204" pitchFamily="34" charset="0"/>
               </a:rPr>
               <a:t>documents</a:t>
             </a:r>
-            <a:endParaRPr sz="1700" dirty="0">
+            <a:endParaRPr sz="2400" dirty="0">
               <a:latin typeface="Arial" panose="020B0604020202020204" pitchFamily="34" charset="0"/>
               <a:cs typeface="Arial" panose="020B0604020202020204" pitchFamily="34" charset="0"/>
             </a:endParaRPr>
@@ -7772,104 +8181,104 @@
               </a:spcBef>
             </a:pPr>
             <a:r>
-              <a:rPr sz="1700" spc="-35" dirty="0">
+              <a:rPr sz="2400" spc="-35" dirty="0">
                 <a:latin typeface="Arial" panose="020B0604020202020204" pitchFamily="34" charset="0"/>
                 <a:cs typeface="Arial" panose="020B0604020202020204" pitchFamily="34" charset="0"/>
               </a:rPr>
               <a:t>Objective: </a:t>
             </a:r>
             <a:r>
-              <a:rPr sz="1700" spc="-55" dirty="0">
+              <a:rPr sz="2400" spc="-55" dirty="0">
                 <a:latin typeface="Arial" panose="020B0604020202020204" pitchFamily="34" charset="0"/>
                 <a:cs typeface="Arial" panose="020B0604020202020204" pitchFamily="34" charset="0"/>
               </a:rPr>
               <a:t>map </a:t>
             </a:r>
             <a:r>
-              <a:rPr sz="1700" spc="-60" dirty="0">
+              <a:rPr sz="2400" spc="-60" dirty="0">
                 <a:latin typeface="Arial" panose="020B0604020202020204" pitchFamily="34" charset="0"/>
                 <a:cs typeface="Arial" panose="020B0604020202020204" pitchFamily="34" charset="0"/>
               </a:rPr>
               <a:t>raw </a:t>
             </a:r>
             <a:r>
-              <a:rPr sz="1700" spc="-25" dirty="0">
+              <a:rPr sz="2400" spc="-25" dirty="0">
                 <a:latin typeface="Arial" panose="020B0604020202020204" pitchFamily="34" charset="0"/>
                 <a:cs typeface="Arial" panose="020B0604020202020204" pitchFamily="34" charset="0"/>
               </a:rPr>
               <a:t>text </a:t>
             </a:r>
             <a:r>
-              <a:rPr sz="1700" spc="-35" dirty="0">
+              <a:rPr sz="2400" spc="-35" dirty="0">
                 <a:latin typeface="Arial" panose="020B0604020202020204" pitchFamily="34" charset="0"/>
                 <a:cs typeface="Arial" panose="020B0604020202020204" pitchFamily="34" charset="0"/>
               </a:rPr>
               <a:t>of </a:t>
             </a:r>
             <a:r>
-              <a:rPr sz="1700" spc="-60" dirty="0">
+              <a:rPr sz="2400" spc="-60" dirty="0">
                 <a:latin typeface="Arial" panose="020B0604020202020204" pitchFamily="34" charset="0"/>
                 <a:cs typeface="Arial" panose="020B0604020202020204" pitchFamily="34" charset="0"/>
               </a:rPr>
               <a:t>each </a:t>
             </a:r>
             <a:r>
-              <a:rPr sz="1700" spc="-40" dirty="0">
+              <a:rPr sz="2400" spc="-40" dirty="0">
                 <a:latin typeface="Arial" panose="020B0604020202020204" pitchFamily="34" charset="0"/>
                 <a:cs typeface="Arial" panose="020B0604020202020204" pitchFamily="34" charset="0"/>
               </a:rPr>
               <a:t>document </a:t>
             </a:r>
             <a:r>
-              <a:rPr sz="1700" i="1" spc="15" dirty="0">
+              <a:rPr sz="2400" i="1" spc="15" dirty="0">
                 <a:latin typeface="Arial" panose="020B0604020202020204" pitchFamily="34" charset="0"/>
                 <a:cs typeface="Arial" panose="020B0604020202020204" pitchFamily="34" charset="0"/>
               </a:rPr>
               <a:t>i </a:t>
             </a:r>
             <a:r>
-              <a:rPr sz="1700" spc="-15" dirty="0">
+              <a:rPr sz="2400" spc="-15" dirty="0">
                 <a:latin typeface="Arial" panose="020B0604020202020204" pitchFamily="34" charset="0"/>
                 <a:cs typeface="Arial" panose="020B0604020202020204" pitchFamily="34" charset="0"/>
               </a:rPr>
               <a:t>to </a:t>
             </a:r>
             <a:r>
-              <a:rPr sz="1700" spc="-70" dirty="0">
+              <a:rPr sz="2400" spc="-70" dirty="0">
                 <a:latin typeface="Arial" panose="020B0604020202020204" pitchFamily="34" charset="0"/>
                 <a:cs typeface="Arial" panose="020B0604020202020204" pitchFamily="34" charset="0"/>
               </a:rPr>
               <a:t>some </a:t>
             </a:r>
             <a:r>
-              <a:rPr sz="1700" spc="-25" dirty="0">
+              <a:rPr sz="2400" spc="-25" dirty="0">
                 <a:latin typeface="Arial" panose="020B0604020202020204" pitchFamily="34" charset="0"/>
                 <a:cs typeface="Arial" panose="020B0604020202020204" pitchFamily="34" charset="0"/>
               </a:rPr>
               <a:t>attribute</a:t>
             </a:r>
             <a:r>
-              <a:rPr sz="1700" spc="-60" dirty="0">
+              <a:rPr sz="2400" spc="-60" dirty="0">
                 <a:latin typeface="Arial" panose="020B0604020202020204" pitchFamily="34" charset="0"/>
                 <a:cs typeface="Arial" panose="020B0604020202020204" pitchFamily="34" charset="0"/>
               </a:rPr>
               <a:t> </a:t>
             </a:r>
             <a:r>
-              <a:rPr sz="1700" i="1" spc="-15" dirty="0">
+              <a:rPr sz="2400" i="1" spc="-15" dirty="0">
                 <a:latin typeface="Arial" panose="020B0604020202020204" pitchFamily="34" charset="0"/>
                 <a:cs typeface="Arial" panose="020B0604020202020204" pitchFamily="34" charset="0"/>
               </a:rPr>
               <a:t>v</a:t>
             </a:r>
             <a:r>
-              <a:rPr sz="1700" i="1" spc="-22" baseline="-10416" dirty="0">
+              <a:rPr sz="2400" i="1" spc="-22" baseline="-10416" dirty="0">
                 <a:latin typeface="Arial" panose="020B0604020202020204" pitchFamily="34" charset="0"/>
                 <a:cs typeface="Arial" panose="020B0604020202020204" pitchFamily="34" charset="0"/>
               </a:rPr>
               <a:t>i</a:t>
             </a:r>
-            <a:endParaRPr sz="1700" baseline="-10416" dirty="0">
+            <a:endParaRPr sz="2400" baseline="-10416" dirty="0">
               <a:latin typeface="Arial" panose="020B0604020202020204" pitchFamily="34" charset="0"/>
               <a:cs typeface="Arial" panose="020B0604020202020204" pitchFamily="34" charset="0"/>
             </a:endParaRPr>
@@ -7888,7 +8297,7 @@
               <a:buFont typeface="Arial"/>
               <a:buChar char="►"/>
             </a:pPr>
-            <a:endParaRPr sz="1700" dirty="0">
+            <a:endParaRPr sz="2400" dirty="0">
               <a:latin typeface="Arial" panose="020B0604020202020204" pitchFamily="34" charset="0"/>
               <a:cs typeface="Arial" panose="020B0604020202020204" pitchFamily="34" charset="0"/>
             </a:endParaRPr>
@@ -7900,218 +8309,126 @@
               </a:lnSpc>
             </a:pPr>
             <a:r>
-              <a:rPr sz="1700" spc="-20" dirty="0">
+              <a:rPr sz="2400" spc="-20" dirty="0">
                 <a:latin typeface="Arial" panose="020B0604020202020204" pitchFamily="34" charset="0"/>
                 <a:cs typeface="Arial" panose="020B0604020202020204" pitchFamily="34" charset="0"/>
               </a:rPr>
               <a:t>The </a:t>
             </a:r>
             <a:r>
-              <a:rPr sz="1700" spc="-40" dirty="0">
+              <a:rPr sz="2400" spc="-40" dirty="0">
                 <a:latin typeface="Arial" panose="020B0604020202020204" pitchFamily="34" charset="0"/>
                 <a:cs typeface="Arial" panose="020B0604020202020204" pitchFamily="34" charset="0"/>
               </a:rPr>
               <a:t>estimated </a:t>
             </a:r>
             <a:r>
-              <a:rPr sz="1700" spc="-25" dirty="0">
+              <a:rPr sz="2400" spc="-25" dirty="0">
                 <a:latin typeface="Arial" panose="020B0604020202020204" pitchFamily="34" charset="0"/>
                 <a:cs typeface="Arial" panose="020B0604020202020204" pitchFamily="34" charset="0"/>
               </a:rPr>
               <a:t>attribute </a:t>
             </a:r>
             <a:r>
-              <a:rPr sz="1700" i="1" spc="-215" dirty="0">
+              <a:rPr sz="2400" i="1" spc="-215" dirty="0">
                 <a:latin typeface="Arial" panose="020B0604020202020204" pitchFamily="34" charset="0"/>
                 <a:cs typeface="Arial" panose="020B0604020202020204" pitchFamily="34" charset="0"/>
               </a:rPr>
               <a:t>v</a:t>
             </a:r>
             <a:r>
-              <a:rPr sz="1700" spc="-215" dirty="0">
+              <a:rPr sz="2400" spc="-215" dirty="0">
                 <a:latin typeface="Arial" panose="020B0604020202020204" pitchFamily="34" charset="0"/>
                 <a:cs typeface="Arial" panose="020B0604020202020204" pitchFamily="34" charset="0"/>
               </a:rPr>
               <a:t>ˆ</a:t>
             </a:r>
             <a:r>
-              <a:rPr sz="1700" i="1" spc="-322" baseline="-10416" dirty="0">
+              <a:rPr sz="2400" i="1" spc="-322" baseline="-10416" dirty="0">
                 <a:latin typeface="Arial" panose="020B0604020202020204" pitchFamily="34" charset="0"/>
                 <a:cs typeface="Arial" panose="020B0604020202020204" pitchFamily="34" charset="0"/>
               </a:rPr>
               <a:t>i </a:t>
             </a:r>
             <a:r>
-              <a:rPr sz="1700" spc="-45" dirty="0">
+              <a:rPr sz="2400" spc="-45" dirty="0">
                 <a:latin typeface="Arial" panose="020B0604020202020204" pitchFamily="34" charset="0"/>
                 <a:cs typeface="Arial" panose="020B0604020202020204" pitchFamily="34" charset="0"/>
               </a:rPr>
               <a:t>can then </a:t>
             </a:r>
             <a:r>
-              <a:rPr sz="1700" spc="-55" dirty="0">
+              <a:rPr sz="2400" spc="-55" dirty="0">
                 <a:latin typeface="Arial" panose="020B0604020202020204" pitchFamily="34" charset="0"/>
                 <a:cs typeface="Arial" panose="020B0604020202020204" pitchFamily="34" charset="0"/>
               </a:rPr>
               <a:t>be </a:t>
             </a:r>
             <a:r>
-              <a:rPr sz="1700" spc="-70" dirty="0">
+              <a:rPr sz="2400" spc="-70" dirty="0">
                 <a:latin typeface="Arial" panose="020B0604020202020204" pitchFamily="34" charset="0"/>
                 <a:cs typeface="Arial" panose="020B0604020202020204" pitchFamily="34" charset="0"/>
               </a:rPr>
               <a:t>used </a:t>
             </a:r>
             <a:r>
-              <a:rPr sz="1700" spc="-45" dirty="0">
+              <a:rPr sz="2400" spc="-45" dirty="0">
                 <a:latin typeface="Arial" panose="020B0604020202020204" pitchFamily="34" charset="0"/>
                 <a:cs typeface="Arial" panose="020B0604020202020204" pitchFamily="34" charset="0"/>
               </a:rPr>
-              <a:t>for </a:t>
-            </a:r>
-            <a:r>
-              <a:rPr sz="1700" spc="-40" dirty="0">
-                <a:latin typeface="Arial" panose="020B0604020202020204" pitchFamily="34" charset="0"/>
-                <a:cs typeface="Arial" panose="020B0604020202020204" pitchFamily="34" charset="0"/>
-              </a:rPr>
-              <a:t>descriptive </a:t>
-            </a:r>
-            <a:r>
-              <a:rPr sz="1700" spc="-60" dirty="0">
-                <a:latin typeface="Arial" panose="020B0604020202020204" pitchFamily="34" charset="0"/>
-                <a:cs typeface="Arial" panose="020B0604020202020204" pitchFamily="34" charset="0"/>
-              </a:rPr>
-              <a:t>or </a:t>
-            </a:r>
-            <a:r>
-              <a:rPr sz="1700" spc="-45" dirty="0">
-                <a:latin typeface="Arial" panose="020B0604020202020204" pitchFamily="34" charset="0"/>
-                <a:cs typeface="Arial" panose="020B0604020202020204" pitchFamily="34" charset="0"/>
-              </a:rPr>
-              <a:t>causal  </a:t>
-            </a:r>
-            <a:r>
-              <a:rPr sz="1700" spc="-50" dirty="0">
-                <a:latin typeface="Arial" panose="020B0604020202020204" pitchFamily="34" charset="0"/>
-                <a:cs typeface="Arial" panose="020B0604020202020204" pitchFamily="34" charset="0"/>
-              </a:rPr>
-              <a:t>analysis:</a:t>
-            </a:r>
-            <a:endParaRPr sz="1700" dirty="0">
+              <a:t>for</a:t>
+            </a:r>
+            <a:endParaRPr lang="en-US" sz="2400" spc="-45" dirty="0">
               <a:latin typeface="Arial" panose="020B0604020202020204" pitchFamily="34" charset="0"/>
               <a:cs typeface="Arial" panose="020B0604020202020204" pitchFamily="34" charset="0"/>
             </a:endParaRPr>
           </a:p>
           <a:p>
-            <a:pPr marL="340360" marR="180340" indent="-137160">
+            <a:pPr marL="63500" marR="43180">
               <a:lnSpc>
-                <a:spcPct val="100000"/>
+                <a:spcPts val="1200"/>
               </a:lnSpc>
-              <a:spcBef>
-                <a:spcPts val="150"/>
-              </a:spcBef>
-              <a:buClr>
-                <a:srgbClr val="3333B2"/>
-              </a:buClr>
-              <a:buSzPct val="60000"/>
-              <a:buFont typeface="Arial"/>
-              <a:buChar char="►"/>
-              <a:tabLst>
-                <a:tab pos="340995" algn="l"/>
-              </a:tabLst>
             </a:pPr>
-            <a:r>
-              <a:rPr sz="1700" spc="-40" dirty="0">
+            <a:endParaRPr lang="en-US" sz="2400" spc="-45" dirty="0">
+              <a:latin typeface="Arial" panose="020B0604020202020204" pitchFamily="34" charset="0"/>
+              <a:cs typeface="Arial" panose="020B0604020202020204" pitchFamily="34" charset="0"/>
+            </a:endParaRPr>
+          </a:p>
+          <a:p>
+            <a:pPr marL="63500" marR="43180">
+              <a:lnSpc>
+                <a:spcPts val="1200"/>
+              </a:lnSpc>
+            </a:pPr>
+            <a:r>
+              <a:rPr sz="2400" spc="-40" dirty="0">
                 <a:latin typeface="Arial" panose="020B0604020202020204" pitchFamily="34" charset="0"/>
                 <a:cs typeface="Arial" panose="020B0604020202020204" pitchFamily="34" charset="0"/>
               </a:rPr>
-              <a:t>causal effect </a:t>
-            </a:r>
-            <a:r>
-              <a:rPr sz="1700" spc="-30" dirty="0">
+              <a:t>descriptive </a:t>
+            </a:r>
+            <a:r>
+              <a:rPr sz="2400" spc="-60" dirty="0">
                 <a:latin typeface="Arial" panose="020B0604020202020204" pitchFamily="34" charset="0"/>
                 <a:cs typeface="Arial" panose="020B0604020202020204" pitchFamily="34" charset="0"/>
               </a:rPr>
-              <a:t>of </a:t>
-            </a:r>
-            <a:r>
-              <a:rPr sz="1700" spc="-20" dirty="0">
+              <a:t>or </a:t>
+            </a:r>
+            <a:r>
+              <a:rPr sz="2400" spc="-45" dirty="0">
                 <a:latin typeface="Arial" panose="020B0604020202020204" pitchFamily="34" charset="0"/>
                 <a:cs typeface="Arial" panose="020B0604020202020204" pitchFamily="34" charset="0"/>
               </a:rPr>
-              <a:t>racial </a:t>
-            </a:r>
-            <a:r>
-              <a:rPr sz="1700" spc="-40" dirty="0">
+              <a:t>causal  </a:t>
+            </a:r>
+            <a:r>
+              <a:rPr sz="2400" spc="-50" dirty="0">
                 <a:latin typeface="Arial" panose="020B0604020202020204" pitchFamily="34" charset="0"/>
                 <a:cs typeface="Arial" panose="020B0604020202020204" pitchFamily="34" charset="0"/>
               </a:rPr>
-              <a:t>animus predicted </a:t>
-            </a:r>
-            <a:r>
-              <a:rPr sz="1700" spc="-35" dirty="0">
-                <a:latin typeface="Arial" panose="020B0604020202020204" pitchFamily="34" charset="0"/>
-                <a:cs typeface="Arial" panose="020B0604020202020204" pitchFamily="34" charset="0"/>
-              </a:rPr>
-              <a:t>from Google </a:t>
-            </a:r>
-            <a:r>
-              <a:rPr sz="1700" spc="-55" dirty="0">
-                <a:latin typeface="Arial" panose="020B0604020202020204" pitchFamily="34" charset="0"/>
-                <a:cs typeface="Arial" panose="020B0604020202020204" pitchFamily="34" charset="0"/>
-              </a:rPr>
-              <a:t>search </a:t>
-            </a:r>
-            <a:r>
-              <a:rPr sz="1700" spc="-30" dirty="0">
-                <a:latin typeface="Arial" panose="020B0604020202020204" pitchFamily="34" charset="0"/>
-                <a:cs typeface="Arial" panose="020B0604020202020204" pitchFamily="34" charset="0"/>
-              </a:rPr>
-              <a:t>data </a:t>
-            </a:r>
-            <a:r>
-              <a:rPr sz="1700" spc="-45" dirty="0">
-                <a:latin typeface="Arial" panose="020B0604020202020204" pitchFamily="34" charset="0"/>
-                <a:cs typeface="Arial" panose="020B0604020202020204" pitchFamily="34" charset="0"/>
-              </a:rPr>
-              <a:t>on  </a:t>
-            </a:r>
-            <a:r>
-              <a:rPr sz="1700" spc="-40" dirty="0">
-                <a:latin typeface="Arial" panose="020B0604020202020204" pitchFamily="34" charset="0"/>
-                <a:cs typeface="Arial" panose="020B0604020202020204" pitchFamily="34" charset="0"/>
-              </a:rPr>
-              <a:t>vote for </a:t>
-            </a:r>
-            <a:r>
-              <a:rPr sz="1700" spc="-35" dirty="0">
-                <a:latin typeface="Arial" panose="020B0604020202020204" pitchFamily="34" charset="0"/>
-                <a:cs typeface="Arial" panose="020B0604020202020204" pitchFamily="34" charset="0"/>
-              </a:rPr>
-              <a:t>Obama </a:t>
-            </a:r>
-            <a:r>
-              <a:rPr sz="1700" spc="-30" dirty="0">
-                <a:latin typeface="Arial" panose="020B0604020202020204" pitchFamily="34" charset="0"/>
-                <a:cs typeface="Arial" panose="020B0604020202020204" pitchFamily="34" charset="0"/>
-              </a:rPr>
-              <a:t>(Stephens-Davidowitz</a:t>
-            </a:r>
-            <a:r>
-              <a:rPr sz="1700" spc="185" dirty="0">
-                <a:latin typeface="Arial" panose="020B0604020202020204" pitchFamily="34" charset="0"/>
-                <a:cs typeface="Arial" panose="020B0604020202020204" pitchFamily="34" charset="0"/>
-              </a:rPr>
-              <a:t> </a:t>
-            </a:r>
-            <a:r>
-              <a:rPr sz="1700" spc="-30" dirty="0">
-                <a:latin typeface="Arial" panose="020B0604020202020204" pitchFamily="34" charset="0"/>
-                <a:cs typeface="Arial" panose="020B0604020202020204" pitchFamily="34" charset="0"/>
-              </a:rPr>
-              <a:t>(2014))</a:t>
-            </a:r>
-            <a:endParaRPr sz="1700" dirty="0">
+              <a:t>analysis</a:t>
+            </a:r>
+            <a:endParaRPr sz="2400" dirty="0">
               <a:latin typeface="Arial" panose="020B0604020202020204" pitchFamily="34" charset="0"/>
               <a:cs typeface="Arial" panose="020B0604020202020204" pitchFamily="34" charset="0"/>
             </a:endParaRPr>
@@ -39835,1352 +40152,6 @@
         <p:spPr>
           <a:xfrm>
             <a:off x="384725" y="502810"/>
-            <a:ext cx="3623945" cy="482600"/>
-          </a:xfrm>
-          <a:prstGeom prst="rect">
-            <a:avLst/>
-          </a:prstGeom>
-        </p:spPr>
-        <p:txBody>
-          <a:bodyPr vert="horz" wrap="square" lIns="0" tIns="12700" rIns="0" bIns="0" rtlCol="0">
-            <a:spAutoFit/>
-          </a:bodyPr>
-          <a:lstStyle/>
-          <a:p>
-            <a:pPr marL="12700">
-              <a:lnSpc>
-                <a:spcPct val="100000"/>
-              </a:lnSpc>
-              <a:spcBef>
-                <a:spcPts val="100"/>
-              </a:spcBef>
-            </a:pPr>
-            <a:r>
-              <a:rPr lang="en-US" sz="3000" spc="-20" dirty="0">
-                <a:solidFill>
-                  <a:schemeClr val="tx1"/>
-                </a:solidFill>
-                <a:latin typeface="Arial Narrow"/>
-                <a:cs typeface="Arial Narrow"/>
-              </a:rPr>
-              <a:t>Inputs to modeling</a:t>
-            </a:r>
-            <a:endParaRPr sz="3000" dirty="0">
-              <a:solidFill>
-                <a:schemeClr val="tx1"/>
-              </a:solidFill>
-              <a:latin typeface="Arial Narrow"/>
-              <a:cs typeface="Arial Narrow"/>
-            </a:endParaRPr>
-          </a:p>
-        </p:txBody>
-      </p:sp>
-      <p:sp>
-        <p:nvSpPr>
-          <p:cNvPr id="3" name="object 3"/>
-          <p:cNvSpPr txBox="1">
-            <a:spLocks noGrp="1"/>
-          </p:cNvSpPr>
-          <p:nvPr>
-            <p:ph type="body" idx="1"/>
-          </p:nvPr>
-        </p:nvSpPr>
-        <p:spPr>
-          <a:xfrm>
-            <a:off x="539225" y="1176350"/>
-            <a:ext cx="8065549" cy="3176831"/>
-          </a:xfrm>
-          <a:prstGeom prst="rect">
-            <a:avLst/>
-          </a:prstGeom>
-        </p:spPr>
-        <p:txBody>
-          <a:bodyPr vert="horz" wrap="square" lIns="0" tIns="52704" rIns="0" bIns="0" rtlCol="0">
-            <a:spAutoFit/>
-          </a:bodyPr>
-          <a:lstStyle/>
-          <a:p>
-            <a:pPr marL="314960" indent="-300990">
-              <a:lnSpc>
-                <a:spcPct val="100000"/>
-              </a:lnSpc>
-              <a:spcBef>
-                <a:spcPts val="315"/>
-              </a:spcBef>
-              <a:buChar char="-"/>
-              <a:tabLst>
-                <a:tab pos="314960" algn="l"/>
-                <a:tab pos="316230" algn="l"/>
-              </a:tabLst>
-            </a:pPr>
-            <a:r>
-              <a:rPr spc="-25" dirty="0">
-                <a:solidFill>
-                  <a:schemeClr val="tx1"/>
-                </a:solidFill>
-              </a:rPr>
-              <a:t>Topic </a:t>
-            </a:r>
-            <a:r>
-              <a:rPr spc="-70" dirty="0">
-                <a:solidFill>
-                  <a:schemeClr val="tx1"/>
-                </a:solidFill>
-              </a:rPr>
-              <a:t>modeling: </a:t>
-            </a:r>
-            <a:r>
-              <a:rPr spc="-55" dirty="0">
-                <a:solidFill>
-                  <a:schemeClr val="tx1"/>
-                </a:solidFill>
-              </a:rPr>
-              <a:t>input </a:t>
-            </a:r>
-            <a:r>
-              <a:rPr spc="-150" dirty="0">
-                <a:solidFill>
-                  <a:schemeClr val="tx1"/>
-                </a:solidFill>
-              </a:rPr>
-              <a:t>= </a:t>
-            </a:r>
-            <a:r>
-              <a:rPr spc="-85" dirty="0">
-                <a:solidFill>
-                  <a:schemeClr val="tx1"/>
-                </a:solidFill>
-              </a:rPr>
-              <a:t>many </a:t>
-            </a:r>
-            <a:r>
-              <a:rPr spc="-40" dirty="0">
-                <a:solidFill>
-                  <a:schemeClr val="tx1"/>
-                </a:solidFill>
-              </a:rPr>
-              <a:t>different </a:t>
-            </a:r>
-            <a:r>
-              <a:rPr spc="-35" dirty="0">
-                <a:solidFill>
-                  <a:schemeClr val="tx1"/>
-                </a:solidFill>
-              </a:rPr>
-              <a:t>texts, </a:t>
-            </a:r>
-            <a:r>
-              <a:rPr spc="-55" dirty="0">
-                <a:solidFill>
-                  <a:schemeClr val="tx1"/>
-                </a:solidFill>
-              </a:rPr>
-              <a:t>output </a:t>
-            </a:r>
-            <a:r>
-              <a:rPr spc="-150" dirty="0">
-                <a:solidFill>
-                  <a:schemeClr val="tx1"/>
-                </a:solidFill>
-              </a:rPr>
-              <a:t>= </a:t>
-            </a:r>
-            <a:r>
-              <a:rPr spc="-80" dirty="0">
-                <a:solidFill>
-                  <a:schemeClr val="tx1"/>
-                </a:solidFill>
-              </a:rPr>
-              <a:t>what </a:t>
-            </a:r>
-            <a:r>
-              <a:rPr spc="-40" dirty="0">
-                <a:solidFill>
-                  <a:schemeClr val="tx1"/>
-                </a:solidFill>
-              </a:rPr>
-              <a:t>each </a:t>
-            </a:r>
-            <a:r>
-              <a:rPr spc="-20" dirty="0">
-                <a:solidFill>
-                  <a:schemeClr val="tx1"/>
-                </a:solidFill>
-              </a:rPr>
-              <a:t>text </a:t>
-            </a:r>
-            <a:r>
-              <a:rPr spc="-55" dirty="0">
-                <a:solidFill>
-                  <a:schemeClr val="tx1"/>
-                </a:solidFill>
-              </a:rPr>
-              <a:t>is</a:t>
-            </a:r>
-            <a:r>
-              <a:rPr spc="235" dirty="0">
-                <a:solidFill>
-                  <a:schemeClr val="tx1"/>
-                </a:solidFill>
-              </a:rPr>
-              <a:t> </a:t>
-            </a:r>
-            <a:r>
-              <a:rPr spc="-50" dirty="0">
-                <a:solidFill>
-                  <a:schemeClr val="tx1"/>
-                </a:solidFill>
-              </a:rPr>
-              <a:t>about</a:t>
-            </a:r>
-          </a:p>
-          <a:p>
-            <a:pPr marL="772160" lvl="1" indent="-285115">
-              <a:lnSpc>
-                <a:spcPct val="100000"/>
-              </a:lnSpc>
-              <a:spcBef>
-                <a:spcPts val="330"/>
-              </a:spcBef>
-              <a:buChar char="-"/>
-              <a:tabLst>
-                <a:tab pos="772160" algn="l"/>
-                <a:tab pos="773430" algn="l"/>
-              </a:tabLst>
-            </a:pPr>
-            <a:r>
-              <a:rPr sz="1400" spc="-65" dirty="0">
-                <a:solidFill>
-                  <a:schemeClr val="tx1"/>
-                </a:solidFill>
-                <a:latin typeface="Book Antiqua"/>
-                <a:cs typeface="Book Antiqua"/>
-              </a:rPr>
-              <a:t>Newspaper</a:t>
-            </a:r>
-            <a:r>
-              <a:rPr sz="1400" spc="-5" dirty="0">
-                <a:solidFill>
-                  <a:schemeClr val="tx1"/>
-                </a:solidFill>
-                <a:latin typeface="Book Antiqua"/>
-                <a:cs typeface="Book Antiqua"/>
-              </a:rPr>
-              <a:t> </a:t>
-            </a:r>
-            <a:r>
-              <a:rPr sz="1400" spc="-30" dirty="0">
-                <a:solidFill>
-                  <a:schemeClr val="tx1"/>
-                </a:solidFill>
-                <a:latin typeface="Book Antiqua"/>
-                <a:cs typeface="Book Antiqua"/>
-              </a:rPr>
-              <a:t>articles</a:t>
-            </a:r>
-            <a:endParaRPr sz="1400" dirty="0">
-              <a:solidFill>
-                <a:schemeClr val="tx1"/>
-              </a:solidFill>
-              <a:latin typeface="Book Antiqua"/>
-              <a:cs typeface="Book Antiqua"/>
-            </a:endParaRPr>
-          </a:p>
-          <a:p>
-            <a:pPr marL="772160" lvl="1" indent="-285115">
-              <a:lnSpc>
-                <a:spcPct val="100000"/>
-              </a:lnSpc>
-              <a:spcBef>
-                <a:spcPts val="270"/>
-              </a:spcBef>
-              <a:buChar char="-"/>
-              <a:tabLst>
-                <a:tab pos="772160" algn="l"/>
-                <a:tab pos="773430" algn="l"/>
-              </a:tabLst>
-            </a:pPr>
-            <a:r>
-              <a:rPr sz="1400" spc="-40" dirty="0">
-                <a:solidFill>
-                  <a:schemeClr val="tx1"/>
-                </a:solidFill>
-                <a:latin typeface="Book Antiqua"/>
-                <a:cs typeface="Book Antiqua"/>
-              </a:rPr>
-              <a:t>Emails</a:t>
-            </a:r>
-            <a:endParaRPr sz="1400" dirty="0">
-              <a:solidFill>
-                <a:schemeClr val="tx1"/>
-              </a:solidFill>
-              <a:latin typeface="Book Antiqua"/>
-              <a:cs typeface="Book Antiqua"/>
-            </a:endParaRPr>
-          </a:p>
-          <a:p>
-            <a:pPr marL="314960" marR="5080" indent="-300990">
-              <a:lnSpc>
-                <a:spcPts val="2480"/>
-              </a:lnSpc>
-              <a:spcBef>
-                <a:spcPts val="70"/>
-              </a:spcBef>
-              <a:buChar char="-"/>
-              <a:tabLst>
-                <a:tab pos="314960" algn="l"/>
-                <a:tab pos="316230" algn="l"/>
-              </a:tabLst>
-            </a:pPr>
-            <a:r>
-              <a:rPr spc="-45" dirty="0">
-                <a:solidFill>
-                  <a:schemeClr val="tx1"/>
-                </a:solidFill>
-              </a:rPr>
-              <a:t>Classification: </a:t>
-            </a:r>
-            <a:r>
-              <a:rPr spc="-55" dirty="0">
-                <a:solidFill>
-                  <a:schemeClr val="tx1"/>
-                </a:solidFill>
-              </a:rPr>
-              <a:t>input </a:t>
-            </a:r>
-            <a:r>
-              <a:rPr spc="-150" dirty="0">
-                <a:solidFill>
-                  <a:schemeClr val="tx1"/>
-                </a:solidFill>
-              </a:rPr>
-              <a:t>= </a:t>
-            </a:r>
-            <a:r>
-              <a:rPr spc="-85" dirty="0">
-                <a:solidFill>
-                  <a:schemeClr val="tx1"/>
-                </a:solidFill>
-              </a:rPr>
-              <a:t>many </a:t>
-            </a:r>
-            <a:r>
-              <a:rPr spc="-40" dirty="0">
-                <a:solidFill>
-                  <a:schemeClr val="tx1"/>
-                </a:solidFill>
-              </a:rPr>
-              <a:t>different </a:t>
-            </a:r>
-            <a:r>
-              <a:rPr spc="-30" dirty="0">
-                <a:solidFill>
-                  <a:schemeClr val="tx1"/>
-                </a:solidFill>
-              </a:rPr>
-              <a:t>texts </a:t>
-            </a:r>
-            <a:r>
-              <a:rPr spc="-80" dirty="0">
-                <a:solidFill>
-                  <a:schemeClr val="tx1"/>
-                </a:solidFill>
-              </a:rPr>
-              <a:t>and </a:t>
-            </a:r>
-            <a:r>
-              <a:rPr spc="-60" dirty="0">
-                <a:solidFill>
-                  <a:schemeClr val="tx1"/>
-                </a:solidFill>
-              </a:rPr>
-              <a:t>hand-labeled </a:t>
-            </a:r>
-            <a:r>
-              <a:rPr spc="-50" dirty="0">
-                <a:solidFill>
-                  <a:schemeClr val="tx1"/>
-                </a:solidFill>
-              </a:rPr>
-              <a:t>categories, </a:t>
-            </a:r>
-            <a:r>
-              <a:rPr spc="-55" dirty="0">
-                <a:solidFill>
-                  <a:schemeClr val="tx1"/>
-                </a:solidFill>
-              </a:rPr>
-              <a:t>output </a:t>
-            </a:r>
-            <a:r>
-              <a:rPr spc="-150" dirty="0">
-                <a:solidFill>
-                  <a:schemeClr val="tx1"/>
-                </a:solidFill>
-              </a:rPr>
-              <a:t>=  </a:t>
-            </a:r>
-            <a:r>
-              <a:rPr spc="-55" dirty="0">
-                <a:solidFill>
-                  <a:schemeClr val="tx1"/>
-                </a:solidFill>
-              </a:rPr>
-              <a:t>something </a:t>
-            </a:r>
-            <a:r>
-              <a:rPr spc="-30" dirty="0">
-                <a:solidFill>
-                  <a:schemeClr val="tx1"/>
-                </a:solidFill>
-              </a:rPr>
-              <a:t>that </a:t>
-            </a:r>
-            <a:r>
-              <a:rPr spc="-40" dirty="0">
-                <a:solidFill>
-                  <a:schemeClr val="tx1"/>
-                </a:solidFill>
-              </a:rPr>
-              <a:t>can </a:t>
-            </a:r>
-            <a:r>
-              <a:rPr spc="-50" dirty="0">
-                <a:solidFill>
-                  <a:schemeClr val="tx1"/>
-                </a:solidFill>
-              </a:rPr>
-              <a:t>take </a:t>
-            </a:r>
-            <a:r>
-              <a:rPr spc="-35" dirty="0">
-                <a:solidFill>
-                  <a:schemeClr val="tx1"/>
-                </a:solidFill>
-              </a:rPr>
-              <a:t>in </a:t>
-            </a:r>
-            <a:r>
-              <a:rPr spc="-60" dirty="0">
-                <a:solidFill>
-                  <a:schemeClr val="tx1"/>
-                </a:solidFill>
-              </a:rPr>
-              <a:t>unlabeled </a:t>
-            </a:r>
-            <a:r>
-              <a:rPr spc="-30" dirty="0">
-                <a:solidFill>
-                  <a:schemeClr val="tx1"/>
-                </a:solidFill>
-              </a:rPr>
-              <a:t>texts </a:t>
-            </a:r>
-            <a:r>
-              <a:rPr spc="-80" dirty="0">
-                <a:solidFill>
-                  <a:schemeClr val="tx1"/>
-                </a:solidFill>
-              </a:rPr>
-              <a:t>and </a:t>
-            </a:r>
-            <a:r>
-              <a:rPr spc="-50" dirty="0">
-                <a:solidFill>
-                  <a:schemeClr val="tx1"/>
-                </a:solidFill>
-              </a:rPr>
-              <a:t>predict </a:t>
-            </a:r>
-            <a:r>
-              <a:rPr spc="-30" dirty="0">
-                <a:solidFill>
-                  <a:schemeClr val="tx1"/>
-                </a:solidFill>
-              </a:rPr>
-              <a:t>the</a:t>
-            </a:r>
-            <a:r>
-              <a:rPr spc="25" dirty="0">
-                <a:solidFill>
-                  <a:schemeClr val="tx1"/>
-                </a:solidFill>
-              </a:rPr>
-              <a:t> </a:t>
-            </a:r>
-            <a:r>
-              <a:rPr spc="-65" dirty="0">
-                <a:solidFill>
-                  <a:schemeClr val="tx1"/>
-                </a:solidFill>
-              </a:rPr>
-              <a:t>category.</a:t>
-            </a:r>
-          </a:p>
-          <a:p>
-            <a:pPr marL="772160" lvl="1" indent="-285115">
-              <a:lnSpc>
-                <a:spcPct val="100000"/>
-              </a:lnSpc>
-              <a:spcBef>
-                <a:spcPts val="190"/>
-              </a:spcBef>
-              <a:buChar char="-"/>
-              <a:tabLst>
-                <a:tab pos="772160" algn="l"/>
-                <a:tab pos="773430" algn="l"/>
-              </a:tabLst>
-            </a:pPr>
-            <a:r>
-              <a:rPr sz="1400" spc="-60" dirty="0">
-                <a:solidFill>
-                  <a:schemeClr val="tx1"/>
-                </a:solidFill>
-                <a:latin typeface="Book Antiqua"/>
-                <a:cs typeface="Book Antiqua"/>
-              </a:rPr>
-              <a:t>Hand</a:t>
-            </a:r>
-            <a:r>
-              <a:rPr sz="1400" dirty="0">
-                <a:solidFill>
-                  <a:schemeClr val="tx1"/>
-                </a:solidFill>
-                <a:latin typeface="Book Antiqua"/>
-                <a:cs typeface="Book Antiqua"/>
-              </a:rPr>
-              <a:t> </a:t>
-            </a:r>
-            <a:r>
-              <a:rPr sz="1400" spc="-35" dirty="0">
-                <a:solidFill>
-                  <a:schemeClr val="tx1"/>
-                </a:solidFill>
-                <a:latin typeface="Book Antiqua"/>
-                <a:cs typeface="Book Antiqua"/>
-              </a:rPr>
-              <a:t>label</a:t>
-            </a:r>
-            <a:r>
-              <a:rPr sz="1400" dirty="0">
-                <a:solidFill>
-                  <a:schemeClr val="tx1"/>
-                </a:solidFill>
-                <a:latin typeface="Book Antiqua"/>
-                <a:cs typeface="Book Antiqua"/>
-              </a:rPr>
-              <a:t> </a:t>
-            </a:r>
-            <a:r>
-              <a:rPr sz="1400" spc="-65" dirty="0">
-                <a:solidFill>
-                  <a:schemeClr val="tx1"/>
-                </a:solidFill>
-                <a:latin typeface="Book Antiqua"/>
-                <a:cs typeface="Book Antiqua"/>
-              </a:rPr>
-              <a:t>a</a:t>
-            </a:r>
-            <a:r>
-              <a:rPr sz="1400" dirty="0">
-                <a:solidFill>
-                  <a:schemeClr val="tx1"/>
-                </a:solidFill>
-                <a:latin typeface="Book Antiqua"/>
-                <a:cs typeface="Book Antiqua"/>
-              </a:rPr>
-              <a:t> </a:t>
-            </a:r>
-            <a:r>
-              <a:rPr sz="1400" spc="-35" dirty="0">
-                <a:solidFill>
-                  <a:schemeClr val="tx1"/>
-                </a:solidFill>
-                <a:latin typeface="Book Antiqua"/>
-                <a:cs typeface="Book Antiqua"/>
-              </a:rPr>
-              <a:t>bunch</a:t>
-            </a:r>
-            <a:r>
-              <a:rPr sz="1400" dirty="0">
-                <a:solidFill>
-                  <a:schemeClr val="tx1"/>
-                </a:solidFill>
-                <a:latin typeface="Book Antiqua"/>
-                <a:cs typeface="Book Antiqua"/>
-              </a:rPr>
-              <a:t> </a:t>
-            </a:r>
-            <a:r>
-              <a:rPr sz="1400" spc="-25" dirty="0">
-                <a:solidFill>
-                  <a:schemeClr val="tx1"/>
-                </a:solidFill>
-                <a:latin typeface="Book Antiqua"/>
-                <a:cs typeface="Book Antiqua"/>
-              </a:rPr>
-              <a:t>of</a:t>
-            </a:r>
-            <a:r>
-              <a:rPr sz="1400" spc="5" dirty="0">
-                <a:solidFill>
-                  <a:schemeClr val="tx1"/>
-                </a:solidFill>
-                <a:latin typeface="Book Antiqua"/>
-                <a:cs typeface="Book Antiqua"/>
-              </a:rPr>
-              <a:t> </a:t>
-            </a:r>
-            <a:r>
-              <a:rPr sz="1400" spc="-45" dirty="0">
-                <a:solidFill>
-                  <a:schemeClr val="tx1"/>
-                </a:solidFill>
-                <a:latin typeface="Book Antiqua"/>
-                <a:cs typeface="Book Antiqua"/>
-              </a:rPr>
-              <a:t>documents,</a:t>
-            </a:r>
-            <a:r>
-              <a:rPr sz="1400" dirty="0">
-                <a:solidFill>
-                  <a:schemeClr val="tx1"/>
-                </a:solidFill>
-                <a:latin typeface="Book Antiqua"/>
-                <a:cs typeface="Book Antiqua"/>
-              </a:rPr>
-              <a:t> </a:t>
-            </a:r>
-            <a:r>
-              <a:rPr sz="1400" spc="-30" dirty="0">
-                <a:solidFill>
-                  <a:schemeClr val="tx1"/>
-                </a:solidFill>
-                <a:latin typeface="Book Antiqua"/>
-                <a:cs typeface="Book Antiqua"/>
-              </a:rPr>
-              <a:t>train</a:t>
-            </a:r>
-            <a:r>
-              <a:rPr sz="1400" dirty="0">
-                <a:solidFill>
-                  <a:schemeClr val="tx1"/>
-                </a:solidFill>
-                <a:latin typeface="Book Antiqua"/>
-                <a:cs typeface="Book Antiqua"/>
-              </a:rPr>
-              <a:t> </a:t>
-            </a:r>
-            <a:r>
-              <a:rPr sz="1400" spc="-65" dirty="0">
-                <a:solidFill>
-                  <a:schemeClr val="tx1"/>
-                </a:solidFill>
-                <a:latin typeface="Book Antiqua"/>
-                <a:cs typeface="Book Antiqua"/>
-              </a:rPr>
-              <a:t>a</a:t>
-            </a:r>
-            <a:r>
-              <a:rPr sz="1400" dirty="0">
-                <a:solidFill>
-                  <a:schemeClr val="tx1"/>
-                </a:solidFill>
-                <a:latin typeface="Book Antiqua"/>
-                <a:cs typeface="Book Antiqua"/>
-              </a:rPr>
-              <a:t> </a:t>
-            </a:r>
-            <a:r>
-              <a:rPr sz="1400" spc="-40" dirty="0">
-                <a:solidFill>
-                  <a:schemeClr val="tx1"/>
-                </a:solidFill>
-                <a:latin typeface="Book Antiqua"/>
-                <a:cs typeface="Book Antiqua"/>
-              </a:rPr>
-              <a:t>computer</a:t>
-            </a:r>
-            <a:r>
-              <a:rPr sz="1400" dirty="0">
-                <a:solidFill>
-                  <a:schemeClr val="tx1"/>
-                </a:solidFill>
-                <a:latin typeface="Book Antiqua"/>
-                <a:cs typeface="Book Antiqua"/>
-              </a:rPr>
-              <a:t> </a:t>
-            </a:r>
-            <a:r>
-              <a:rPr sz="1400" spc="-15" dirty="0">
-                <a:solidFill>
-                  <a:schemeClr val="tx1"/>
-                </a:solidFill>
-                <a:latin typeface="Book Antiqua"/>
-                <a:cs typeface="Book Antiqua"/>
-              </a:rPr>
-              <a:t>to</a:t>
-            </a:r>
-            <a:r>
-              <a:rPr sz="1400" spc="5" dirty="0">
-                <a:solidFill>
-                  <a:schemeClr val="tx1"/>
-                </a:solidFill>
-                <a:latin typeface="Book Antiqua"/>
-                <a:cs typeface="Book Antiqua"/>
-              </a:rPr>
-              <a:t> </a:t>
-            </a:r>
-            <a:r>
-              <a:rPr sz="1400" spc="-35" dirty="0">
-                <a:solidFill>
-                  <a:schemeClr val="tx1"/>
-                </a:solidFill>
-                <a:latin typeface="Book Antiqua"/>
-                <a:cs typeface="Book Antiqua"/>
-              </a:rPr>
-              <a:t>mimic</a:t>
-            </a:r>
-            <a:r>
-              <a:rPr sz="1400" dirty="0">
-                <a:solidFill>
-                  <a:schemeClr val="tx1"/>
-                </a:solidFill>
-                <a:latin typeface="Book Antiqua"/>
-                <a:cs typeface="Book Antiqua"/>
-              </a:rPr>
-              <a:t> </a:t>
-            </a:r>
-            <a:r>
-              <a:rPr sz="1400" spc="-60" dirty="0">
-                <a:solidFill>
-                  <a:schemeClr val="tx1"/>
-                </a:solidFill>
-                <a:latin typeface="Book Antiqua"/>
-                <a:cs typeface="Book Antiqua"/>
-              </a:rPr>
-              <a:t>your</a:t>
-            </a:r>
-            <a:r>
-              <a:rPr sz="1400" dirty="0">
-                <a:solidFill>
-                  <a:schemeClr val="tx1"/>
-                </a:solidFill>
-                <a:latin typeface="Book Antiqua"/>
-                <a:cs typeface="Book Antiqua"/>
-              </a:rPr>
-              <a:t> </a:t>
-            </a:r>
-            <a:r>
-              <a:rPr sz="1400" spc="-55" dirty="0">
-                <a:solidFill>
-                  <a:schemeClr val="tx1"/>
-                </a:solidFill>
-                <a:latin typeface="Book Antiqua"/>
-                <a:cs typeface="Book Antiqua"/>
-              </a:rPr>
-              <a:t>hand</a:t>
-            </a:r>
-            <a:r>
-              <a:rPr sz="1400" dirty="0">
-                <a:solidFill>
-                  <a:schemeClr val="tx1"/>
-                </a:solidFill>
-                <a:latin typeface="Book Antiqua"/>
-                <a:cs typeface="Book Antiqua"/>
-              </a:rPr>
-              <a:t> </a:t>
-            </a:r>
-            <a:r>
-              <a:rPr sz="1400" spc="-45" dirty="0">
-                <a:solidFill>
-                  <a:schemeClr val="tx1"/>
-                </a:solidFill>
-                <a:latin typeface="Book Antiqua"/>
-                <a:cs typeface="Book Antiqua"/>
-              </a:rPr>
-              <a:t>coding</a:t>
-            </a:r>
-            <a:endParaRPr sz="1400" dirty="0">
-              <a:solidFill>
-                <a:schemeClr val="tx1"/>
-              </a:solidFill>
-              <a:latin typeface="Book Antiqua"/>
-              <a:cs typeface="Book Antiqua"/>
-            </a:endParaRPr>
-          </a:p>
-          <a:p>
-            <a:pPr marL="772160" lvl="1" indent="-285115">
-              <a:lnSpc>
-                <a:spcPct val="100000"/>
-              </a:lnSpc>
-              <a:spcBef>
-                <a:spcPts val="270"/>
-              </a:spcBef>
-              <a:buChar char="-"/>
-              <a:tabLst>
-                <a:tab pos="772160" algn="l"/>
-                <a:tab pos="773430" algn="l"/>
-              </a:tabLst>
-            </a:pPr>
-            <a:r>
-              <a:rPr sz="1400" spc="-50" dirty="0">
-                <a:solidFill>
-                  <a:schemeClr val="tx1"/>
-                </a:solidFill>
-                <a:latin typeface="Book Antiqua"/>
-                <a:cs typeface="Book Antiqua"/>
-              </a:rPr>
-              <a:t>Spam</a:t>
-            </a:r>
-            <a:r>
-              <a:rPr sz="1400" spc="-5" dirty="0">
-                <a:solidFill>
-                  <a:schemeClr val="tx1"/>
-                </a:solidFill>
-                <a:latin typeface="Book Antiqua"/>
-                <a:cs typeface="Book Antiqua"/>
-              </a:rPr>
-              <a:t> </a:t>
-            </a:r>
-            <a:r>
-              <a:rPr sz="1400" spc="-445" dirty="0">
-                <a:solidFill>
-                  <a:schemeClr val="tx1"/>
-                </a:solidFill>
-                <a:latin typeface="Book Antiqua"/>
-                <a:cs typeface="Book Antiqua"/>
-              </a:rPr>
-              <a:t>/</a:t>
-            </a:r>
-            <a:r>
-              <a:rPr sz="1400" dirty="0">
-                <a:solidFill>
-                  <a:schemeClr val="tx1"/>
-                </a:solidFill>
-                <a:latin typeface="Book Antiqua"/>
-                <a:cs typeface="Book Antiqua"/>
-              </a:rPr>
-              <a:t> </a:t>
-            </a:r>
-            <a:r>
-              <a:rPr sz="1400" spc="-55" dirty="0">
-                <a:solidFill>
-                  <a:schemeClr val="tx1"/>
-                </a:solidFill>
-                <a:latin typeface="Book Antiqua"/>
-                <a:cs typeface="Book Antiqua"/>
-              </a:rPr>
-              <a:t>ham</a:t>
-            </a:r>
-            <a:endParaRPr sz="1400" dirty="0">
-              <a:solidFill>
-                <a:schemeClr val="tx1"/>
-              </a:solidFill>
-              <a:latin typeface="Book Antiqua"/>
-              <a:cs typeface="Book Antiqua"/>
-            </a:endParaRPr>
-          </a:p>
-          <a:p>
-            <a:pPr marL="772160" lvl="1" indent="-285115">
-              <a:lnSpc>
-                <a:spcPct val="100000"/>
-              </a:lnSpc>
-              <a:spcBef>
-                <a:spcPts val="270"/>
-              </a:spcBef>
-              <a:buChar char="-"/>
-              <a:tabLst>
-                <a:tab pos="772160" algn="l"/>
-                <a:tab pos="773430" algn="l"/>
-              </a:tabLst>
-            </a:pPr>
-            <a:r>
-              <a:rPr sz="1400" spc="-70" dirty="0">
-                <a:solidFill>
-                  <a:schemeClr val="tx1"/>
-                </a:solidFill>
-                <a:latin typeface="Book Antiqua"/>
-                <a:cs typeface="Book Antiqua"/>
-              </a:rPr>
-              <a:t>positive/negative</a:t>
-            </a:r>
-            <a:r>
-              <a:rPr sz="1400" spc="-5" dirty="0">
-                <a:solidFill>
-                  <a:schemeClr val="tx1"/>
-                </a:solidFill>
-                <a:latin typeface="Book Antiqua"/>
-                <a:cs typeface="Book Antiqua"/>
-              </a:rPr>
-              <a:t> </a:t>
-            </a:r>
-            <a:r>
-              <a:rPr sz="1400" spc="-65" dirty="0">
-                <a:solidFill>
-                  <a:schemeClr val="tx1"/>
-                </a:solidFill>
-                <a:latin typeface="Book Antiqua"/>
-                <a:cs typeface="Book Antiqua"/>
-              </a:rPr>
-              <a:t>reviews</a:t>
-            </a:r>
-            <a:endParaRPr sz="1400" dirty="0">
-              <a:solidFill>
-                <a:schemeClr val="tx1"/>
-              </a:solidFill>
-              <a:latin typeface="Book Antiqua"/>
-              <a:cs typeface="Book Antiqua"/>
-            </a:endParaRPr>
-          </a:p>
-          <a:p>
-            <a:pPr marL="314960" indent="-300990">
-              <a:lnSpc>
-                <a:spcPct val="100000"/>
-              </a:lnSpc>
-              <a:spcBef>
-                <a:spcPts val="254"/>
-              </a:spcBef>
-              <a:buChar char="-"/>
-              <a:tabLst>
-                <a:tab pos="314960" algn="l"/>
-                <a:tab pos="316230" algn="l"/>
-              </a:tabLst>
-            </a:pPr>
-            <a:r>
-              <a:rPr spc="-10" dirty="0">
-                <a:solidFill>
-                  <a:schemeClr val="tx1"/>
-                </a:solidFill>
-              </a:rPr>
-              <a:t>The </a:t>
-            </a:r>
-            <a:r>
-              <a:rPr spc="-60" dirty="0">
-                <a:solidFill>
-                  <a:schemeClr val="tx1"/>
-                </a:solidFill>
-              </a:rPr>
-              <a:t>big </a:t>
-            </a:r>
-            <a:r>
-              <a:rPr spc="-40" dirty="0">
-                <a:solidFill>
-                  <a:schemeClr val="tx1"/>
-                </a:solidFill>
-              </a:rPr>
-              <a:t>difference </a:t>
-            </a:r>
-            <a:r>
-              <a:rPr spc="-55" dirty="0">
-                <a:solidFill>
-                  <a:schemeClr val="tx1"/>
-                </a:solidFill>
-              </a:rPr>
-              <a:t>is </a:t>
-            </a:r>
-            <a:r>
-              <a:rPr spc="-30" dirty="0">
-                <a:solidFill>
-                  <a:schemeClr val="tx1"/>
-                </a:solidFill>
-              </a:rPr>
-              <a:t>the </a:t>
-            </a:r>
-            <a:r>
-              <a:rPr spc="-60" dirty="0">
-                <a:solidFill>
-                  <a:schemeClr val="tx1"/>
-                </a:solidFill>
-              </a:rPr>
-              <a:t>need </a:t>
-            </a:r>
-            <a:r>
-              <a:rPr spc="-35" dirty="0">
-                <a:solidFill>
-                  <a:schemeClr val="tx1"/>
-                </a:solidFill>
-              </a:rPr>
-              <a:t>for </a:t>
-            </a:r>
-            <a:r>
-              <a:rPr spc="-55" dirty="0">
-                <a:solidFill>
-                  <a:schemeClr val="tx1"/>
-                </a:solidFill>
-              </a:rPr>
-              <a:t>labeled </a:t>
-            </a:r>
-            <a:r>
-              <a:rPr spc="-70" dirty="0">
-                <a:solidFill>
-                  <a:schemeClr val="tx1"/>
-                </a:solidFill>
-              </a:rPr>
-              <a:t>data </a:t>
-            </a:r>
-            <a:r>
-              <a:rPr spc="-60" dirty="0">
-                <a:solidFill>
-                  <a:schemeClr val="tx1"/>
-                </a:solidFill>
-              </a:rPr>
-              <a:t>(unsupervised</a:t>
-            </a:r>
-            <a:r>
-              <a:rPr spc="195" dirty="0">
-                <a:solidFill>
-                  <a:schemeClr val="tx1"/>
-                </a:solidFill>
-              </a:rPr>
-              <a:t> </a:t>
-            </a:r>
-            <a:r>
-              <a:rPr spc="-114" dirty="0">
-                <a:solidFill>
-                  <a:schemeClr val="tx1"/>
-                </a:solidFill>
-              </a:rPr>
-              <a:t>vs </a:t>
-            </a:r>
-            <a:r>
-              <a:rPr spc="-60" dirty="0">
-                <a:solidFill>
-                  <a:schemeClr val="tx1"/>
-                </a:solidFill>
-              </a:rPr>
-              <a:t>supervised)</a:t>
-            </a:r>
-          </a:p>
-          <a:p>
-            <a:pPr marL="314960" marR="391160" indent="-300990">
-              <a:lnSpc>
-                <a:spcPct val="114599"/>
-              </a:lnSpc>
-              <a:buChar char="-"/>
-              <a:tabLst>
-                <a:tab pos="314960" algn="l"/>
-                <a:tab pos="316230" algn="l"/>
-              </a:tabLst>
-            </a:pPr>
-            <a:r>
-              <a:rPr spc="-5" dirty="0">
-                <a:solidFill>
-                  <a:schemeClr val="tx1"/>
-                </a:solidFill>
-              </a:rPr>
-              <a:t>Text </a:t>
-            </a:r>
-            <a:r>
-              <a:rPr spc="-150" dirty="0">
-                <a:solidFill>
-                  <a:schemeClr val="tx1"/>
-                </a:solidFill>
-              </a:rPr>
-              <a:t>= </a:t>
-            </a:r>
-            <a:r>
-              <a:rPr spc="-55" dirty="0">
-                <a:solidFill>
-                  <a:schemeClr val="tx1"/>
-                </a:solidFill>
-              </a:rPr>
-              <a:t>document, </a:t>
-            </a:r>
-            <a:r>
-              <a:rPr spc="-60" dirty="0">
-                <a:solidFill>
-                  <a:schemeClr val="tx1"/>
-                </a:solidFill>
-              </a:rPr>
-              <a:t>could </a:t>
-            </a:r>
-            <a:r>
-              <a:rPr spc="-35" dirty="0">
-                <a:solidFill>
-                  <a:schemeClr val="tx1"/>
-                </a:solidFill>
-              </a:rPr>
-              <a:t>be </a:t>
-            </a:r>
-            <a:r>
-              <a:rPr spc="-80" dirty="0">
-                <a:solidFill>
-                  <a:schemeClr val="tx1"/>
-                </a:solidFill>
-              </a:rPr>
-              <a:t>a review, newspaper </a:t>
-            </a:r>
-            <a:r>
-              <a:rPr spc="-35" dirty="0">
-                <a:solidFill>
-                  <a:schemeClr val="tx1"/>
-                </a:solidFill>
-              </a:rPr>
-              <a:t>article, </a:t>
-            </a:r>
-            <a:r>
-              <a:rPr spc="-40" dirty="0">
-                <a:solidFill>
-                  <a:schemeClr val="tx1"/>
-                </a:solidFill>
-              </a:rPr>
-              <a:t>journal </a:t>
-            </a:r>
-            <a:r>
-              <a:rPr spc="-35" dirty="0">
-                <a:solidFill>
-                  <a:schemeClr val="tx1"/>
-                </a:solidFill>
-              </a:rPr>
-              <a:t>article, </a:t>
-            </a:r>
-            <a:r>
-              <a:rPr spc="-70" dirty="0">
-                <a:solidFill>
-                  <a:schemeClr val="tx1"/>
-                </a:solidFill>
-              </a:rPr>
-              <a:t>whole  </a:t>
-            </a:r>
-            <a:r>
-              <a:rPr spc="-50" dirty="0">
-                <a:solidFill>
-                  <a:schemeClr val="tx1"/>
-                </a:solidFill>
-              </a:rPr>
-              <a:t>book, </a:t>
-            </a:r>
-            <a:r>
-              <a:rPr spc="-55" dirty="0">
-                <a:solidFill>
-                  <a:schemeClr val="tx1"/>
-                </a:solidFill>
-              </a:rPr>
-              <a:t>tweet, </a:t>
-            </a:r>
-            <a:r>
-              <a:rPr spc="-155" dirty="0">
-                <a:solidFill>
-                  <a:schemeClr val="tx1"/>
-                </a:solidFill>
-              </a:rPr>
-              <a:t>. .</a:t>
-            </a:r>
-            <a:r>
-              <a:rPr spc="-40" dirty="0">
-                <a:solidFill>
-                  <a:schemeClr val="tx1"/>
-                </a:solidFill>
-              </a:rPr>
-              <a:t> </a:t>
-            </a:r>
-            <a:r>
-              <a:rPr spc="-155" dirty="0">
-                <a:solidFill>
-                  <a:schemeClr val="tx1"/>
-                </a:solidFill>
-              </a:rPr>
-              <a:t>.</a:t>
-            </a:r>
-          </a:p>
-        </p:txBody>
-      </p:sp>
-      <p:sp>
-        <p:nvSpPr>
-          <p:cNvPr id="4" name="object 4"/>
-          <p:cNvSpPr/>
-          <p:nvPr/>
-        </p:nvSpPr>
-        <p:spPr>
-          <a:xfrm>
-            <a:off x="7516634" y="122262"/>
-            <a:ext cx="1543685" cy="664210"/>
-          </a:xfrm>
-          <a:custGeom>
-            <a:avLst/>
-            <a:gdLst/>
-            <a:ahLst/>
-            <a:cxnLst/>
-            <a:rect l="l" t="t" r="r" b="b"/>
-            <a:pathLst>
-              <a:path w="1543684" h="664210">
-                <a:moveTo>
-                  <a:pt x="1211699" y="663599"/>
-                </a:moveTo>
-                <a:lnTo>
-                  <a:pt x="0" y="663599"/>
-                </a:lnTo>
-                <a:lnTo>
-                  <a:pt x="331799" y="331799"/>
-                </a:lnTo>
-                <a:lnTo>
-                  <a:pt x="0" y="0"/>
-                </a:lnTo>
-                <a:lnTo>
-                  <a:pt x="1211699" y="0"/>
-                </a:lnTo>
-                <a:lnTo>
-                  <a:pt x="1543499" y="331799"/>
-                </a:lnTo>
-                <a:lnTo>
-                  <a:pt x="1211699" y="663599"/>
-                </a:lnTo>
-                <a:close/>
-              </a:path>
-            </a:pathLst>
-          </a:custGeom>
-          <a:solidFill>
-            <a:srgbClr val="467A34"/>
-          </a:solidFill>
-        </p:spPr>
-        <p:txBody>
-          <a:bodyPr wrap="square" lIns="0" tIns="0" rIns="0" bIns="0" rtlCol="0"/>
-          <a:lstStyle/>
-          <a:p>
-            <a:endParaRPr/>
-          </a:p>
-        </p:txBody>
-      </p:sp>
-      <p:sp>
-        <p:nvSpPr>
-          <p:cNvPr id="5" name="object 5"/>
-          <p:cNvSpPr/>
-          <p:nvPr/>
-        </p:nvSpPr>
-        <p:spPr>
-          <a:xfrm>
-            <a:off x="7516634" y="122262"/>
-            <a:ext cx="1543685" cy="664210"/>
-          </a:xfrm>
-          <a:custGeom>
-            <a:avLst/>
-            <a:gdLst/>
-            <a:ahLst/>
-            <a:cxnLst/>
-            <a:rect l="l" t="t" r="r" b="b"/>
-            <a:pathLst>
-              <a:path w="1543684" h="664210">
-                <a:moveTo>
-                  <a:pt x="0" y="0"/>
-                </a:moveTo>
-                <a:lnTo>
-                  <a:pt x="1211699" y="0"/>
-                </a:lnTo>
-                <a:lnTo>
-                  <a:pt x="1543499" y="331799"/>
-                </a:lnTo>
-                <a:lnTo>
-                  <a:pt x="1211699" y="663599"/>
-                </a:lnTo>
-                <a:lnTo>
-                  <a:pt x="0" y="663599"/>
-                </a:lnTo>
-                <a:lnTo>
-                  <a:pt x="331799" y="331799"/>
-                </a:lnTo>
-                <a:lnTo>
-                  <a:pt x="0" y="0"/>
-                </a:lnTo>
-                <a:close/>
-              </a:path>
-            </a:pathLst>
-          </a:custGeom>
-          <a:ln w="9524">
-            <a:solidFill>
-              <a:srgbClr val="595959"/>
-            </a:solidFill>
-          </a:ln>
-        </p:spPr>
-        <p:txBody>
-          <a:bodyPr wrap="square" lIns="0" tIns="0" rIns="0" bIns="0" rtlCol="0"/>
-          <a:lstStyle/>
-          <a:p>
-            <a:endParaRPr/>
-          </a:p>
-        </p:txBody>
-      </p:sp>
-      <p:sp>
-        <p:nvSpPr>
-          <p:cNvPr id="6" name="object 6"/>
-          <p:cNvSpPr txBox="1"/>
-          <p:nvPr/>
-        </p:nvSpPr>
-        <p:spPr>
-          <a:xfrm>
-            <a:off x="7921459" y="344778"/>
-            <a:ext cx="643890" cy="197490"/>
-          </a:xfrm>
-          <a:prstGeom prst="rect">
-            <a:avLst/>
-          </a:prstGeom>
-        </p:spPr>
-        <p:txBody>
-          <a:bodyPr vert="horz" wrap="square" lIns="0" tIns="12700" rIns="0" bIns="0" rtlCol="0">
-            <a:spAutoFit/>
-          </a:bodyPr>
-          <a:lstStyle/>
-          <a:p>
-            <a:pPr marL="12700">
-              <a:lnSpc>
-                <a:spcPct val="100000"/>
-              </a:lnSpc>
-              <a:spcBef>
-                <a:spcPts val="100"/>
-              </a:spcBef>
-            </a:pPr>
-            <a:r>
-              <a:rPr sz="1200" dirty="0">
-                <a:latin typeface="Arial"/>
-                <a:cs typeface="Arial"/>
-              </a:rPr>
-              <a:t>Modeling</a:t>
-            </a:r>
-            <a:endParaRPr sz="1200">
-              <a:latin typeface="Arial"/>
-              <a:cs typeface="Arial"/>
-            </a:endParaRPr>
-          </a:p>
-        </p:txBody>
-      </p:sp>
-    </p:spTree>
-  </p:cSld>
-  <p:clrMapOvr>
-    <a:masterClrMapping/>
-  </p:clrMapOvr>
-</p:sld>
-</file>
-
-<file path=ppt/slides/slide27.xml><?xml version="1.0" encoding="utf-8"?>
-<p:sld xmlns:a="http://schemas.openxmlformats.org/drawingml/2006/main" xmlns:r="http://schemas.openxmlformats.org/officeDocument/2006/relationships" xmlns:p="http://schemas.openxmlformats.org/presentationml/2006/main" showMasterSp="0">
-  <p:cSld>
-    <p:spTree>
-      <p:nvGrpSpPr>
-        <p:cNvPr id="1" name=""/>
-        <p:cNvGrpSpPr/>
-        <p:nvPr/>
-      </p:nvGrpSpPr>
-      <p:grpSpPr>
-        <a:xfrm>
-          <a:off x="0" y="0"/>
-          <a:ext cx="0" cy="0"/>
-          <a:chOff x="0" y="0"/>
-          <a:chExt cx="0" cy="0"/>
-        </a:xfrm>
-      </p:grpSpPr>
-      <p:sp>
-        <p:nvSpPr>
-          <p:cNvPr id="2" name="object 2"/>
-          <p:cNvSpPr txBox="1">
-            <a:spLocks noGrp="1"/>
-          </p:cNvSpPr>
-          <p:nvPr>
-            <p:ph type="title"/>
-          </p:nvPr>
-        </p:nvSpPr>
-        <p:spPr>
-          <a:xfrm>
-            <a:off x="384725" y="502810"/>
             <a:ext cx="3898265" cy="482600"/>
           </a:xfrm>
           <a:prstGeom prst="rect">
@@ -41276,7 +40247,7 @@
 </p:sld>
 </file>
 
-<file path=ppt/slides/slide28.xml><?xml version="1.0" encoding="utf-8"?>
+<file path=ppt/slides/slide27.xml><?xml version="1.0" encoding="utf-8"?>
 <p:sld xmlns:a="http://schemas.openxmlformats.org/drawingml/2006/main" xmlns:r="http://schemas.openxmlformats.org/officeDocument/2006/relationships" xmlns:p="http://schemas.openxmlformats.org/presentationml/2006/main" showMasterSp="0">
   <p:cSld>
     <p:spTree>
@@ -41324,12 +40295,28 @@
               </a:spcBef>
             </a:pPr>
             <a:r>
+              <a:rPr lang="en-US" spc="-13" dirty="0">
+                <a:solidFill>
+                  <a:schemeClr val="tx1"/>
+                </a:solidFill>
+              </a:rPr>
+              <a:t>D</a:t>
+            </a:r>
+            <a:r>
               <a:rPr spc="-13" dirty="0">
                 <a:solidFill>
                   <a:schemeClr val="tx1"/>
                 </a:solidFill>
               </a:rPr>
-              <a:t>Term-document</a:t>
+              <a:t>ocument</a:t>
+            </a:r>
+            <a:r>
+              <a:rPr lang="en-US" spc="-13" dirty="0">
+                <a:solidFill>
+                  <a:schemeClr val="tx1"/>
+                </a:solidFill>
+              </a:rPr>
+              <a:t>-term</a:t>
             </a:r>
             <a:r>
               <a:rPr spc="-42" dirty="0">
@@ -44613,7 +43600,7 @@
 </p:sld>
 </file>
 
-<file path=ppt/slides/slide29.xml><?xml version="1.0" encoding="utf-8"?>
+<file path=ppt/slides/slide28.xml><?xml version="1.0" encoding="utf-8"?>
 <p:sld xmlns:a="http://schemas.openxmlformats.org/drawingml/2006/main" xmlns:r="http://schemas.openxmlformats.org/officeDocument/2006/relationships" xmlns:p="http://schemas.openxmlformats.org/presentationml/2006/main" showMasterSp="0">
   <p:cSld>
     <p:spTree>
@@ -45649,524 +44636,7 @@
 </p:sld>
 </file>
 
-<file path=ppt/slides/slide3.xml><?xml version="1.0" encoding="utf-8"?>
-<p:sld xmlns:a="http://schemas.openxmlformats.org/drawingml/2006/main" xmlns:r="http://schemas.openxmlformats.org/officeDocument/2006/relationships" xmlns:p="http://schemas.openxmlformats.org/presentationml/2006/main" showMasterSp="0">
-  <p:cSld>
-    <p:spTree>
-      <p:nvGrpSpPr>
-        <p:cNvPr id="1" name=""/>
-        <p:cNvGrpSpPr/>
-        <p:nvPr/>
-      </p:nvGrpSpPr>
-      <p:grpSpPr>
-        <a:xfrm>
-          <a:off x="0" y="0"/>
-          <a:ext cx="0" cy="0"/>
-          <a:chOff x="0" y="0"/>
-          <a:chExt cx="0" cy="0"/>
-        </a:xfrm>
-      </p:grpSpPr>
-      <p:sp>
-        <p:nvSpPr>
-          <p:cNvPr id="2" name="object 2"/>
-          <p:cNvSpPr txBox="1">
-            <a:spLocks noGrp="1"/>
-          </p:cNvSpPr>
-          <p:nvPr>
-            <p:ph type="title"/>
-          </p:nvPr>
-        </p:nvSpPr>
-        <p:spPr>
-          <a:xfrm>
-            <a:off x="384725" y="502810"/>
-            <a:ext cx="4051300" cy="482600"/>
-          </a:xfrm>
-          <a:prstGeom prst="rect">
-            <a:avLst/>
-          </a:prstGeom>
-        </p:spPr>
-        <p:txBody>
-          <a:bodyPr vert="horz" wrap="square" lIns="0" tIns="12700" rIns="0" bIns="0" rtlCol="0">
-            <a:spAutoFit/>
-          </a:bodyPr>
-          <a:lstStyle/>
-          <a:p>
-            <a:pPr marL="12700">
-              <a:lnSpc>
-                <a:spcPct val="100000"/>
-              </a:lnSpc>
-              <a:spcBef>
-                <a:spcPts val="100"/>
-              </a:spcBef>
-            </a:pPr>
-            <a:r>
-              <a:rPr sz="3000" spc="-95" dirty="0">
-                <a:solidFill>
-                  <a:schemeClr val="tx1"/>
-                </a:solidFill>
-                <a:latin typeface="Arial Narrow"/>
-                <a:cs typeface="Arial Narrow"/>
-              </a:rPr>
-              <a:t>Goals </a:t>
-            </a:r>
-            <a:r>
-              <a:rPr sz="3000" spc="40" dirty="0">
-                <a:solidFill>
-                  <a:schemeClr val="tx1"/>
-                </a:solidFill>
-                <a:latin typeface="Arial Narrow"/>
-                <a:cs typeface="Arial Narrow"/>
-              </a:rPr>
-              <a:t>of </a:t>
-            </a:r>
-            <a:r>
-              <a:rPr sz="3000" spc="55" dirty="0">
-                <a:solidFill>
-                  <a:schemeClr val="tx1"/>
-                </a:solidFill>
-                <a:latin typeface="Arial Narrow"/>
-                <a:cs typeface="Arial Narrow"/>
-              </a:rPr>
-              <a:t>this </a:t>
-            </a:r>
-            <a:r>
-              <a:rPr sz="3000" spc="-25" dirty="0">
-                <a:solidFill>
-                  <a:schemeClr val="tx1"/>
-                </a:solidFill>
-                <a:latin typeface="Arial Narrow"/>
-                <a:cs typeface="Arial Narrow"/>
-              </a:rPr>
-              <a:t>workshop</a:t>
-            </a:r>
-            <a:endParaRPr sz="3000" dirty="0">
-              <a:solidFill>
-                <a:schemeClr val="tx1"/>
-              </a:solidFill>
-              <a:latin typeface="Arial Narrow"/>
-              <a:cs typeface="Arial Narrow"/>
-            </a:endParaRPr>
-          </a:p>
-        </p:txBody>
-      </p:sp>
-      <p:sp>
-        <p:nvSpPr>
-          <p:cNvPr id="3" name="object 3"/>
-          <p:cNvSpPr txBox="1"/>
-          <p:nvPr/>
-        </p:nvSpPr>
-        <p:spPr>
-          <a:xfrm>
-            <a:off x="541544" y="1176350"/>
-            <a:ext cx="8145256" cy="2051202"/>
-          </a:xfrm>
-          <a:prstGeom prst="rect">
-            <a:avLst/>
-          </a:prstGeom>
-        </p:spPr>
-        <p:txBody>
-          <a:bodyPr vert="horz" wrap="square" lIns="0" tIns="52704" rIns="0" bIns="0" rtlCol="0">
-            <a:spAutoFit/>
-          </a:bodyPr>
-          <a:lstStyle/>
-          <a:p>
-            <a:pPr marL="313055" indent="-300990">
-              <a:lnSpc>
-                <a:spcPct val="100000"/>
-              </a:lnSpc>
-              <a:spcBef>
-                <a:spcPts val="414"/>
-              </a:spcBef>
-              <a:buChar char="-"/>
-              <a:tabLst>
-                <a:tab pos="312420" algn="l"/>
-                <a:tab pos="313690" algn="l"/>
-              </a:tabLst>
-            </a:pPr>
-            <a:r>
-              <a:rPr sz="1800" spc="-65" dirty="0">
-                <a:latin typeface="Book Antiqua"/>
-                <a:cs typeface="Book Antiqua"/>
-              </a:rPr>
-              <a:t>Provide </a:t>
-            </a:r>
-            <a:r>
-              <a:rPr sz="1800" spc="-80" dirty="0">
-                <a:latin typeface="Book Antiqua"/>
-                <a:cs typeface="Book Antiqua"/>
-              </a:rPr>
-              <a:t>a </a:t>
-            </a:r>
-            <a:r>
-              <a:rPr sz="1800" spc="-55" dirty="0">
-                <a:latin typeface="Book Antiqua"/>
-                <a:cs typeface="Book Antiqua"/>
-              </a:rPr>
-              <a:t>general </a:t>
-            </a:r>
-            <a:r>
-              <a:rPr sz="1800" spc="-75" dirty="0">
-                <a:latin typeface="Book Antiqua"/>
-                <a:cs typeface="Book Antiqua"/>
-              </a:rPr>
-              <a:t>roadmap </a:t>
-            </a:r>
-            <a:r>
-              <a:rPr sz="1800" spc="-35" dirty="0">
-                <a:latin typeface="Book Antiqua"/>
-                <a:cs typeface="Book Antiqua"/>
-              </a:rPr>
-              <a:t>of </a:t>
-            </a:r>
-            <a:r>
-              <a:rPr lang="en-US" sz="1800" spc="-40" dirty="0">
-                <a:latin typeface="Book Antiqua"/>
-                <a:cs typeface="Book Antiqua"/>
-              </a:rPr>
-              <a:t>computational text analysis (CTA)</a:t>
-            </a:r>
-            <a:r>
-              <a:rPr lang="en-US" sz="1800" spc="265" dirty="0">
-                <a:latin typeface="Book Antiqua"/>
-                <a:cs typeface="Book Antiqua"/>
-              </a:rPr>
-              <a:t> </a:t>
-            </a:r>
-          </a:p>
-          <a:p>
-            <a:pPr marL="313055" indent="-300990">
-              <a:lnSpc>
-                <a:spcPct val="100000"/>
-              </a:lnSpc>
-              <a:spcBef>
-                <a:spcPts val="414"/>
-              </a:spcBef>
-              <a:buChar char="-"/>
-              <a:tabLst>
-                <a:tab pos="312420" algn="l"/>
-                <a:tab pos="313690" algn="l"/>
-              </a:tabLst>
-            </a:pPr>
-            <a:r>
-              <a:rPr sz="1800" spc="-55" dirty="0">
-                <a:latin typeface="Book Antiqua"/>
-                <a:cs typeface="Book Antiqua"/>
-              </a:rPr>
-              <a:t>Build </a:t>
-            </a:r>
-            <a:r>
-              <a:rPr sz="1800" spc="-40" dirty="0">
-                <a:latin typeface="Book Antiqua"/>
-                <a:cs typeface="Book Antiqua"/>
-              </a:rPr>
-              <a:t>intuitions </a:t>
-            </a:r>
-            <a:r>
-              <a:rPr sz="1800" spc="-50" dirty="0">
-                <a:latin typeface="Book Antiqua"/>
-                <a:cs typeface="Book Antiqua"/>
-              </a:rPr>
-              <a:t>about </a:t>
-            </a:r>
-            <a:r>
-              <a:rPr lang="en-US" sz="1800" spc="-40" dirty="0">
-                <a:latin typeface="Book Antiqua"/>
-                <a:cs typeface="Book Antiqua"/>
-              </a:rPr>
-              <a:t>using text as data</a:t>
-            </a:r>
-          </a:p>
-          <a:p>
-            <a:pPr marL="313055" indent="-300990">
-              <a:lnSpc>
-                <a:spcPct val="100000"/>
-              </a:lnSpc>
-              <a:spcBef>
-                <a:spcPts val="315"/>
-              </a:spcBef>
-              <a:buChar char="-"/>
-              <a:tabLst>
-                <a:tab pos="312420" algn="l"/>
-                <a:tab pos="313690" algn="l"/>
-              </a:tabLst>
-            </a:pPr>
-            <a:r>
-              <a:rPr lang="en-US" spc="-40" dirty="0">
-                <a:latin typeface="Book Antiqua"/>
-                <a:cs typeface="Book Antiqua"/>
-              </a:rPr>
-              <a:t>Gain practice with preprocessing and more</a:t>
-            </a:r>
-            <a:endParaRPr sz="1800" dirty="0">
-              <a:latin typeface="Book Antiqua"/>
-              <a:cs typeface="Book Antiqua"/>
-            </a:endParaRPr>
-          </a:p>
-          <a:p>
-            <a:pPr marL="313055" indent="-300990">
-              <a:lnSpc>
-                <a:spcPct val="100000"/>
-              </a:lnSpc>
-              <a:spcBef>
-                <a:spcPts val="315"/>
-              </a:spcBef>
-              <a:buChar char="-"/>
-              <a:tabLst>
-                <a:tab pos="312420" algn="l"/>
-                <a:tab pos="313690" algn="l"/>
-              </a:tabLst>
-            </a:pPr>
-            <a:r>
-              <a:rPr sz="1800" spc="-60" dirty="0">
-                <a:latin typeface="Book Antiqua"/>
-                <a:cs typeface="Book Antiqua"/>
-              </a:rPr>
-              <a:t>Understand </a:t>
-            </a:r>
-            <a:r>
-              <a:rPr sz="1800" spc="-40" dirty="0">
-                <a:latin typeface="Book Antiqua"/>
-                <a:cs typeface="Book Antiqua"/>
-              </a:rPr>
-              <a:t>at </a:t>
-            </a:r>
-            <a:r>
-              <a:rPr sz="1800" spc="-80" dirty="0">
-                <a:latin typeface="Book Antiqua"/>
-                <a:cs typeface="Book Antiqua"/>
-              </a:rPr>
-              <a:t>a</a:t>
-            </a:r>
-            <a:r>
-              <a:rPr sz="1800" spc="95" dirty="0">
-                <a:latin typeface="Book Antiqua"/>
-                <a:cs typeface="Book Antiqua"/>
-              </a:rPr>
-              <a:t> </a:t>
-            </a:r>
-            <a:r>
-              <a:rPr sz="1800" spc="-60" dirty="0">
-                <a:latin typeface="Book Antiqua"/>
-                <a:cs typeface="Book Antiqua"/>
-              </a:rPr>
-              <a:t>high-level</a:t>
-            </a:r>
-            <a:endParaRPr sz="1800" dirty="0">
-              <a:latin typeface="Book Antiqua"/>
-              <a:cs typeface="Book Antiqua"/>
-            </a:endParaRPr>
-          </a:p>
-          <a:p>
-            <a:pPr marL="770255" lvl="1" indent="-285115">
-              <a:lnSpc>
-                <a:spcPct val="100000"/>
-              </a:lnSpc>
-              <a:spcBef>
-                <a:spcPts val="330"/>
-              </a:spcBef>
-              <a:buChar char="-"/>
-              <a:tabLst>
-                <a:tab pos="769620" algn="l"/>
-                <a:tab pos="770890" algn="l"/>
-              </a:tabLst>
-            </a:pPr>
-            <a:r>
-              <a:rPr sz="1400" spc="-70" dirty="0">
-                <a:latin typeface="Book Antiqua"/>
-                <a:cs typeface="Book Antiqua"/>
-              </a:rPr>
-              <a:t>how </a:t>
-            </a:r>
-            <a:r>
-              <a:rPr lang="en-US" sz="1400" spc="-70" dirty="0">
-                <a:latin typeface="Book Antiqua"/>
-                <a:cs typeface="Book Antiqua"/>
-              </a:rPr>
-              <a:t>a few primary </a:t>
-            </a:r>
-            <a:r>
-              <a:rPr lang="en-US" sz="1400" spc="-35" dirty="0">
-                <a:latin typeface="Book Antiqua"/>
-                <a:cs typeface="Book Antiqua"/>
-              </a:rPr>
-              <a:t>CTA</a:t>
-            </a:r>
-            <a:r>
-              <a:rPr sz="1400" spc="-35" dirty="0">
-                <a:latin typeface="Book Antiqua"/>
-                <a:cs typeface="Book Antiqua"/>
-              </a:rPr>
-              <a:t> </a:t>
-            </a:r>
-            <a:r>
-              <a:rPr sz="1400" spc="-45" dirty="0">
-                <a:latin typeface="Book Antiqua"/>
-                <a:cs typeface="Book Antiqua"/>
-              </a:rPr>
-              <a:t>method</a:t>
-            </a:r>
-            <a:r>
-              <a:rPr lang="en-US" sz="1400" spc="-45" dirty="0">
-                <a:latin typeface="Book Antiqua"/>
-                <a:cs typeface="Book Antiqua"/>
-              </a:rPr>
-              <a:t>s</a:t>
-            </a:r>
-            <a:r>
-              <a:rPr sz="1400" spc="100" dirty="0">
-                <a:latin typeface="Book Antiqua"/>
-                <a:cs typeface="Book Antiqua"/>
-              </a:rPr>
-              <a:t> </a:t>
-            </a:r>
-            <a:r>
-              <a:rPr sz="1400" spc="-65" dirty="0">
-                <a:latin typeface="Book Antiqua"/>
-                <a:cs typeface="Book Antiqua"/>
-              </a:rPr>
-              <a:t>work</a:t>
-            </a:r>
-            <a:endParaRPr sz="1400" dirty="0">
-              <a:latin typeface="Book Antiqua"/>
-              <a:cs typeface="Book Antiqua"/>
-            </a:endParaRPr>
-          </a:p>
-          <a:p>
-            <a:pPr marL="770255" lvl="1" indent="-285115">
-              <a:lnSpc>
-                <a:spcPct val="100000"/>
-              </a:lnSpc>
-              <a:spcBef>
-                <a:spcPts val="270"/>
-              </a:spcBef>
-              <a:buChar char="-"/>
-              <a:tabLst>
-                <a:tab pos="769620" algn="l"/>
-                <a:tab pos="770890" algn="l"/>
-              </a:tabLst>
-            </a:pPr>
-            <a:r>
-              <a:rPr sz="1400" spc="-65" dirty="0">
-                <a:latin typeface="Book Antiqua"/>
-                <a:cs typeface="Book Antiqua"/>
-              </a:rPr>
-              <a:t>what </a:t>
-            </a:r>
-            <a:r>
-              <a:rPr sz="1400" spc="-55" dirty="0">
-                <a:latin typeface="Book Antiqua"/>
-                <a:cs typeface="Book Antiqua"/>
-              </a:rPr>
-              <a:t>kinds </a:t>
-            </a:r>
-            <a:r>
-              <a:rPr sz="1400" spc="-25" dirty="0">
-                <a:latin typeface="Book Antiqua"/>
-                <a:cs typeface="Book Antiqua"/>
-              </a:rPr>
-              <a:t>of </a:t>
-            </a:r>
-            <a:r>
-              <a:rPr sz="1400" spc="-40" dirty="0">
-                <a:latin typeface="Book Antiqua"/>
-                <a:cs typeface="Book Antiqua"/>
-              </a:rPr>
-              <a:t>questions </a:t>
-            </a:r>
-            <a:r>
-              <a:rPr sz="1400" spc="-45" dirty="0">
-                <a:latin typeface="Book Antiqua"/>
-                <a:cs typeface="Book Antiqua"/>
-              </a:rPr>
-              <a:t>they</a:t>
-            </a:r>
-            <a:r>
-              <a:rPr sz="1400" spc="180" dirty="0">
-                <a:latin typeface="Book Antiqua"/>
-                <a:cs typeface="Book Antiqua"/>
-              </a:rPr>
-              <a:t> </a:t>
-            </a:r>
-            <a:r>
-              <a:rPr sz="1400" spc="-60" dirty="0">
-                <a:latin typeface="Book Antiqua"/>
-                <a:cs typeface="Book Antiqua"/>
-              </a:rPr>
-              <a:t>answer</a:t>
-            </a:r>
-            <a:endParaRPr lang="en-US" sz="1400" spc="-60" dirty="0">
-              <a:latin typeface="Book Antiqua"/>
-              <a:cs typeface="Book Antiqua"/>
-            </a:endParaRPr>
-          </a:p>
-          <a:p>
-            <a:pPr marL="770255" lvl="1" indent="-285115">
-              <a:lnSpc>
-                <a:spcPct val="100000"/>
-              </a:lnSpc>
-              <a:spcBef>
-                <a:spcPts val="270"/>
-              </a:spcBef>
-              <a:buChar char="-"/>
-              <a:tabLst>
-                <a:tab pos="769620" algn="l"/>
-                <a:tab pos="770890" algn="l"/>
-              </a:tabLst>
-            </a:pPr>
-            <a:r>
-              <a:rPr lang="en-US" sz="1400" spc="-60" dirty="0">
-                <a:latin typeface="Book Antiqua"/>
-                <a:cs typeface="Book Antiqua"/>
-              </a:rPr>
-              <a:t>how to design and implement a CTA project</a:t>
-            </a:r>
-            <a:endParaRPr sz="1400" dirty="0">
-              <a:latin typeface="Book Antiqua"/>
-              <a:cs typeface="Book Antiqua"/>
-            </a:endParaRPr>
-          </a:p>
-        </p:txBody>
-      </p:sp>
-      <p:pic>
-        <p:nvPicPr>
-          <p:cNvPr id="4" name="Picture 3">
-            <a:extLst>
-              <a:ext uri="{FF2B5EF4-FFF2-40B4-BE49-F238E27FC236}">
-                <a16:creationId xmlns:a16="http://schemas.microsoft.com/office/drawing/2014/main" id="{E1F81790-EF9D-44BD-8A46-2B922E836B56}"/>
-              </a:ext>
-            </a:extLst>
-          </p:cNvPr>
-          <p:cNvPicPr/>
-          <p:nvPr/>
-        </p:nvPicPr>
-        <p:blipFill>
-          <a:blip r:embed="rId2"/>
-          <a:stretch>
-            <a:fillRect/>
-          </a:stretch>
-        </p:blipFill>
-        <p:spPr>
-          <a:xfrm>
-            <a:off x="5334000" y="1809750"/>
-            <a:ext cx="3505200" cy="2495550"/>
-          </a:xfrm>
-          <a:prstGeom prst="rect">
-            <a:avLst/>
-          </a:prstGeom>
-          <a:ln>
-            <a:noFill/>
-          </a:ln>
-        </p:spPr>
-      </p:pic>
-    </p:spTree>
-  </p:cSld>
-  <p:clrMapOvr>
-    <a:masterClrMapping/>
-  </p:clrMapOvr>
-</p:sld>
-</file>
-
-<file path=ppt/slides/slide30.xml><?xml version="1.0" encoding="utf-8"?>
+<file path=ppt/slides/slide29.xml><?xml version="1.0" encoding="utf-8"?>
 <p:sld xmlns:a="http://schemas.openxmlformats.org/drawingml/2006/main" xmlns:r="http://schemas.openxmlformats.org/officeDocument/2006/relationships" xmlns:p="http://schemas.openxmlformats.org/presentationml/2006/main" showMasterSp="0">
   <p:cSld>
     <p:spTree>
@@ -47468,6 +45938,1895 @@
 </p:sld>
 </file>
 
+<file path=ppt/slides/slide3.xml><?xml version="1.0" encoding="utf-8"?>
+<p:sld xmlns:a="http://schemas.openxmlformats.org/drawingml/2006/main" xmlns:r="http://schemas.openxmlformats.org/officeDocument/2006/relationships" xmlns:p="http://schemas.openxmlformats.org/presentationml/2006/main" showMasterSp="0">
+  <p:cSld>
+    <p:spTree>
+      <p:nvGrpSpPr>
+        <p:cNvPr id="1" name=""/>
+        <p:cNvGrpSpPr/>
+        <p:nvPr/>
+      </p:nvGrpSpPr>
+      <p:grpSpPr>
+        <a:xfrm>
+          <a:off x="0" y="0"/>
+          <a:ext cx="0" cy="0"/>
+          <a:chOff x="0" y="0"/>
+          <a:chExt cx="0" cy="0"/>
+        </a:xfrm>
+      </p:grpSpPr>
+      <p:sp>
+        <p:nvSpPr>
+          <p:cNvPr id="2" name="object 2"/>
+          <p:cNvSpPr txBox="1">
+            <a:spLocks noGrp="1"/>
+          </p:cNvSpPr>
+          <p:nvPr>
+            <p:ph type="title"/>
+          </p:nvPr>
+        </p:nvSpPr>
+        <p:spPr>
+          <a:xfrm>
+            <a:off x="384725" y="502810"/>
+            <a:ext cx="4051300" cy="482600"/>
+          </a:xfrm>
+          <a:prstGeom prst="rect">
+            <a:avLst/>
+          </a:prstGeom>
+        </p:spPr>
+        <p:txBody>
+          <a:bodyPr vert="horz" wrap="square" lIns="0" tIns="12700" rIns="0" bIns="0" rtlCol="0">
+            <a:spAutoFit/>
+          </a:bodyPr>
+          <a:lstStyle/>
+          <a:p>
+            <a:pPr marL="12700">
+              <a:lnSpc>
+                <a:spcPct val="100000"/>
+              </a:lnSpc>
+              <a:spcBef>
+                <a:spcPts val="100"/>
+              </a:spcBef>
+            </a:pPr>
+            <a:r>
+              <a:rPr sz="3000" spc="-95" dirty="0">
+                <a:solidFill>
+                  <a:schemeClr val="tx1"/>
+                </a:solidFill>
+                <a:latin typeface="Arial Narrow"/>
+                <a:cs typeface="Arial Narrow"/>
+              </a:rPr>
+              <a:t>Goals </a:t>
+            </a:r>
+            <a:r>
+              <a:rPr sz="3000" spc="40" dirty="0">
+                <a:solidFill>
+                  <a:schemeClr val="tx1"/>
+                </a:solidFill>
+                <a:latin typeface="Arial Narrow"/>
+                <a:cs typeface="Arial Narrow"/>
+              </a:rPr>
+              <a:t>of </a:t>
+            </a:r>
+            <a:r>
+              <a:rPr sz="3000" spc="55" dirty="0">
+                <a:solidFill>
+                  <a:schemeClr val="tx1"/>
+                </a:solidFill>
+                <a:latin typeface="Arial Narrow"/>
+                <a:cs typeface="Arial Narrow"/>
+              </a:rPr>
+              <a:t>this </a:t>
+            </a:r>
+            <a:r>
+              <a:rPr sz="3000" spc="-25" dirty="0">
+                <a:solidFill>
+                  <a:schemeClr val="tx1"/>
+                </a:solidFill>
+                <a:latin typeface="Arial Narrow"/>
+                <a:cs typeface="Arial Narrow"/>
+              </a:rPr>
+              <a:t>workshop</a:t>
+            </a:r>
+            <a:endParaRPr sz="3000" dirty="0">
+              <a:solidFill>
+                <a:schemeClr val="tx1"/>
+              </a:solidFill>
+              <a:latin typeface="Arial Narrow"/>
+              <a:cs typeface="Arial Narrow"/>
+            </a:endParaRPr>
+          </a:p>
+        </p:txBody>
+      </p:sp>
+      <p:sp>
+        <p:nvSpPr>
+          <p:cNvPr id="3" name="object 3"/>
+          <p:cNvSpPr txBox="1"/>
+          <p:nvPr/>
+        </p:nvSpPr>
+        <p:spPr>
+          <a:xfrm>
+            <a:off x="541544" y="1176350"/>
+            <a:ext cx="8145256" cy="2379497"/>
+          </a:xfrm>
+          <a:prstGeom prst="rect">
+            <a:avLst/>
+          </a:prstGeom>
+        </p:spPr>
+        <p:txBody>
+          <a:bodyPr vert="horz" wrap="square" lIns="0" tIns="52704" rIns="0" bIns="0" rtlCol="0">
+            <a:spAutoFit/>
+          </a:bodyPr>
+          <a:lstStyle/>
+          <a:p>
+            <a:pPr marL="313055" indent="-300990">
+              <a:lnSpc>
+                <a:spcPct val="100000"/>
+              </a:lnSpc>
+              <a:spcBef>
+                <a:spcPts val="414"/>
+              </a:spcBef>
+              <a:buChar char="-"/>
+              <a:tabLst>
+                <a:tab pos="312420" algn="l"/>
+                <a:tab pos="313690" algn="l"/>
+              </a:tabLst>
+            </a:pPr>
+            <a:r>
+              <a:rPr sz="1800" spc="-65" dirty="0">
+                <a:latin typeface="Book Antiqua"/>
+                <a:cs typeface="Book Antiqua"/>
+              </a:rPr>
+              <a:t>Provide </a:t>
+            </a:r>
+            <a:r>
+              <a:rPr sz="1800" spc="-80" dirty="0">
+                <a:latin typeface="Book Antiqua"/>
+                <a:cs typeface="Book Antiqua"/>
+              </a:rPr>
+              <a:t>a </a:t>
+            </a:r>
+            <a:r>
+              <a:rPr sz="1800" spc="-55" dirty="0">
+                <a:latin typeface="Book Antiqua"/>
+                <a:cs typeface="Book Antiqua"/>
+              </a:rPr>
+              <a:t>general </a:t>
+            </a:r>
+            <a:r>
+              <a:rPr sz="1800" spc="-75" dirty="0">
+                <a:latin typeface="Book Antiqua"/>
+                <a:cs typeface="Book Antiqua"/>
+              </a:rPr>
+              <a:t>roadmap </a:t>
+            </a:r>
+            <a:r>
+              <a:rPr sz="1800" spc="-35" dirty="0">
+                <a:latin typeface="Book Antiqua"/>
+                <a:cs typeface="Book Antiqua"/>
+              </a:rPr>
+              <a:t>of </a:t>
+            </a:r>
+            <a:r>
+              <a:rPr lang="en-US" sz="1800" spc="-40" dirty="0">
+                <a:latin typeface="Book Antiqua"/>
+                <a:cs typeface="Book Antiqua"/>
+              </a:rPr>
+              <a:t>computational text analysis (CTA)</a:t>
+            </a:r>
+            <a:r>
+              <a:rPr lang="en-US" sz="1800" spc="265" dirty="0">
+                <a:latin typeface="Book Antiqua"/>
+                <a:cs typeface="Book Antiqua"/>
+              </a:rPr>
+              <a:t> </a:t>
+            </a:r>
+          </a:p>
+          <a:p>
+            <a:pPr marL="313055" indent="-300990">
+              <a:lnSpc>
+                <a:spcPct val="100000"/>
+              </a:lnSpc>
+              <a:spcBef>
+                <a:spcPts val="414"/>
+              </a:spcBef>
+              <a:buChar char="-"/>
+              <a:tabLst>
+                <a:tab pos="312420" algn="l"/>
+                <a:tab pos="313690" algn="l"/>
+              </a:tabLst>
+            </a:pPr>
+            <a:r>
+              <a:rPr sz="1800" spc="-55" dirty="0">
+                <a:latin typeface="Book Antiqua"/>
+                <a:cs typeface="Book Antiqua"/>
+              </a:rPr>
+              <a:t>Build </a:t>
+            </a:r>
+            <a:r>
+              <a:rPr sz="1800" spc="-40" dirty="0">
+                <a:latin typeface="Book Antiqua"/>
+                <a:cs typeface="Book Antiqua"/>
+              </a:rPr>
+              <a:t>intuitions </a:t>
+            </a:r>
+            <a:r>
+              <a:rPr sz="1800" spc="-50" dirty="0">
+                <a:latin typeface="Book Antiqua"/>
+                <a:cs typeface="Book Antiqua"/>
+              </a:rPr>
+              <a:t>about </a:t>
+            </a:r>
+            <a:r>
+              <a:rPr lang="en-US" sz="1800" spc="-40" dirty="0">
+                <a:latin typeface="Book Antiqua"/>
+                <a:cs typeface="Book Antiqua"/>
+              </a:rPr>
+              <a:t>using text as data</a:t>
+            </a:r>
+          </a:p>
+          <a:p>
+            <a:pPr marL="313055" indent="-300990">
+              <a:lnSpc>
+                <a:spcPct val="100000"/>
+              </a:lnSpc>
+              <a:spcBef>
+                <a:spcPts val="414"/>
+              </a:spcBef>
+              <a:buChar char="-"/>
+              <a:tabLst>
+                <a:tab pos="312420" algn="l"/>
+                <a:tab pos="313690" algn="l"/>
+              </a:tabLst>
+            </a:pPr>
+            <a:r>
+              <a:rPr lang="en-US" spc="-40" dirty="0">
+                <a:latin typeface="Book Antiqua"/>
+                <a:cs typeface="Book Antiqua"/>
+              </a:rPr>
+              <a:t>Build enthusiasm!</a:t>
+            </a:r>
+            <a:endParaRPr lang="en-US" sz="1800" spc="-40" dirty="0">
+              <a:latin typeface="Book Antiqua"/>
+              <a:cs typeface="Book Antiqua"/>
+            </a:endParaRPr>
+          </a:p>
+          <a:p>
+            <a:pPr marL="313055" indent="-300990">
+              <a:lnSpc>
+                <a:spcPct val="100000"/>
+              </a:lnSpc>
+              <a:spcBef>
+                <a:spcPts val="315"/>
+              </a:spcBef>
+              <a:buChar char="-"/>
+              <a:tabLst>
+                <a:tab pos="312420" algn="l"/>
+                <a:tab pos="313690" algn="l"/>
+              </a:tabLst>
+            </a:pPr>
+            <a:r>
+              <a:rPr lang="en-US" spc="-40" dirty="0">
+                <a:latin typeface="Book Antiqua"/>
+                <a:cs typeface="Book Antiqua"/>
+              </a:rPr>
+              <a:t>Practice preprocessing and more</a:t>
+            </a:r>
+            <a:endParaRPr sz="1800" dirty="0">
+              <a:latin typeface="Book Antiqua"/>
+              <a:cs typeface="Book Antiqua"/>
+            </a:endParaRPr>
+          </a:p>
+          <a:p>
+            <a:pPr marL="313055" indent="-300990">
+              <a:lnSpc>
+                <a:spcPct val="100000"/>
+              </a:lnSpc>
+              <a:spcBef>
+                <a:spcPts val="315"/>
+              </a:spcBef>
+              <a:buChar char="-"/>
+              <a:tabLst>
+                <a:tab pos="312420" algn="l"/>
+                <a:tab pos="313690" algn="l"/>
+              </a:tabLst>
+            </a:pPr>
+            <a:r>
+              <a:rPr sz="1800" spc="-60" dirty="0">
+                <a:latin typeface="Book Antiqua"/>
+                <a:cs typeface="Book Antiqua"/>
+              </a:rPr>
+              <a:t>Understand </a:t>
+            </a:r>
+            <a:r>
+              <a:rPr sz="1800" spc="-40" dirty="0">
+                <a:latin typeface="Book Antiqua"/>
+                <a:cs typeface="Book Antiqua"/>
+              </a:rPr>
+              <a:t>at </a:t>
+            </a:r>
+            <a:r>
+              <a:rPr sz="1800" spc="-80" dirty="0">
+                <a:latin typeface="Book Antiqua"/>
+                <a:cs typeface="Book Antiqua"/>
+              </a:rPr>
+              <a:t>a</a:t>
+            </a:r>
+            <a:r>
+              <a:rPr sz="1800" spc="95" dirty="0">
+                <a:latin typeface="Book Antiqua"/>
+                <a:cs typeface="Book Antiqua"/>
+              </a:rPr>
+              <a:t> </a:t>
+            </a:r>
+            <a:r>
+              <a:rPr sz="1800" spc="-60" dirty="0">
+                <a:latin typeface="Book Antiqua"/>
+                <a:cs typeface="Book Antiqua"/>
+              </a:rPr>
+              <a:t>high-level</a:t>
+            </a:r>
+            <a:endParaRPr sz="1800" dirty="0">
+              <a:latin typeface="Book Antiqua"/>
+              <a:cs typeface="Book Antiqua"/>
+            </a:endParaRPr>
+          </a:p>
+          <a:p>
+            <a:pPr marL="770255" lvl="1" indent="-285115">
+              <a:lnSpc>
+                <a:spcPct val="100000"/>
+              </a:lnSpc>
+              <a:spcBef>
+                <a:spcPts val="330"/>
+              </a:spcBef>
+              <a:buChar char="-"/>
+              <a:tabLst>
+                <a:tab pos="769620" algn="l"/>
+                <a:tab pos="770890" algn="l"/>
+              </a:tabLst>
+            </a:pPr>
+            <a:r>
+              <a:rPr sz="1400" spc="-70" dirty="0">
+                <a:latin typeface="Book Antiqua"/>
+                <a:cs typeface="Book Antiqua"/>
+              </a:rPr>
+              <a:t>how </a:t>
+            </a:r>
+            <a:r>
+              <a:rPr lang="en-US" sz="1400" spc="-70" dirty="0">
+                <a:latin typeface="Book Antiqua"/>
+                <a:cs typeface="Book Antiqua"/>
+              </a:rPr>
+              <a:t>a few primary </a:t>
+            </a:r>
+            <a:r>
+              <a:rPr lang="en-US" sz="1400" spc="-35" dirty="0">
+                <a:latin typeface="Book Antiqua"/>
+                <a:cs typeface="Book Antiqua"/>
+              </a:rPr>
+              <a:t>CTA</a:t>
+            </a:r>
+            <a:r>
+              <a:rPr sz="1400" spc="-35" dirty="0">
+                <a:latin typeface="Book Antiqua"/>
+                <a:cs typeface="Book Antiqua"/>
+              </a:rPr>
+              <a:t> </a:t>
+            </a:r>
+            <a:r>
+              <a:rPr sz="1400" spc="-45" dirty="0">
+                <a:latin typeface="Book Antiqua"/>
+                <a:cs typeface="Book Antiqua"/>
+              </a:rPr>
+              <a:t>method</a:t>
+            </a:r>
+            <a:r>
+              <a:rPr lang="en-US" sz="1400" spc="-45" dirty="0">
+                <a:latin typeface="Book Antiqua"/>
+                <a:cs typeface="Book Antiqua"/>
+              </a:rPr>
+              <a:t>s</a:t>
+            </a:r>
+            <a:r>
+              <a:rPr sz="1400" spc="100" dirty="0">
+                <a:latin typeface="Book Antiqua"/>
+                <a:cs typeface="Book Antiqua"/>
+              </a:rPr>
+              <a:t> </a:t>
+            </a:r>
+            <a:r>
+              <a:rPr sz="1400" spc="-65" dirty="0">
+                <a:latin typeface="Book Antiqua"/>
+                <a:cs typeface="Book Antiqua"/>
+              </a:rPr>
+              <a:t>work</a:t>
+            </a:r>
+            <a:endParaRPr sz="1400" dirty="0">
+              <a:latin typeface="Book Antiqua"/>
+              <a:cs typeface="Book Antiqua"/>
+            </a:endParaRPr>
+          </a:p>
+          <a:p>
+            <a:pPr marL="770255" lvl="1" indent="-285115">
+              <a:lnSpc>
+                <a:spcPct val="100000"/>
+              </a:lnSpc>
+              <a:spcBef>
+                <a:spcPts val="270"/>
+              </a:spcBef>
+              <a:buChar char="-"/>
+              <a:tabLst>
+                <a:tab pos="769620" algn="l"/>
+                <a:tab pos="770890" algn="l"/>
+              </a:tabLst>
+            </a:pPr>
+            <a:r>
+              <a:rPr sz="1400" spc="-65" dirty="0">
+                <a:latin typeface="Book Antiqua"/>
+                <a:cs typeface="Book Antiqua"/>
+              </a:rPr>
+              <a:t>what </a:t>
+            </a:r>
+            <a:r>
+              <a:rPr sz="1400" spc="-55" dirty="0">
+                <a:latin typeface="Book Antiqua"/>
+                <a:cs typeface="Book Antiqua"/>
+              </a:rPr>
+              <a:t>kinds </a:t>
+            </a:r>
+            <a:r>
+              <a:rPr sz="1400" spc="-25" dirty="0">
+                <a:latin typeface="Book Antiqua"/>
+                <a:cs typeface="Book Antiqua"/>
+              </a:rPr>
+              <a:t>of </a:t>
+            </a:r>
+            <a:r>
+              <a:rPr sz="1400" spc="-40" dirty="0">
+                <a:latin typeface="Book Antiqua"/>
+                <a:cs typeface="Book Antiqua"/>
+              </a:rPr>
+              <a:t>questions </a:t>
+            </a:r>
+            <a:r>
+              <a:rPr sz="1400" spc="-45" dirty="0">
+                <a:latin typeface="Book Antiqua"/>
+                <a:cs typeface="Book Antiqua"/>
+              </a:rPr>
+              <a:t>they</a:t>
+            </a:r>
+            <a:r>
+              <a:rPr sz="1400" spc="180" dirty="0">
+                <a:latin typeface="Book Antiqua"/>
+                <a:cs typeface="Book Antiqua"/>
+              </a:rPr>
+              <a:t> </a:t>
+            </a:r>
+            <a:r>
+              <a:rPr sz="1400" spc="-60" dirty="0">
+                <a:latin typeface="Book Antiqua"/>
+                <a:cs typeface="Book Antiqua"/>
+              </a:rPr>
+              <a:t>answer</a:t>
+            </a:r>
+            <a:endParaRPr lang="en-US" sz="1400" spc="-60" dirty="0">
+              <a:latin typeface="Book Antiqua"/>
+              <a:cs typeface="Book Antiqua"/>
+            </a:endParaRPr>
+          </a:p>
+          <a:p>
+            <a:pPr marL="770255" lvl="1" indent="-285115">
+              <a:lnSpc>
+                <a:spcPct val="100000"/>
+              </a:lnSpc>
+              <a:spcBef>
+                <a:spcPts val="270"/>
+              </a:spcBef>
+              <a:buChar char="-"/>
+              <a:tabLst>
+                <a:tab pos="769620" algn="l"/>
+                <a:tab pos="770890" algn="l"/>
+              </a:tabLst>
+            </a:pPr>
+            <a:r>
+              <a:rPr lang="en-US" sz="1400" spc="-60" dirty="0">
+                <a:latin typeface="Book Antiqua"/>
+                <a:cs typeface="Book Antiqua"/>
+              </a:rPr>
+              <a:t>how to design and implement a CTA project</a:t>
+            </a:r>
+            <a:endParaRPr sz="1400" dirty="0">
+              <a:latin typeface="Book Antiqua"/>
+              <a:cs typeface="Book Antiqua"/>
+            </a:endParaRPr>
+          </a:p>
+        </p:txBody>
+      </p:sp>
+      <p:pic>
+        <p:nvPicPr>
+          <p:cNvPr id="4" name="Picture 3">
+            <a:extLst>
+              <a:ext uri="{FF2B5EF4-FFF2-40B4-BE49-F238E27FC236}">
+                <a16:creationId xmlns:a16="http://schemas.microsoft.com/office/drawing/2014/main" id="{E1F81790-EF9D-44BD-8A46-2B922E836B56}"/>
+              </a:ext>
+            </a:extLst>
+          </p:cNvPr>
+          <p:cNvPicPr/>
+          <p:nvPr/>
+        </p:nvPicPr>
+        <p:blipFill>
+          <a:blip r:embed="rId2"/>
+          <a:stretch>
+            <a:fillRect/>
+          </a:stretch>
+        </p:blipFill>
+        <p:spPr>
+          <a:xfrm>
+            <a:off x="5334000" y="1809750"/>
+            <a:ext cx="3505200" cy="2495550"/>
+          </a:xfrm>
+          <a:prstGeom prst="rect">
+            <a:avLst/>
+          </a:prstGeom>
+          <a:ln>
+            <a:noFill/>
+          </a:ln>
+        </p:spPr>
+      </p:pic>
+    </p:spTree>
+  </p:cSld>
+  <p:clrMapOvr>
+    <a:masterClrMapping/>
+  </p:clrMapOvr>
+</p:sld>
+</file>
+
+<file path=ppt/slides/slide30.xml><?xml version="1.0" encoding="utf-8"?>
+<p:sld xmlns:a="http://schemas.openxmlformats.org/drawingml/2006/main" xmlns:r="http://schemas.openxmlformats.org/officeDocument/2006/relationships" xmlns:p="http://schemas.openxmlformats.org/presentationml/2006/main" showMasterSp="0">
+  <p:cSld>
+    <p:spTree>
+      <p:nvGrpSpPr>
+        <p:cNvPr id="1" name=""/>
+        <p:cNvGrpSpPr/>
+        <p:nvPr/>
+      </p:nvGrpSpPr>
+      <p:grpSpPr>
+        <a:xfrm>
+          <a:off x="0" y="0"/>
+          <a:ext cx="0" cy="0"/>
+          <a:chOff x="0" y="0"/>
+          <a:chExt cx="0" cy="0"/>
+        </a:xfrm>
+      </p:grpSpPr>
+      <p:sp>
+        <p:nvSpPr>
+          <p:cNvPr id="2" name="object 2"/>
+          <p:cNvSpPr txBox="1">
+            <a:spLocks noGrp="1"/>
+          </p:cNvSpPr>
+          <p:nvPr>
+            <p:ph type="title"/>
+          </p:nvPr>
+        </p:nvSpPr>
+        <p:spPr>
+          <a:xfrm>
+            <a:off x="384725" y="502810"/>
+            <a:ext cx="3623945" cy="482600"/>
+          </a:xfrm>
+          <a:prstGeom prst="rect">
+            <a:avLst/>
+          </a:prstGeom>
+        </p:spPr>
+        <p:txBody>
+          <a:bodyPr vert="horz" wrap="square" lIns="0" tIns="12700" rIns="0" bIns="0" rtlCol="0">
+            <a:spAutoFit/>
+          </a:bodyPr>
+          <a:lstStyle/>
+          <a:p>
+            <a:pPr marL="12700">
+              <a:lnSpc>
+                <a:spcPct val="100000"/>
+              </a:lnSpc>
+              <a:spcBef>
+                <a:spcPts val="100"/>
+              </a:spcBef>
+            </a:pPr>
+            <a:r>
+              <a:rPr lang="en-US" sz="3000" spc="-20" dirty="0">
+                <a:solidFill>
+                  <a:schemeClr val="tx1"/>
+                </a:solidFill>
+                <a:latin typeface="Arial Narrow"/>
+                <a:cs typeface="Arial Narrow"/>
+              </a:rPr>
+              <a:t>Inputs to modeling</a:t>
+            </a:r>
+            <a:endParaRPr sz="3000" dirty="0">
+              <a:solidFill>
+                <a:schemeClr val="tx1"/>
+              </a:solidFill>
+              <a:latin typeface="Arial Narrow"/>
+              <a:cs typeface="Arial Narrow"/>
+            </a:endParaRPr>
+          </a:p>
+        </p:txBody>
+      </p:sp>
+      <p:sp>
+        <p:nvSpPr>
+          <p:cNvPr id="3" name="object 3"/>
+          <p:cNvSpPr txBox="1">
+            <a:spLocks noGrp="1"/>
+          </p:cNvSpPr>
+          <p:nvPr>
+            <p:ph type="body" idx="1"/>
+          </p:nvPr>
+        </p:nvSpPr>
+        <p:spPr>
+          <a:xfrm>
+            <a:off x="539225" y="1176350"/>
+            <a:ext cx="8065549" cy="3176831"/>
+          </a:xfrm>
+          <a:prstGeom prst="rect">
+            <a:avLst/>
+          </a:prstGeom>
+        </p:spPr>
+        <p:txBody>
+          <a:bodyPr vert="horz" wrap="square" lIns="0" tIns="52704" rIns="0" bIns="0" rtlCol="0">
+            <a:spAutoFit/>
+          </a:bodyPr>
+          <a:lstStyle/>
+          <a:p>
+            <a:pPr marL="314960" indent="-300990">
+              <a:lnSpc>
+                <a:spcPct val="100000"/>
+              </a:lnSpc>
+              <a:spcBef>
+                <a:spcPts val="315"/>
+              </a:spcBef>
+              <a:buChar char="-"/>
+              <a:tabLst>
+                <a:tab pos="314960" algn="l"/>
+                <a:tab pos="316230" algn="l"/>
+              </a:tabLst>
+            </a:pPr>
+            <a:r>
+              <a:rPr spc="-25" dirty="0">
+                <a:solidFill>
+                  <a:schemeClr val="tx1"/>
+                </a:solidFill>
+              </a:rPr>
+              <a:t>Topic </a:t>
+            </a:r>
+            <a:r>
+              <a:rPr spc="-70" dirty="0">
+                <a:solidFill>
+                  <a:schemeClr val="tx1"/>
+                </a:solidFill>
+              </a:rPr>
+              <a:t>modeling: </a:t>
+            </a:r>
+            <a:r>
+              <a:rPr spc="-55" dirty="0">
+                <a:solidFill>
+                  <a:schemeClr val="tx1"/>
+                </a:solidFill>
+              </a:rPr>
+              <a:t>input </a:t>
+            </a:r>
+            <a:r>
+              <a:rPr spc="-150" dirty="0">
+                <a:solidFill>
+                  <a:schemeClr val="tx1"/>
+                </a:solidFill>
+              </a:rPr>
+              <a:t>= </a:t>
+            </a:r>
+            <a:r>
+              <a:rPr spc="-85" dirty="0">
+                <a:solidFill>
+                  <a:schemeClr val="tx1"/>
+                </a:solidFill>
+              </a:rPr>
+              <a:t>many </a:t>
+            </a:r>
+            <a:r>
+              <a:rPr spc="-40" dirty="0">
+                <a:solidFill>
+                  <a:schemeClr val="tx1"/>
+                </a:solidFill>
+              </a:rPr>
+              <a:t>different </a:t>
+            </a:r>
+            <a:r>
+              <a:rPr spc="-35" dirty="0">
+                <a:solidFill>
+                  <a:schemeClr val="tx1"/>
+                </a:solidFill>
+              </a:rPr>
+              <a:t>texts, </a:t>
+            </a:r>
+            <a:r>
+              <a:rPr spc="-55" dirty="0">
+                <a:solidFill>
+                  <a:schemeClr val="tx1"/>
+                </a:solidFill>
+              </a:rPr>
+              <a:t>output </a:t>
+            </a:r>
+            <a:r>
+              <a:rPr spc="-150" dirty="0">
+                <a:solidFill>
+                  <a:schemeClr val="tx1"/>
+                </a:solidFill>
+              </a:rPr>
+              <a:t>= </a:t>
+            </a:r>
+            <a:r>
+              <a:rPr spc="-80" dirty="0">
+                <a:solidFill>
+                  <a:schemeClr val="tx1"/>
+                </a:solidFill>
+              </a:rPr>
+              <a:t>what </a:t>
+            </a:r>
+            <a:r>
+              <a:rPr spc="-40" dirty="0">
+                <a:solidFill>
+                  <a:schemeClr val="tx1"/>
+                </a:solidFill>
+              </a:rPr>
+              <a:t>each </a:t>
+            </a:r>
+            <a:r>
+              <a:rPr spc="-20" dirty="0">
+                <a:solidFill>
+                  <a:schemeClr val="tx1"/>
+                </a:solidFill>
+              </a:rPr>
+              <a:t>text </a:t>
+            </a:r>
+            <a:r>
+              <a:rPr spc="-55" dirty="0">
+                <a:solidFill>
+                  <a:schemeClr val="tx1"/>
+                </a:solidFill>
+              </a:rPr>
+              <a:t>is</a:t>
+            </a:r>
+            <a:r>
+              <a:rPr spc="235" dirty="0">
+                <a:solidFill>
+                  <a:schemeClr val="tx1"/>
+                </a:solidFill>
+              </a:rPr>
+              <a:t> </a:t>
+            </a:r>
+            <a:r>
+              <a:rPr spc="-50" dirty="0">
+                <a:solidFill>
+                  <a:schemeClr val="tx1"/>
+                </a:solidFill>
+              </a:rPr>
+              <a:t>about</a:t>
+            </a:r>
+          </a:p>
+          <a:p>
+            <a:pPr marL="772160" lvl="1" indent="-285115">
+              <a:lnSpc>
+                <a:spcPct val="100000"/>
+              </a:lnSpc>
+              <a:spcBef>
+                <a:spcPts val="330"/>
+              </a:spcBef>
+              <a:buChar char="-"/>
+              <a:tabLst>
+                <a:tab pos="772160" algn="l"/>
+                <a:tab pos="773430" algn="l"/>
+              </a:tabLst>
+            </a:pPr>
+            <a:r>
+              <a:rPr sz="1400" spc="-65" dirty="0">
+                <a:solidFill>
+                  <a:schemeClr val="tx1"/>
+                </a:solidFill>
+                <a:latin typeface="Book Antiqua"/>
+                <a:cs typeface="Book Antiqua"/>
+              </a:rPr>
+              <a:t>Newspaper</a:t>
+            </a:r>
+            <a:r>
+              <a:rPr sz="1400" spc="-5" dirty="0">
+                <a:solidFill>
+                  <a:schemeClr val="tx1"/>
+                </a:solidFill>
+                <a:latin typeface="Book Antiqua"/>
+                <a:cs typeface="Book Antiqua"/>
+              </a:rPr>
+              <a:t> </a:t>
+            </a:r>
+            <a:r>
+              <a:rPr sz="1400" spc="-30" dirty="0">
+                <a:solidFill>
+                  <a:schemeClr val="tx1"/>
+                </a:solidFill>
+                <a:latin typeface="Book Antiqua"/>
+                <a:cs typeface="Book Antiqua"/>
+              </a:rPr>
+              <a:t>articles</a:t>
+            </a:r>
+            <a:endParaRPr sz="1400" dirty="0">
+              <a:solidFill>
+                <a:schemeClr val="tx1"/>
+              </a:solidFill>
+              <a:latin typeface="Book Antiqua"/>
+              <a:cs typeface="Book Antiqua"/>
+            </a:endParaRPr>
+          </a:p>
+          <a:p>
+            <a:pPr marL="772160" lvl="1" indent="-285115">
+              <a:lnSpc>
+                <a:spcPct val="100000"/>
+              </a:lnSpc>
+              <a:spcBef>
+                <a:spcPts val="270"/>
+              </a:spcBef>
+              <a:buChar char="-"/>
+              <a:tabLst>
+                <a:tab pos="772160" algn="l"/>
+                <a:tab pos="773430" algn="l"/>
+              </a:tabLst>
+            </a:pPr>
+            <a:r>
+              <a:rPr sz="1400" spc="-40" dirty="0">
+                <a:solidFill>
+                  <a:schemeClr val="tx1"/>
+                </a:solidFill>
+                <a:latin typeface="Book Antiqua"/>
+                <a:cs typeface="Book Antiqua"/>
+              </a:rPr>
+              <a:t>Emails</a:t>
+            </a:r>
+            <a:endParaRPr sz="1400" dirty="0">
+              <a:solidFill>
+                <a:schemeClr val="tx1"/>
+              </a:solidFill>
+              <a:latin typeface="Book Antiqua"/>
+              <a:cs typeface="Book Antiqua"/>
+            </a:endParaRPr>
+          </a:p>
+          <a:p>
+            <a:pPr marL="314960" marR="5080" indent="-300990">
+              <a:lnSpc>
+                <a:spcPts val="2480"/>
+              </a:lnSpc>
+              <a:spcBef>
+                <a:spcPts val="70"/>
+              </a:spcBef>
+              <a:buChar char="-"/>
+              <a:tabLst>
+                <a:tab pos="314960" algn="l"/>
+                <a:tab pos="316230" algn="l"/>
+              </a:tabLst>
+            </a:pPr>
+            <a:r>
+              <a:rPr spc="-45" dirty="0">
+                <a:solidFill>
+                  <a:schemeClr val="tx1"/>
+                </a:solidFill>
+              </a:rPr>
+              <a:t>Classification: </a:t>
+            </a:r>
+            <a:r>
+              <a:rPr spc="-55" dirty="0">
+                <a:solidFill>
+                  <a:schemeClr val="tx1"/>
+                </a:solidFill>
+              </a:rPr>
+              <a:t>input </a:t>
+            </a:r>
+            <a:r>
+              <a:rPr spc="-150" dirty="0">
+                <a:solidFill>
+                  <a:schemeClr val="tx1"/>
+                </a:solidFill>
+              </a:rPr>
+              <a:t>= </a:t>
+            </a:r>
+            <a:r>
+              <a:rPr spc="-85" dirty="0">
+                <a:solidFill>
+                  <a:schemeClr val="tx1"/>
+                </a:solidFill>
+              </a:rPr>
+              <a:t>many </a:t>
+            </a:r>
+            <a:r>
+              <a:rPr spc="-40" dirty="0">
+                <a:solidFill>
+                  <a:schemeClr val="tx1"/>
+                </a:solidFill>
+              </a:rPr>
+              <a:t>different </a:t>
+            </a:r>
+            <a:r>
+              <a:rPr spc="-30" dirty="0">
+                <a:solidFill>
+                  <a:schemeClr val="tx1"/>
+                </a:solidFill>
+              </a:rPr>
+              <a:t>texts </a:t>
+            </a:r>
+            <a:r>
+              <a:rPr spc="-80" dirty="0">
+                <a:solidFill>
+                  <a:schemeClr val="tx1"/>
+                </a:solidFill>
+              </a:rPr>
+              <a:t>and </a:t>
+            </a:r>
+            <a:r>
+              <a:rPr spc="-60" dirty="0">
+                <a:solidFill>
+                  <a:schemeClr val="tx1"/>
+                </a:solidFill>
+              </a:rPr>
+              <a:t>hand-labeled </a:t>
+            </a:r>
+            <a:r>
+              <a:rPr spc="-50" dirty="0">
+                <a:solidFill>
+                  <a:schemeClr val="tx1"/>
+                </a:solidFill>
+              </a:rPr>
+              <a:t>categories, </a:t>
+            </a:r>
+            <a:r>
+              <a:rPr spc="-55" dirty="0">
+                <a:solidFill>
+                  <a:schemeClr val="tx1"/>
+                </a:solidFill>
+              </a:rPr>
+              <a:t>output </a:t>
+            </a:r>
+            <a:r>
+              <a:rPr spc="-150" dirty="0">
+                <a:solidFill>
+                  <a:schemeClr val="tx1"/>
+                </a:solidFill>
+              </a:rPr>
+              <a:t>=  </a:t>
+            </a:r>
+            <a:r>
+              <a:rPr spc="-55" dirty="0">
+                <a:solidFill>
+                  <a:schemeClr val="tx1"/>
+                </a:solidFill>
+              </a:rPr>
+              <a:t>something </a:t>
+            </a:r>
+            <a:r>
+              <a:rPr spc="-30" dirty="0">
+                <a:solidFill>
+                  <a:schemeClr val="tx1"/>
+                </a:solidFill>
+              </a:rPr>
+              <a:t>that </a:t>
+            </a:r>
+            <a:r>
+              <a:rPr spc="-40" dirty="0">
+                <a:solidFill>
+                  <a:schemeClr val="tx1"/>
+                </a:solidFill>
+              </a:rPr>
+              <a:t>can </a:t>
+            </a:r>
+            <a:r>
+              <a:rPr spc="-50" dirty="0">
+                <a:solidFill>
+                  <a:schemeClr val="tx1"/>
+                </a:solidFill>
+              </a:rPr>
+              <a:t>take </a:t>
+            </a:r>
+            <a:r>
+              <a:rPr spc="-35" dirty="0">
+                <a:solidFill>
+                  <a:schemeClr val="tx1"/>
+                </a:solidFill>
+              </a:rPr>
+              <a:t>in </a:t>
+            </a:r>
+            <a:r>
+              <a:rPr spc="-60" dirty="0">
+                <a:solidFill>
+                  <a:schemeClr val="tx1"/>
+                </a:solidFill>
+              </a:rPr>
+              <a:t>unlabeled </a:t>
+            </a:r>
+            <a:r>
+              <a:rPr spc="-30" dirty="0">
+                <a:solidFill>
+                  <a:schemeClr val="tx1"/>
+                </a:solidFill>
+              </a:rPr>
+              <a:t>texts </a:t>
+            </a:r>
+            <a:r>
+              <a:rPr spc="-80" dirty="0">
+                <a:solidFill>
+                  <a:schemeClr val="tx1"/>
+                </a:solidFill>
+              </a:rPr>
+              <a:t>and </a:t>
+            </a:r>
+            <a:r>
+              <a:rPr spc="-50" dirty="0">
+                <a:solidFill>
+                  <a:schemeClr val="tx1"/>
+                </a:solidFill>
+              </a:rPr>
+              <a:t>predict </a:t>
+            </a:r>
+            <a:r>
+              <a:rPr spc="-30" dirty="0">
+                <a:solidFill>
+                  <a:schemeClr val="tx1"/>
+                </a:solidFill>
+              </a:rPr>
+              <a:t>the</a:t>
+            </a:r>
+            <a:r>
+              <a:rPr spc="25" dirty="0">
+                <a:solidFill>
+                  <a:schemeClr val="tx1"/>
+                </a:solidFill>
+              </a:rPr>
+              <a:t> </a:t>
+            </a:r>
+            <a:r>
+              <a:rPr spc="-65" dirty="0">
+                <a:solidFill>
+                  <a:schemeClr val="tx1"/>
+                </a:solidFill>
+              </a:rPr>
+              <a:t>category.</a:t>
+            </a:r>
+          </a:p>
+          <a:p>
+            <a:pPr marL="772160" lvl="1" indent="-285115">
+              <a:lnSpc>
+                <a:spcPct val="100000"/>
+              </a:lnSpc>
+              <a:spcBef>
+                <a:spcPts val="190"/>
+              </a:spcBef>
+              <a:buChar char="-"/>
+              <a:tabLst>
+                <a:tab pos="772160" algn="l"/>
+                <a:tab pos="773430" algn="l"/>
+              </a:tabLst>
+            </a:pPr>
+            <a:r>
+              <a:rPr sz="1400" spc="-60" dirty="0">
+                <a:solidFill>
+                  <a:schemeClr val="tx1"/>
+                </a:solidFill>
+                <a:latin typeface="Book Antiqua"/>
+                <a:cs typeface="Book Antiqua"/>
+              </a:rPr>
+              <a:t>Hand</a:t>
+            </a:r>
+            <a:r>
+              <a:rPr sz="1400" dirty="0">
+                <a:solidFill>
+                  <a:schemeClr val="tx1"/>
+                </a:solidFill>
+                <a:latin typeface="Book Antiqua"/>
+                <a:cs typeface="Book Antiqua"/>
+              </a:rPr>
+              <a:t> </a:t>
+            </a:r>
+            <a:r>
+              <a:rPr sz="1400" spc="-35" dirty="0">
+                <a:solidFill>
+                  <a:schemeClr val="tx1"/>
+                </a:solidFill>
+                <a:latin typeface="Book Antiqua"/>
+                <a:cs typeface="Book Antiqua"/>
+              </a:rPr>
+              <a:t>label</a:t>
+            </a:r>
+            <a:r>
+              <a:rPr sz="1400" dirty="0">
+                <a:solidFill>
+                  <a:schemeClr val="tx1"/>
+                </a:solidFill>
+                <a:latin typeface="Book Antiqua"/>
+                <a:cs typeface="Book Antiqua"/>
+              </a:rPr>
+              <a:t> </a:t>
+            </a:r>
+            <a:r>
+              <a:rPr sz="1400" spc="-65" dirty="0">
+                <a:solidFill>
+                  <a:schemeClr val="tx1"/>
+                </a:solidFill>
+                <a:latin typeface="Book Antiqua"/>
+                <a:cs typeface="Book Antiqua"/>
+              </a:rPr>
+              <a:t>a</a:t>
+            </a:r>
+            <a:r>
+              <a:rPr sz="1400" dirty="0">
+                <a:solidFill>
+                  <a:schemeClr val="tx1"/>
+                </a:solidFill>
+                <a:latin typeface="Book Antiqua"/>
+                <a:cs typeface="Book Antiqua"/>
+              </a:rPr>
+              <a:t> </a:t>
+            </a:r>
+            <a:r>
+              <a:rPr sz="1400" spc="-35" dirty="0">
+                <a:solidFill>
+                  <a:schemeClr val="tx1"/>
+                </a:solidFill>
+                <a:latin typeface="Book Antiqua"/>
+                <a:cs typeface="Book Antiqua"/>
+              </a:rPr>
+              <a:t>bunch</a:t>
+            </a:r>
+            <a:r>
+              <a:rPr sz="1400" dirty="0">
+                <a:solidFill>
+                  <a:schemeClr val="tx1"/>
+                </a:solidFill>
+                <a:latin typeface="Book Antiqua"/>
+                <a:cs typeface="Book Antiqua"/>
+              </a:rPr>
+              <a:t> </a:t>
+            </a:r>
+            <a:r>
+              <a:rPr sz="1400" spc="-25" dirty="0">
+                <a:solidFill>
+                  <a:schemeClr val="tx1"/>
+                </a:solidFill>
+                <a:latin typeface="Book Antiqua"/>
+                <a:cs typeface="Book Antiqua"/>
+              </a:rPr>
+              <a:t>of</a:t>
+            </a:r>
+            <a:r>
+              <a:rPr sz="1400" spc="5" dirty="0">
+                <a:solidFill>
+                  <a:schemeClr val="tx1"/>
+                </a:solidFill>
+                <a:latin typeface="Book Antiqua"/>
+                <a:cs typeface="Book Antiqua"/>
+              </a:rPr>
+              <a:t> </a:t>
+            </a:r>
+            <a:r>
+              <a:rPr sz="1400" spc="-45" dirty="0">
+                <a:solidFill>
+                  <a:schemeClr val="tx1"/>
+                </a:solidFill>
+                <a:latin typeface="Book Antiqua"/>
+                <a:cs typeface="Book Antiqua"/>
+              </a:rPr>
+              <a:t>documents,</a:t>
+            </a:r>
+            <a:r>
+              <a:rPr sz="1400" dirty="0">
+                <a:solidFill>
+                  <a:schemeClr val="tx1"/>
+                </a:solidFill>
+                <a:latin typeface="Book Antiqua"/>
+                <a:cs typeface="Book Antiqua"/>
+              </a:rPr>
+              <a:t> </a:t>
+            </a:r>
+            <a:r>
+              <a:rPr sz="1400" spc="-30" dirty="0">
+                <a:solidFill>
+                  <a:schemeClr val="tx1"/>
+                </a:solidFill>
+                <a:latin typeface="Book Antiqua"/>
+                <a:cs typeface="Book Antiqua"/>
+              </a:rPr>
+              <a:t>train</a:t>
+            </a:r>
+            <a:r>
+              <a:rPr sz="1400" dirty="0">
+                <a:solidFill>
+                  <a:schemeClr val="tx1"/>
+                </a:solidFill>
+                <a:latin typeface="Book Antiqua"/>
+                <a:cs typeface="Book Antiqua"/>
+              </a:rPr>
+              <a:t> </a:t>
+            </a:r>
+            <a:r>
+              <a:rPr sz="1400" spc="-65" dirty="0">
+                <a:solidFill>
+                  <a:schemeClr val="tx1"/>
+                </a:solidFill>
+                <a:latin typeface="Book Antiqua"/>
+                <a:cs typeface="Book Antiqua"/>
+              </a:rPr>
+              <a:t>a</a:t>
+            </a:r>
+            <a:r>
+              <a:rPr sz="1400" dirty="0">
+                <a:solidFill>
+                  <a:schemeClr val="tx1"/>
+                </a:solidFill>
+                <a:latin typeface="Book Antiqua"/>
+                <a:cs typeface="Book Antiqua"/>
+              </a:rPr>
+              <a:t> </a:t>
+            </a:r>
+            <a:r>
+              <a:rPr sz="1400" spc="-40" dirty="0">
+                <a:solidFill>
+                  <a:schemeClr val="tx1"/>
+                </a:solidFill>
+                <a:latin typeface="Book Antiqua"/>
+                <a:cs typeface="Book Antiqua"/>
+              </a:rPr>
+              <a:t>computer</a:t>
+            </a:r>
+            <a:r>
+              <a:rPr sz="1400" dirty="0">
+                <a:solidFill>
+                  <a:schemeClr val="tx1"/>
+                </a:solidFill>
+                <a:latin typeface="Book Antiqua"/>
+                <a:cs typeface="Book Antiqua"/>
+              </a:rPr>
+              <a:t> </a:t>
+            </a:r>
+            <a:r>
+              <a:rPr sz="1400" spc="-15" dirty="0">
+                <a:solidFill>
+                  <a:schemeClr val="tx1"/>
+                </a:solidFill>
+                <a:latin typeface="Book Antiqua"/>
+                <a:cs typeface="Book Antiqua"/>
+              </a:rPr>
+              <a:t>to</a:t>
+            </a:r>
+            <a:r>
+              <a:rPr sz="1400" spc="5" dirty="0">
+                <a:solidFill>
+                  <a:schemeClr val="tx1"/>
+                </a:solidFill>
+                <a:latin typeface="Book Antiqua"/>
+                <a:cs typeface="Book Antiqua"/>
+              </a:rPr>
+              <a:t> </a:t>
+            </a:r>
+            <a:r>
+              <a:rPr sz="1400" spc="-35" dirty="0">
+                <a:solidFill>
+                  <a:schemeClr val="tx1"/>
+                </a:solidFill>
+                <a:latin typeface="Book Antiqua"/>
+                <a:cs typeface="Book Antiqua"/>
+              </a:rPr>
+              <a:t>mimic</a:t>
+            </a:r>
+            <a:r>
+              <a:rPr sz="1400" dirty="0">
+                <a:solidFill>
+                  <a:schemeClr val="tx1"/>
+                </a:solidFill>
+                <a:latin typeface="Book Antiqua"/>
+                <a:cs typeface="Book Antiqua"/>
+              </a:rPr>
+              <a:t> </a:t>
+            </a:r>
+            <a:r>
+              <a:rPr sz="1400" spc="-60" dirty="0">
+                <a:solidFill>
+                  <a:schemeClr val="tx1"/>
+                </a:solidFill>
+                <a:latin typeface="Book Antiqua"/>
+                <a:cs typeface="Book Antiqua"/>
+              </a:rPr>
+              <a:t>your</a:t>
+            </a:r>
+            <a:r>
+              <a:rPr sz="1400" dirty="0">
+                <a:solidFill>
+                  <a:schemeClr val="tx1"/>
+                </a:solidFill>
+                <a:latin typeface="Book Antiqua"/>
+                <a:cs typeface="Book Antiqua"/>
+              </a:rPr>
+              <a:t> </a:t>
+            </a:r>
+            <a:r>
+              <a:rPr sz="1400" spc="-55" dirty="0">
+                <a:solidFill>
+                  <a:schemeClr val="tx1"/>
+                </a:solidFill>
+                <a:latin typeface="Book Antiqua"/>
+                <a:cs typeface="Book Antiqua"/>
+              </a:rPr>
+              <a:t>hand</a:t>
+            </a:r>
+            <a:r>
+              <a:rPr sz="1400" dirty="0">
+                <a:solidFill>
+                  <a:schemeClr val="tx1"/>
+                </a:solidFill>
+                <a:latin typeface="Book Antiqua"/>
+                <a:cs typeface="Book Antiqua"/>
+              </a:rPr>
+              <a:t> </a:t>
+            </a:r>
+            <a:r>
+              <a:rPr sz="1400" spc="-45" dirty="0">
+                <a:solidFill>
+                  <a:schemeClr val="tx1"/>
+                </a:solidFill>
+                <a:latin typeface="Book Antiqua"/>
+                <a:cs typeface="Book Antiqua"/>
+              </a:rPr>
+              <a:t>coding</a:t>
+            </a:r>
+            <a:endParaRPr sz="1400" dirty="0">
+              <a:solidFill>
+                <a:schemeClr val="tx1"/>
+              </a:solidFill>
+              <a:latin typeface="Book Antiqua"/>
+              <a:cs typeface="Book Antiqua"/>
+            </a:endParaRPr>
+          </a:p>
+          <a:p>
+            <a:pPr marL="772160" lvl="1" indent="-285115">
+              <a:lnSpc>
+                <a:spcPct val="100000"/>
+              </a:lnSpc>
+              <a:spcBef>
+                <a:spcPts val="270"/>
+              </a:spcBef>
+              <a:buChar char="-"/>
+              <a:tabLst>
+                <a:tab pos="772160" algn="l"/>
+                <a:tab pos="773430" algn="l"/>
+              </a:tabLst>
+            </a:pPr>
+            <a:r>
+              <a:rPr sz="1400" spc="-50" dirty="0">
+                <a:solidFill>
+                  <a:schemeClr val="tx1"/>
+                </a:solidFill>
+                <a:latin typeface="Book Antiqua"/>
+                <a:cs typeface="Book Antiqua"/>
+              </a:rPr>
+              <a:t>Spam</a:t>
+            </a:r>
+            <a:r>
+              <a:rPr sz="1400" spc="-5" dirty="0">
+                <a:solidFill>
+                  <a:schemeClr val="tx1"/>
+                </a:solidFill>
+                <a:latin typeface="Book Antiqua"/>
+                <a:cs typeface="Book Antiqua"/>
+              </a:rPr>
+              <a:t> </a:t>
+            </a:r>
+            <a:r>
+              <a:rPr sz="1400" spc="-445" dirty="0">
+                <a:solidFill>
+                  <a:schemeClr val="tx1"/>
+                </a:solidFill>
+                <a:latin typeface="Book Antiqua"/>
+                <a:cs typeface="Book Antiqua"/>
+              </a:rPr>
+              <a:t>/</a:t>
+            </a:r>
+            <a:r>
+              <a:rPr sz="1400" dirty="0">
+                <a:solidFill>
+                  <a:schemeClr val="tx1"/>
+                </a:solidFill>
+                <a:latin typeface="Book Antiqua"/>
+                <a:cs typeface="Book Antiqua"/>
+              </a:rPr>
+              <a:t> </a:t>
+            </a:r>
+            <a:r>
+              <a:rPr sz="1400" spc="-55" dirty="0">
+                <a:solidFill>
+                  <a:schemeClr val="tx1"/>
+                </a:solidFill>
+                <a:latin typeface="Book Antiqua"/>
+                <a:cs typeface="Book Antiqua"/>
+              </a:rPr>
+              <a:t>ham</a:t>
+            </a:r>
+            <a:endParaRPr sz="1400" dirty="0">
+              <a:solidFill>
+                <a:schemeClr val="tx1"/>
+              </a:solidFill>
+              <a:latin typeface="Book Antiqua"/>
+              <a:cs typeface="Book Antiqua"/>
+            </a:endParaRPr>
+          </a:p>
+          <a:p>
+            <a:pPr marL="772160" lvl="1" indent="-285115">
+              <a:lnSpc>
+                <a:spcPct val="100000"/>
+              </a:lnSpc>
+              <a:spcBef>
+                <a:spcPts val="270"/>
+              </a:spcBef>
+              <a:buChar char="-"/>
+              <a:tabLst>
+                <a:tab pos="772160" algn="l"/>
+                <a:tab pos="773430" algn="l"/>
+              </a:tabLst>
+            </a:pPr>
+            <a:r>
+              <a:rPr sz="1400" spc="-70" dirty="0">
+                <a:solidFill>
+                  <a:schemeClr val="tx1"/>
+                </a:solidFill>
+                <a:latin typeface="Book Antiqua"/>
+                <a:cs typeface="Book Antiqua"/>
+              </a:rPr>
+              <a:t>positive/negative</a:t>
+            </a:r>
+            <a:r>
+              <a:rPr sz="1400" spc="-5" dirty="0">
+                <a:solidFill>
+                  <a:schemeClr val="tx1"/>
+                </a:solidFill>
+                <a:latin typeface="Book Antiqua"/>
+                <a:cs typeface="Book Antiqua"/>
+              </a:rPr>
+              <a:t> </a:t>
+            </a:r>
+            <a:r>
+              <a:rPr sz="1400" spc="-65" dirty="0">
+                <a:solidFill>
+                  <a:schemeClr val="tx1"/>
+                </a:solidFill>
+                <a:latin typeface="Book Antiqua"/>
+                <a:cs typeface="Book Antiqua"/>
+              </a:rPr>
+              <a:t>reviews</a:t>
+            </a:r>
+            <a:endParaRPr sz="1400" dirty="0">
+              <a:solidFill>
+                <a:schemeClr val="tx1"/>
+              </a:solidFill>
+              <a:latin typeface="Book Antiqua"/>
+              <a:cs typeface="Book Antiqua"/>
+            </a:endParaRPr>
+          </a:p>
+          <a:p>
+            <a:pPr marL="314960" indent="-300990">
+              <a:lnSpc>
+                <a:spcPct val="100000"/>
+              </a:lnSpc>
+              <a:spcBef>
+                <a:spcPts val="254"/>
+              </a:spcBef>
+              <a:buChar char="-"/>
+              <a:tabLst>
+                <a:tab pos="314960" algn="l"/>
+                <a:tab pos="316230" algn="l"/>
+              </a:tabLst>
+            </a:pPr>
+            <a:r>
+              <a:rPr spc="-10" dirty="0">
+                <a:solidFill>
+                  <a:schemeClr val="tx1"/>
+                </a:solidFill>
+              </a:rPr>
+              <a:t>The </a:t>
+            </a:r>
+            <a:r>
+              <a:rPr spc="-60" dirty="0">
+                <a:solidFill>
+                  <a:schemeClr val="tx1"/>
+                </a:solidFill>
+              </a:rPr>
+              <a:t>big </a:t>
+            </a:r>
+            <a:r>
+              <a:rPr spc="-40" dirty="0">
+                <a:solidFill>
+                  <a:schemeClr val="tx1"/>
+                </a:solidFill>
+              </a:rPr>
+              <a:t>difference </a:t>
+            </a:r>
+            <a:r>
+              <a:rPr spc="-55" dirty="0">
+                <a:solidFill>
+                  <a:schemeClr val="tx1"/>
+                </a:solidFill>
+              </a:rPr>
+              <a:t>is </a:t>
+            </a:r>
+            <a:r>
+              <a:rPr spc="-30" dirty="0">
+                <a:solidFill>
+                  <a:schemeClr val="tx1"/>
+                </a:solidFill>
+              </a:rPr>
+              <a:t>the </a:t>
+            </a:r>
+            <a:r>
+              <a:rPr spc="-60" dirty="0">
+                <a:solidFill>
+                  <a:schemeClr val="tx1"/>
+                </a:solidFill>
+              </a:rPr>
+              <a:t>need </a:t>
+            </a:r>
+            <a:r>
+              <a:rPr spc="-35" dirty="0">
+                <a:solidFill>
+                  <a:schemeClr val="tx1"/>
+                </a:solidFill>
+              </a:rPr>
+              <a:t>for </a:t>
+            </a:r>
+            <a:r>
+              <a:rPr spc="-55" dirty="0">
+                <a:solidFill>
+                  <a:schemeClr val="tx1"/>
+                </a:solidFill>
+              </a:rPr>
+              <a:t>labeled </a:t>
+            </a:r>
+            <a:r>
+              <a:rPr spc="-70" dirty="0">
+                <a:solidFill>
+                  <a:schemeClr val="tx1"/>
+                </a:solidFill>
+              </a:rPr>
+              <a:t>data </a:t>
+            </a:r>
+            <a:r>
+              <a:rPr spc="-60" dirty="0">
+                <a:solidFill>
+                  <a:schemeClr val="tx1"/>
+                </a:solidFill>
+              </a:rPr>
+              <a:t>(unsupervised</a:t>
+            </a:r>
+            <a:r>
+              <a:rPr spc="195" dirty="0">
+                <a:solidFill>
+                  <a:schemeClr val="tx1"/>
+                </a:solidFill>
+              </a:rPr>
+              <a:t> </a:t>
+            </a:r>
+            <a:r>
+              <a:rPr spc="-114" dirty="0">
+                <a:solidFill>
+                  <a:schemeClr val="tx1"/>
+                </a:solidFill>
+              </a:rPr>
+              <a:t>vs </a:t>
+            </a:r>
+            <a:r>
+              <a:rPr spc="-60" dirty="0">
+                <a:solidFill>
+                  <a:schemeClr val="tx1"/>
+                </a:solidFill>
+              </a:rPr>
+              <a:t>supervised)</a:t>
+            </a:r>
+          </a:p>
+          <a:p>
+            <a:pPr marL="314960" marR="391160" indent="-300990">
+              <a:lnSpc>
+                <a:spcPct val="114599"/>
+              </a:lnSpc>
+              <a:buChar char="-"/>
+              <a:tabLst>
+                <a:tab pos="314960" algn="l"/>
+                <a:tab pos="316230" algn="l"/>
+              </a:tabLst>
+            </a:pPr>
+            <a:r>
+              <a:rPr spc="-5" dirty="0">
+                <a:solidFill>
+                  <a:schemeClr val="tx1"/>
+                </a:solidFill>
+              </a:rPr>
+              <a:t>Text </a:t>
+            </a:r>
+            <a:r>
+              <a:rPr spc="-150" dirty="0">
+                <a:solidFill>
+                  <a:schemeClr val="tx1"/>
+                </a:solidFill>
+              </a:rPr>
+              <a:t>= </a:t>
+            </a:r>
+            <a:r>
+              <a:rPr spc="-55" dirty="0">
+                <a:solidFill>
+                  <a:schemeClr val="tx1"/>
+                </a:solidFill>
+              </a:rPr>
+              <a:t>document, </a:t>
+            </a:r>
+            <a:r>
+              <a:rPr spc="-60" dirty="0">
+                <a:solidFill>
+                  <a:schemeClr val="tx1"/>
+                </a:solidFill>
+              </a:rPr>
+              <a:t>could </a:t>
+            </a:r>
+            <a:r>
+              <a:rPr spc="-35" dirty="0">
+                <a:solidFill>
+                  <a:schemeClr val="tx1"/>
+                </a:solidFill>
+              </a:rPr>
+              <a:t>be </a:t>
+            </a:r>
+            <a:r>
+              <a:rPr spc="-80" dirty="0">
+                <a:solidFill>
+                  <a:schemeClr val="tx1"/>
+                </a:solidFill>
+              </a:rPr>
+              <a:t>a review, newspaper </a:t>
+            </a:r>
+            <a:r>
+              <a:rPr spc="-35" dirty="0">
+                <a:solidFill>
+                  <a:schemeClr val="tx1"/>
+                </a:solidFill>
+              </a:rPr>
+              <a:t>article, </a:t>
+            </a:r>
+            <a:r>
+              <a:rPr spc="-40" dirty="0">
+                <a:solidFill>
+                  <a:schemeClr val="tx1"/>
+                </a:solidFill>
+              </a:rPr>
+              <a:t>journal </a:t>
+            </a:r>
+            <a:r>
+              <a:rPr spc="-35" dirty="0">
+                <a:solidFill>
+                  <a:schemeClr val="tx1"/>
+                </a:solidFill>
+              </a:rPr>
+              <a:t>article, </a:t>
+            </a:r>
+            <a:r>
+              <a:rPr spc="-70" dirty="0">
+                <a:solidFill>
+                  <a:schemeClr val="tx1"/>
+                </a:solidFill>
+              </a:rPr>
+              <a:t>whole  </a:t>
+            </a:r>
+            <a:r>
+              <a:rPr spc="-50" dirty="0">
+                <a:solidFill>
+                  <a:schemeClr val="tx1"/>
+                </a:solidFill>
+              </a:rPr>
+              <a:t>book, </a:t>
+            </a:r>
+            <a:r>
+              <a:rPr spc="-55" dirty="0">
+                <a:solidFill>
+                  <a:schemeClr val="tx1"/>
+                </a:solidFill>
+              </a:rPr>
+              <a:t>tweet, </a:t>
+            </a:r>
+            <a:r>
+              <a:rPr spc="-155" dirty="0">
+                <a:solidFill>
+                  <a:schemeClr val="tx1"/>
+                </a:solidFill>
+              </a:rPr>
+              <a:t>. .</a:t>
+            </a:r>
+            <a:r>
+              <a:rPr spc="-40" dirty="0">
+                <a:solidFill>
+                  <a:schemeClr val="tx1"/>
+                </a:solidFill>
+              </a:rPr>
+              <a:t> </a:t>
+            </a:r>
+            <a:r>
+              <a:rPr spc="-155" dirty="0">
+                <a:solidFill>
+                  <a:schemeClr val="tx1"/>
+                </a:solidFill>
+              </a:rPr>
+              <a:t>.</a:t>
+            </a:r>
+          </a:p>
+        </p:txBody>
+      </p:sp>
+      <p:sp>
+        <p:nvSpPr>
+          <p:cNvPr id="4" name="object 4"/>
+          <p:cNvSpPr/>
+          <p:nvPr/>
+        </p:nvSpPr>
+        <p:spPr>
+          <a:xfrm>
+            <a:off x="7516634" y="122262"/>
+            <a:ext cx="1543685" cy="664210"/>
+          </a:xfrm>
+          <a:custGeom>
+            <a:avLst/>
+            <a:gdLst/>
+            <a:ahLst/>
+            <a:cxnLst/>
+            <a:rect l="l" t="t" r="r" b="b"/>
+            <a:pathLst>
+              <a:path w="1543684" h="664210">
+                <a:moveTo>
+                  <a:pt x="1211699" y="663599"/>
+                </a:moveTo>
+                <a:lnTo>
+                  <a:pt x="0" y="663599"/>
+                </a:lnTo>
+                <a:lnTo>
+                  <a:pt x="331799" y="331799"/>
+                </a:lnTo>
+                <a:lnTo>
+                  <a:pt x="0" y="0"/>
+                </a:lnTo>
+                <a:lnTo>
+                  <a:pt x="1211699" y="0"/>
+                </a:lnTo>
+                <a:lnTo>
+                  <a:pt x="1543499" y="331799"/>
+                </a:lnTo>
+                <a:lnTo>
+                  <a:pt x="1211699" y="663599"/>
+                </a:lnTo>
+                <a:close/>
+              </a:path>
+            </a:pathLst>
+          </a:custGeom>
+          <a:solidFill>
+            <a:srgbClr val="467A34"/>
+          </a:solidFill>
+        </p:spPr>
+        <p:txBody>
+          <a:bodyPr wrap="square" lIns="0" tIns="0" rIns="0" bIns="0" rtlCol="0"/>
+          <a:lstStyle/>
+          <a:p>
+            <a:endParaRPr/>
+          </a:p>
+        </p:txBody>
+      </p:sp>
+      <p:sp>
+        <p:nvSpPr>
+          <p:cNvPr id="5" name="object 5"/>
+          <p:cNvSpPr/>
+          <p:nvPr/>
+        </p:nvSpPr>
+        <p:spPr>
+          <a:xfrm>
+            <a:off x="7516634" y="122262"/>
+            <a:ext cx="1543685" cy="664210"/>
+          </a:xfrm>
+          <a:custGeom>
+            <a:avLst/>
+            <a:gdLst/>
+            <a:ahLst/>
+            <a:cxnLst/>
+            <a:rect l="l" t="t" r="r" b="b"/>
+            <a:pathLst>
+              <a:path w="1543684" h="664210">
+                <a:moveTo>
+                  <a:pt x="0" y="0"/>
+                </a:moveTo>
+                <a:lnTo>
+                  <a:pt x="1211699" y="0"/>
+                </a:lnTo>
+                <a:lnTo>
+                  <a:pt x="1543499" y="331799"/>
+                </a:lnTo>
+                <a:lnTo>
+                  <a:pt x="1211699" y="663599"/>
+                </a:lnTo>
+                <a:lnTo>
+                  <a:pt x="0" y="663599"/>
+                </a:lnTo>
+                <a:lnTo>
+                  <a:pt x="331799" y="331799"/>
+                </a:lnTo>
+                <a:lnTo>
+                  <a:pt x="0" y="0"/>
+                </a:lnTo>
+                <a:close/>
+              </a:path>
+            </a:pathLst>
+          </a:custGeom>
+          <a:ln w="9524">
+            <a:solidFill>
+              <a:srgbClr val="595959"/>
+            </a:solidFill>
+          </a:ln>
+        </p:spPr>
+        <p:txBody>
+          <a:bodyPr wrap="square" lIns="0" tIns="0" rIns="0" bIns="0" rtlCol="0"/>
+          <a:lstStyle/>
+          <a:p>
+            <a:endParaRPr/>
+          </a:p>
+        </p:txBody>
+      </p:sp>
+      <p:sp>
+        <p:nvSpPr>
+          <p:cNvPr id="6" name="object 6"/>
+          <p:cNvSpPr txBox="1"/>
+          <p:nvPr/>
+        </p:nvSpPr>
+        <p:spPr>
+          <a:xfrm>
+            <a:off x="7921459" y="344778"/>
+            <a:ext cx="643890" cy="197490"/>
+          </a:xfrm>
+          <a:prstGeom prst="rect">
+            <a:avLst/>
+          </a:prstGeom>
+        </p:spPr>
+        <p:txBody>
+          <a:bodyPr vert="horz" wrap="square" lIns="0" tIns="12700" rIns="0" bIns="0" rtlCol="0">
+            <a:spAutoFit/>
+          </a:bodyPr>
+          <a:lstStyle/>
+          <a:p>
+            <a:pPr marL="12700">
+              <a:lnSpc>
+                <a:spcPct val="100000"/>
+              </a:lnSpc>
+              <a:spcBef>
+                <a:spcPts val="100"/>
+              </a:spcBef>
+            </a:pPr>
+            <a:r>
+              <a:rPr sz="1200" dirty="0">
+                <a:latin typeface="Arial"/>
+                <a:cs typeface="Arial"/>
+              </a:rPr>
+              <a:t>Modeling</a:t>
+            </a:r>
+            <a:endParaRPr sz="1200">
+              <a:latin typeface="Arial"/>
+              <a:cs typeface="Arial"/>
+            </a:endParaRPr>
+          </a:p>
+        </p:txBody>
+      </p:sp>
+    </p:spTree>
+  </p:cSld>
+  <p:clrMapOvr>
+    <a:masterClrMapping/>
+  </p:clrMapOvr>
+</p:sld>
+</file>
+
 <file path=ppt/slides/slide31.xml><?xml version="1.0" encoding="utf-8"?>
 <p:sld xmlns:a="http://schemas.openxmlformats.org/drawingml/2006/main" xmlns:r="http://schemas.openxmlformats.org/officeDocument/2006/relationships" xmlns:p="http://schemas.openxmlformats.org/presentationml/2006/main">
   <p:cSld>
@@ -47630,7 +47989,7 @@
         <p:spPr>
           <a:xfrm>
             <a:off x="541544" y="1162308"/>
-            <a:ext cx="8034020" cy="3191258"/>
+            <a:ext cx="8034020" cy="3383619"/>
           </a:xfrm>
           <a:prstGeom prst="rect">
             <a:avLst/>
@@ -47750,32 +48109,46 @@
               </a:tabLst>
             </a:pPr>
             <a:r>
-              <a:rPr sz="1800" spc="-35" dirty="0">
-                <a:latin typeface="Book Antiqua"/>
-                <a:cs typeface="Book Antiqua"/>
-              </a:rPr>
-              <a:t>Document-Term </a:t>
+              <a:rPr sz="1800" spc="-25" dirty="0">
+                <a:latin typeface="Book Antiqua"/>
+                <a:cs typeface="Book Antiqua"/>
+              </a:rPr>
+              <a:t>Term </a:t>
+            </a:r>
+            <a:r>
+              <a:rPr sz="1800" spc="-50" dirty="0">
+                <a:latin typeface="Book Antiqua"/>
+                <a:cs typeface="Book Antiqua"/>
+              </a:rPr>
+              <a:t>Frequency-Inverse </a:t>
             </a:r>
             <a:r>
               <a:rPr sz="1800" spc="-40" dirty="0">
                 <a:latin typeface="Book Antiqua"/>
                 <a:cs typeface="Book Antiqua"/>
               </a:rPr>
-              <a:t>Matrix</a:t>
+              <a:t>Document </a:t>
+            </a:r>
+            <a:r>
+              <a:rPr sz="1800" spc="-50" dirty="0">
+                <a:latin typeface="Book Antiqua"/>
+                <a:cs typeface="Book Antiqua"/>
+              </a:rPr>
+              <a:t>Frequency</a:t>
+            </a:r>
+            <a:r>
+              <a:rPr sz="1800" spc="110" dirty="0">
+                <a:latin typeface="Book Antiqua"/>
+                <a:cs typeface="Book Antiqua"/>
+              </a:rPr>
+              <a:t> </a:t>
             </a:r>
             <a:r>
               <a:rPr sz="1800" spc="30" dirty="0">
                 <a:latin typeface="Book Antiqua"/>
                 <a:cs typeface="Book Antiqua"/>
               </a:rPr>
-              <a:t> </a:t>
-            </a:r>
-            <a:r>
-              <a:rPr sz="1800" spc="45" dirty="0">
-                <a:latin typeface="Book Antiqua"/>
-                <a:cs typeface="Book Antiqua"/>
-              </a:rPr>
-              <a:t>(DTM)</a:t>
+              <a:t>(TF-IDF)</a:t>
             </a:r>
             <a:endParaRPr sz="1800" dirty="0">
               <a:latin typeface="Book Antiqua"/>
@@ -47797,207 +48170,222 @@
               </a:tabLst>
             </a:pPr>
             <a:r>
+              <a:rPr sz="1400" spc="-30" dirty="0">
+                <a:latin typeface="Book Antiqua"/>
+                <a:cs typeface="Book Antiqua"/>
+              </a:rPr>
+              <a:t>Modification </a:t>
+            </a:r>
+            <a:r>
+              <a:rPr sz="1400" spc="-25" dirty="0">
+                <a:latin typeface="Book Antiqua"/>
+                <a:cs typeface="Book Antiqua"/>
+              </a:rPr>
+              <a:t>of</a:t>
+            </a:r>
+            <a:r>
+              <a:rPr sz="1400" spc="25" dirty="0">
+                <a:latin typeface="Book Antiqua"/>
+                <a:cs typeface="Book Antiqua"/>
+              </a:rPr>
+              <a:t> </a:t>
+            </a:r>
+            <a:r>
+              <a:rPr sz="1400" dirty="0">
+                <a:latin typeface="Book Antiqua"/>
+                <a:cs typeface="Book Antiqua"/>
+              </a:rPr>
+              <a:t>DTM</a:t>
+            </a:r>
+          </a:p>
+          <a:p>
+            <a:pPr marL="770255" lvl="1" indent="-285115">
+              <a:lnSpc>
+                <a:spcPct val="100000"/>
+              </a:lnSpc>
+              <a:spcBef>
+                <a:spcPts val="270"/>
+              </a:spcBef>
+              <a:buChar char="-"/>
+              <a:tabLst>
+                <a:tab pos="769620" algn="l"/>
+                <a:tab pos="770890" algn="l"/>
+              </a:tabLst>
+            </a:pPr>
+            <a:r>
+              <a:rPr sz="1400" spc="-25" dirty="0">
+                <a:latin typeface="Book Antiqua"/>
+                <a:cs typeface="Book Antiqua"/>
+              </a:rPr>
+              <a:t>Entries</a:t>
+            </a:r>
+            <a:r>
+              <a:rPr sz="1400" spc="-5" dirty="0">
+                <a:latin typeface="Book Antiqua"/>
+                <a:cs typeface="Book Antiqua"/>
+              </a:rPr>
+              <a:t> </a:t>
+            </a:r>
+            <a:r>
+              <a:rPr sz="1400" spc="-40" dirty="0">
+                <a:latin typeface="Book Antiqua"/>
+                <a:cs typeface="Book Antiqua"/>
+              </a:rPr>
+              <a:t>are</a:t>
+            </a:r>
+            <a:r>
+              <a:rPr sz="1400" dirty="0">
+                <a:latin typeface="Book Antiqua"/>
+                <a:cs typeface="Book Antiqua"/>
+              </a:rPr>
+              <a:t> </a:t>
+            </a:r>
+            <a:r>
               <a:rPr sz="1400" spc="-45" dirty="0">
                 <a:latin typeface="Book Antiqua"/>
                 <a:cs typeface="Book Antiqua"/>
               </a:rPr>
-              <a:t>Words</a:t>
-            </a:r>
-            <a:r>
-              <a:rPr sz="1400" spc="5" dirty="0">
+              <a:t>scaled</a:t>
+            </a:r>
+            <a:r>
+              <a:rPr sz="1400" dirty="0">
                 <a:latin typeface="Book Antiqua"/>
                 <a:cs typeface="Book Antiqua"/>
               </a:rPr>
               <a:t> </a:t>
             </a:r>
             <a:r>
+              <a:rPr sz="1400" spc="-65" dirty="0">
+                <a:latin typeface="Book Antiqua"/>
+                <a:cs typeface="Book Antiqua"/>
+              </a:rPr>
+              <a:t>by</a:t>
+            </a:r>
+            <a:r>
+              <a:rPr sz="1400" dirty="0">
+                <a:latin typeface="Book Antiqua"/>
+                <a:cs typeface="Book Antiqua"/>
+              </a:rPr>
+              <a:t> </a:t>
+            </a:r>
+            <a:r>
+              <a:rPr sz="1400" spc="-70" dirty="0">
+                <a:latin typeface="Book Antiqua"/>
+                <a:cs typeface="Book Antiqua"/>
+              </a:rPr>
+              <a:t>how</a:t>
+            </a:r>
+            <a:r>
+              <a:rPr sz="1400" dirty="0">
+                <a:latin typeface="Book Antiqua"/>
+                <a:cs typeface="Book Antiqua"/>
+              </a:rPr>
+              <a:t> </a:t>
+            </a:r>
+            <a:r>
+              <a:rPr sz="1400" spc="-35" dirty="0">
+                <a:latin typeface="Book Antiqua"/>
+                <a:cs typeface="Book Antiqua"/>
+              </a:rPr>
+              <a:t>common</a:t>
+            </a:r>
+            <a:r>
+              <a:rPr sz="1400" dirty="0">
+                <a:latin typeface="Book Antiqua"/>
+                <a:cs typeface="Book Antiqua"/>
+              </a:rPr>
+              <a:t> </a:t>
+            </a:r>
+            <a:r>
+              <a:rPr sz="1400" spc="-65" dirty="0">
+                <a:latin typeface="Book Antiqua"/>
+                <a:cs typeface="Book Antiqua"/>
+              </a:rPr>
+              <a:t>a</a:t>
+            </a:r>
+            <a:r>
+              <a:rPr sz="1400" dirty="0">
+                <a:latin typeface="Book Antiqua"/>
+                <a:cs typeface="Book Antiqua"/>
+              </a:rPr>
+              <a:t> </a:t>
+            </a:r>
+            <a:r>
+              <a:rPr sz="1400" spc="-75" dirty="0">
+                <a:latin typeface="Book Antiqua"/>
+                <a:cs typeface="Book Antiqua"/>
+              </a:rPr>
+              <a:t>word</a:t>
+            </a:r>
+            <a:r>
+              <a:rPr sz="1400" dirty="0">
+                <a:latin typeface="Book Antiqua"/>
+                <a:cs typeface="Book Antiqua"/>
+              </a:rPr>
+              <a:t> </a:t>
+            </a:r>
+            <a:r>
+              <a:rPr sz="1400" spc="-45" dirty="0">
+                <a:latin typeface="Book Antiqua"/>
+                <a:cs typeface="Book Antiqua"/>
+              </a:rPr>
+              <a:t>is</a:t>
+            </a:r>
+            <a:r>
+              <a:rPr sz="1400" dirty="0">
+                <a:latin typeface="Book Antiqua"/>
+                <a:cs typeface="Book Antiqua"/>
+              </a:rPr>
+              <a:t> </a:t>
+            </a:r>
+            <a:r>
               <a:rPr sz="1400" spc="-40" dirty="0">
                 <a:latin typeface="Book Antiqua"/>
                 <a:cs typeface="Book Antiqua"/>
               </a:rPr>
-              <a:t>are</a:t>
-            </a:r>
-            <a:r>
-              <a:rPr sz="1400" spc="10" dirty="0">
+              <a:t>across</a:t>
+            </a:r>
+            <a:r>
+              <a:rPr sz="1400" dirty="0">
                 <a:latin typeface="Book Antiqua"/>
                 <a:cs typeface="Book Antiqua"/>
               </a:rPr>
               <a:t> </a:t>
             </a:r>
             <a:r>
-              <a:rPr sz="1400" spc="-65" dirty="0">
-                <a:latin typeface="Book Antiqua"/>
-                <a:cs typeface="Book Antiqua"/>
-              </a:rPr>
-              <a:t>rows,</a:t>
-            </a:r>
-            <a:r>
-              <a:rPr sz="1400" spc="10" dirty="0">
+              <a:rPr sz="1400" spc="-25" dirty="0">
+                <a:latin typeface="Book Antiqua"/>
+                <a:cs typeface="Book Antiqua"/>
+              </a:rPr>
+              <a:t>the</a:t>
+            </a:r>
+            <a:r>
+              <a:rPr sz="1400" dirty="0">
                 <a:latin typeface="Book Antiqua"/>
                 <a:cs typeface="Book Antiqua"/>
               </a:rPr>
               <a:t> </a:t>
             </a:r>
             <a:r>
+              <a:rPr sz="1400" spc="-55" dirty="0">
+                <a:latin typeface="Book Antiqua"/>
+                <a:cs typeface="Book Antiqua"/>
+              </a:rPr>
+              <a:t>whole</a:t>
+            </a:r>
+            <a:r>
+              <a:rPr sz="1400" dirty="0">
+                <a:latin typeface="Book Antiqua"/>
+                <a:cs typeface="Book Antiqua"/>
+              </a:rPr>
+              <a:t> </a:t>
+            </a:r>
+            <a:r>
               <a:rPr sz="1400" spc="-45" dirty="0">
                 <a:latin typeface="Book Antiqua"/>
                 <a:cs typeface="Book Antiqua"/>
               </a:rPr>
-              <a:t>documents</a:t>
-            </a:r>
-            <a:r>
-              <a:rPr sz="1400" spc="5" dirty="0">
-                <a:latin typeface="Book Antiqua"/>
-                <a:cs typeface="Book Antiqua"/>
-              </a:rPr>
-              <a:t> </a:t>
-            </a:r>
-            <a:r>
-              <a:rPr sz="1400" spc="-40" dirty="0">
-                <a:latin typeface="Book Antiqua"/>
-                <a:cs typeface="Book Antiqua"/>
-              </a:rPr>
-              <a:t>are</a:t>
-            </a:r>
-            <a:r>
-              <a:rPr sz="1400" spc="10" dirty="0">
-                <a:latin typeface="Book Antiqua"/>
-                <a:cs typeface="Book Antiqua"/>
-              </a:rPr>
-              <a:t> </a:t>
-            </a:r>
-            <a:r>
-              <a:rPr sz="1400" spc="-45" dirty="0">
-                <a:latin typeface="Book Antiqua"/>
-                <a:cs typeface="Book Antiqua"/>
-              </a:rPr>
-              <a:t>columns,</a:t>
-            </a:r>
-            <a:r>
-              <a:rPr sz="1400" spc="10" dirty="0">
-                <a:latin typeface="Book Antiqua"/>
-                <a:cs typeface="Book Antiqua"/>
-              </a:rPr>
-              <a:t> </a:t>
-            </a:r>
-            <a:r>
-              <a:rPr sz="1400" spc="-30" dirty="0">
-                <a:latin typeface="Book Antiqua"/>
-                <a:cs typeface="Book Antiqua"/>
-              </a:rPr>
-              <a:t>entries</a:t>
-            </a:r>
-            <a:r>
-              <a:rPr sz="1400" spc="10" dirty="0">
-                <a:latin typeface="Book Antiqua"/>
-                <a:cs typeface="Book Antiqua"/>
-              </a:rPr>
-              <a:t> </a:t>
-            </a:r>
-            <a:r>
-              <a:rPr sz="1400" spc="-40" dirty="0">
-                <a:latin typeface="Book Antiqua"/>
-                <a:cs typeface="Book Antiqua"/>
-              </a:rPr>
-              <a:t>are</a:t>
-            </a:r>
-            <a:r>
-              <a:rPr sz="1400" spc="5" dirty="0">
-                <a:latin typeface="Book Antiqua"/>
-                <a:cs typeface="Book Antiqua"/>
-              </a:rPr>
-              <a:t> </a:t>
-            </a:r>
-            <a:r>
-              <a:rPr sz="1400" spc="-45" dirty="0">
-                <a:latin typeface="Book Antiqua"/>
-                <a:cs typeface="Book Antiqua"/>
-              </a:rPr>
-              <a:t>number</a:t>
-            </a:r>
-            <a:r>
-              <a:rPr sz="1400" spc="10" dirty="0">
-                <a:latin typeface="Book Antiqua"/>
-                <a:cs typeface="Book Antiqua"/>
-              </a:rPr>
-              <a:t> </a:t>
-            </a:r>
-            <a:r>
-              <a:rPr sz="1400" spc="-25" dirty="0">
-                <a:latin typeface="Book Antiqua"/>
-                <a:cs typeface="Book Antiqua"/>
-              </a:rPr>
-              <a:t>of</a:t>
-            </a:r>
-            <a:r>
-              <a:rPr sz="1400" spc="10" dirty="0">
-                <a:latin typeface="Book Antiqua"/>
-                <a:cs typeface="Book Antiqua"/>
-              </a:rPr>
-              <a:t> </a:t>
-            </a:r>
-            <a:r>
-              <a:rPr sz="1400" spc="-35" dirty="0">
-                <a:latin typeface="Book Antiqua"/>
-                <a:cs typeface="Book Antiqua"/>
-              </a:rPr>
-              <a:t>times</a:t>
-            </a:r>
-            <a:r>
-              <a:rPr sz="1400" spc="5" dirty="0">
-                <a:latin typeface="Book Antiqua"/>
-                <a:cs typeface="Book Antiqua"/>
-              </a:rPr>
-              <a:t> </a:t>
-            </a:r>
-            <a:r>
-              <a:rPr sz="1400" spc="-75" dirty="0">
-                <a:latin typeface="Book Antiqua"/>
-                <a:cs typeface="Book Antiqua"/>
-              </a:rPr>
-              <a:t>word</a:t>
-            </a:r>
-            <a:r>
-              <a:rPr sz="1400" spc="10" dirty="0">
-                <a:latin typeface="Book Antiqua"/>
-                <a:cs typeface="Book Antiqua"/>
-              </a:rPr>
-              <a:t> </a:t>
-            </a:r>
-            <a:r>
-              <a:rPr sz="1400" spc="-60" dirty="0">
-                <a:latin typeface="Book Antiqua"/>
-                <a:cs typeface="Book Antiqua"/>
-              </a:rPr>
-              <a:t>appears</a:t>
-            </a:r>
-            <a:r>
-              <a:rPr sz="1400" spc="10" dirty="0">
-                <a:latin typeface="Book Antiqua"/>
-                <a:cs typeface="Book Antiqua"/>
-              </a:rPr>
-              <a:t> </a:t>
-            </a:r>
-            <a:r>
-              <a:rPr sz="1400" spc="-30" dirty="0">
-                <a:latin typeface="Book Antiqua"/>
-                <a:cs typeface="Book Antiqua"/>
-              </a:rPr>
-              <a:t>in</a:t>
-            </a:r>
-            <a:r>
-              <a:rPr sz="1400" spc="10" dirty="0">
-                <a:latin typeface="Book Antiqua"/>
-                <a:cs typeface="Book Antiqua"/>
-              </a:rPr>
-              <a:t> </a:t>
-            </a:r>
-            <a:r>
-              <a:rPr sz="1400" spc="-50" dirty="0">
-                <a:latin typeface="Book Antiqua"/>
-                <a:cs typeface="Book Antiqua"/>
-              </a:rPr>
-              <a:t>document.</a:t>
+              <a:t>corpus</a:t>
             </a:r>
             <a:endParaRPr sz="1400" dirty="0">
               <a:latin typeface="Book Antiqua"/>
@@ -48019,46 +48407,109 @@
               </a:tabLst>
             </a:pPr>
             <a:r>
-              <a:rPr sz="1800" spc="-25" dirty="0">
-                <a:latin typeface="Book Antiqua"/>
-                <a:cs typeface="Book Antiqua"/>
-              </a:rPr>
-              <a:t>Term </a:t>
-            </a:r>
+              <a:rPr lang="en-US" sz="1800" spc="-50" dirty="0">
+                <a:latin typeface="Book Antiqua"/>
+                <a:cs typeface="Book Antiqua"/>
+              </a:rPr>
+              <a:t>Distinctive words</a:t>
+            </a:r>
+          </a:p>
+          <a:p>
+            <a:pPr marL="770255" lvl="1" indent="-300990">
+              <a:spcBef>
+                <a:spcPts val="254"/>
+              </a:spcBef>
+              <a:buChar char="-"/>
+              <a:tabLst>
+                <a:tab pos="312420" algn="l"/>
+                <a:tab pos="313690" algn="l"/>
+              </a:tabLst>
+            </a:pPr>
+            <a:r>
+              <a:rPr lang="en-US" sz="1400" spc="-50" dirty="0">
+                <a:latin typeface="Book Antiqua"/>
+                <a:cs typeface="Book Antiqua"/>
+              </a:rPr>
+              <a:t>Through difference of proportions, Chi-square test, classification, etc.</a:t>
+            </a:r>
+          </a:p>
+          <a:p>
+            <a:pPr marL="313055" indent="-285115">
+              <a:spcBef>
+                <a:spcPts val="330"/>
+              </a:spcBef>
+              <a:buChar char="-"/>
+              <a:tabLst>
+                <a:tab pos="769620" algn="l"/>
+                <a:tab pos="770890" algn="l"/>
+              </a:tabLst>
+            </a:pPr>
+            <a:r>
+              <a:rPr lang="en-US" dirty="0">
+                <a:latin typeface="Book Antiqua"/>
+                <a:cs typeface="Book Antiqua"/>
+              </a:rPr>
+              <a:t>Word Embeddings</a:t>
+            </a:r>
+          </a:p>
+          <a:p>
+            <a:pPr marL="770255" lvl="1" indent="-285115">
+              <a:spcBef>
+                <a:spcPts val="330"/>
+              </a:spcBef>
+              <a:buChar char="-"/>
+              <a:tabLst>
+                <a:tab pos="769620" algn="l"/>
+                <a:tab pos="770890" algn="l"/>
+              </a:tabLst>
+            </a:pPr>
+            <a:r>
+              <a:rPr lang="en-US" sz="1400" dirty="0">
+                <a:latin typeface="Book Antiqua"/>
+                <a:cs typeface="Book Antiqua"/>
+              </a:rPr>
+              <a:t>Each word represented by numerical vector</a:t>
+            </a:r>
+          </a:p>
+          <a:p>
+            <a:pPr marL="770255" lvl="1" indent="-285115">
+              <a:spcBef>
+                <a:spcPts val="330"/>
+              </a:spcBef>
+              <a:buChar char="-"/>
+              <a:tabLst>
+                <a:tab pos="769620" algn="l"/>
+                <a:tab pos="770890" algn="l"/>
+              </a:tabLst>
+            </a:pPr>
+            <a:r>
+              <a:rPr lang="en-US" sz="1400" dirty="0">
+                <a:latin typeface="Book Antiqua"/>
+                <a:cs typeface="Book Antiqua"/>
+              </a:rPr>
+              <a:t>Foundation for many advanced NLP tasks (e.g., transformers)</a:t>
+            </a:r>
+          </a:p>
+          <a:p>
+            <a:pPr marL="313055" indent="-300990">
+              <a:lnSpc>
+                <a:spcPct val="100000"/>
+              </a:lnSpc>
+              <a:spcBef>
+                <a:spcPts val="254"/>
+              </a:spcBef>
+              <a:buChar char="-"/>
+              <a:tabLst>
+                <a:tab pos="312420" algn="l"/>
+                <a:tab pos="313690" algn="l"/>
+              </a:tabLst>
+            </a:pPr>
             <a:r>
               <a:rPr sz="1800" spc="-50" dirty="0">
                 <a:latin typeface="Book Antiqua"/>
                 <a:cs typeface="Book Antiqua"/>
               </a:rPr>
-              <a:t>Frequency-Inverse </a:t>
-            </a:r>
-            <a:r>
-              <a:rPr sz="1800" spc="-40" dirty="0">
-                <a:latin typeface="Book Antiqua"/>
-                <a:cs typeface="Book Antiqua"/>
-              </a:rPr>
-              <a:t>Document </a:t>
-            </a:r>
-            <a:r>
-              <a:rPr sz="1800" spc="-50" dirty="0">
-                <a:latin typeface="Book Antiqua"/>
-                <a:cs typeface="Book Antiqua"/>
-              </a:rPr>
-              <a:t>Frequency</a:t>
-            </a:r>
-            <a:r>
-              <a:rPr sz="1800" spc="110" dirty="0">
-                <a:latin typeface="Book Antiqua"/>
-                <a:cs typeface="Book Antiqua"/>
-              </a:rPr>
-              <a:t> </a:t>
-            </a:r>
-            <a:r>
-              <a:rPr sz="1800" spc="30" dirty="0">
-                <a:latin typeface="Book Antiqua"/>
-                <a:cs typeface="Book Antiqua"/>
-              </a:rPr>
-              <a:t>(TF-IDF)</a:t>
+              <a:t>Clustering</a:t>
             </a:r>
             <a:endParaRPr sz="1800" dirty="0">
               <a:latin typeface="Book Antiqua"/>
@@ -48080,21 +48531,28 @@
               </a:tabLst>
             </a:pPr>
             <a:r>
-              <a:rPr sz="1400" spc="-30" dirty="0">
-                <a:latin typeface="Book Antiqua"/>
-                <a:cs typeface="Book Antiqua"/>
-              </a:rPr>
-              <a:t>Modification </a:t>
+              <a:rPr sz="1400" spc="-15" dirty="0">
+                <a:latin typeface="Book Antiqua"/>
+                <a:cs typeface="Book Antiqua"/>
+              </a:rPr>
+              <a:t>Of </a:t>
+            </a:r>
+            <a:r>
+              <a:rPr sz="1400" dirty="0">
+                <a:latin typeface="Book Antiqua"/>
+                <a:cs typeface="Book Antiqua"/>
+              </a:rPr>
+              <a:t>DTM </a:t>
             </a:r>
             <a:r>
               <a:rPr sz="1400" spc="-25" dirty="0">
                 <a:latin typeface="Book Antiqua"/>
                 <a:cs typeface="Book Antiqua"/>
               </a:rPr>
-              <a:t>of</a:t>
-            </a:r>
-            <a:r>
-              <a:rPr sz="1400" spc="25" dirty="0">
+              <a:t>or</a:t>
+            </a:r>
+            <a:r>
+              <a:rPr sz="1400" spc="10" dirty="0">
                 <a:latin typeface="Book Antiqua"/>
                 <a:cs typeface="Book Antiqua"/>
               </a:rPr>
@@ -48105,318 +48563,14 @@
                 <a:latin typeface="Book Antiqua"/>
                 <a:cs typeface="Book Antiqua"/>
               </a:rPr>
-              <a:t>DTM</a:t>
-            </a:r>
-          </a:p>
-          <a:p>
-            <a:pPr marL="770255" lvl="1" indent="-285115">
-              <a:lnSpc>
-                <a:spcPct val="100000"/>
-              </a:lnSpc>
-              <a:spcBef>
-                <a:spcPts val="270"/>
-              </a:spcBef>
-              <a:buChar char="-"/>
-              <a:tabLst>
-                <a:tab pos="769620" algn="l"/>
-                <a:tab pos="770890" algn="l"/>
-              </a:tabLst>
-            </a:pPr>
-            <a:r>
-              <a:rPr sz="1400" spc="-25" dirty="0">
-                <a:latin typeface="Book Antiqua"/>
-                <a:cs typeface="Book Antiqua"/>
-              </a:rPr>
-              <a:t>Entries</a:t>
-            </a:r>
-            <a:r>
-              <a:rPr sz="1400" spc="-5" dirty="0">
-                <a:latin typeface="Book Antiqua"/>
-                <a:cs typeface="Book Antiqua"/>
-              </a:rPr>
-              <a:t> </a:t>
-            </a:r>
-            <a:r>
-              <a:rPr sz="1400" spc="-40" dirty="0">
-                <a:latin typeface="Book Antiqua"/>
-                <a:cs typeface="Book Antiqua"/>
-              </a:rPr>
-              <a:t>are</a:t>
-            </a:r>
-            <a:r>
-              <a:rPr sz="1400" dirty="0">
-                <a:latin typeface="Book Antiqua"/>
-                <a:cs typeface="Book Antiqua"/>
-              </a:rPr>
-              <a:t> </a:t>
-            </a:r>
-            <a:r>
-              <a:rPr sz="1400" spc="-45" dirty="0">
-                <a:latin typeface="Book Antiqua"/>
-                <a:cs typeface="Book Antiqua"/>
-              </a:rPr>
-              <a:t>scaled</a:t>
-            </a:r>
-            <a:r>
-              <a:rPr sz="1400" dirty="0">
-                <a:latin typeface="Book Antiqua"/>
-                <a:cs typeface="Book Antiqua"/>
-              </a:rPr>
-              <a:t> </a:t>
-            </a:r>
-            <a:r>
-              <a:rPr sz="1400" spc="-65" dirty="0">
-                <a:latin typeface="Book Antiqua"/>
-                <a:cs typeface="Book Antiqua"/>
-              </a:rPr>
-              <a:t>by</a:t>
-            </a:r>
-            <a:r>
-              <a:rPr sz="1400" dirty="0">
-                <a:latin typeface="Book Antiqua"/>
-                <a:cs typeface="Book Antiqua"/>
-              </a:rPr>
-              <a:t> </a:t>
-            </a:r>
-            <a:r>
-              <a:rPr sz="1400" spc="-70" dirty="0">
-                <a:latin typeface="Book Antiqua"/>
-                <a:cs typeface="Book Antiqua"/>
-              </a:rPr>
-              <a:t>how</a:t>
-            </a:r>
-            <a:r>
-              <a:rPr sz="1400" dirty="0">
-                <a:latin typeface="Book Antiqua"/>
-                <a:cs typeface="Book Antiqua"/>
-              </a:rPr>
-              <a:t> </a:t>
-            </a:r>
-            <a:r>
-              <a:rPr sz="1400" spc="-35" dirty="0">
-                <a:latin typeface="Book Antiqua"/>
-                <a:cs typeface="Book Antiqua"/>
-              </a:rPr>
-              <a:t>common</a:t>
-            </a:r>
-            <a:r>
-              <a:rPr sz="1400" dirty="0">
-                <a:latin typeface="Book Antiqua"/>
-                <a:cs typeface="Book Antiqua"/>
-              </a:rPr>
-              <a:t> </a:t>
-            </a:r>
-            <a:r>
-              <a:rPr sz="1400" spc="-65" dirty="0">
-                <a:latin typeface="Book Antiqua"/>
-                <a:cs typeface="Book Antiqua"/>
-              </a:rPr>
-              <a:t>a</a:t>
-            </a:r>
-            <a:r>
-              <a:rPr sz="1400" dirty="0">
-                <a:latin typeface="Book Antiqua"/>
-                <a:cs typeface="Book Antiqua"/>
-              </a:rPr>
-              <a:t> </a:t>
-            </a:r>
-            <a:r>
-              <a:rPr sz="1400" spc="-75" dirty="0">
-                <a:latin typeface="Book Antiqua"/>
-                <a:cs typeface="Book Antiqua"/>
-              </a:rPr>
-              <a:t>word</a:t>
-            </a:r>
-            <a:r>
-              <a:rPr sz="1400" dirty="0">
-                <a:latin typeface="Book Antiqua"/>
-                <a:cs typeface="Book Antiqua"/>
-              </a:rPr>
-              <a:t> </a:t>
-            </a:r>
-            <a:r>
-              <a:rPr sz="1400" spc="-45" dirty="0">
-                <a:latin typeface="Book Antiqua"/>
-                <a:cs typeface="Book Antiqua"/>
-              </a:rPr>
-              <a:t>is</a:t>
-            </a:r>
-            <a:r>
-              <a:rPr sz="1400" dirty="0">
-                <a:latin typeface="Book Antiqua"/>
-                <a:cs typeface="Book Antiqua"/>
-              </a:rPr>
-              <a:t> </a:t>
-            </a:r>
-            <a:r>
-              <a:rPr sz="1400" spc="-40" dirty="0">
-                <a:latin typeface="Book Antiqua"/>
-                <a:cs typeface="Book Antiqua"/>
-              </a:rPr>
-              <a:t>across</a:t>
-            </a:r>
-            <a:r>
-              <a:rPr sz="1400" dirty="0">
-                <a:latin typeface="Book Antiqua"/>
-                <a:cs typeface="Book Antiqua"/>
-              </a:rPr>
-              <a:t> </a:t>
-            </a:r>
-            <a:r>
-              <a:rPr sz="1400" spc="-25" dirty="0">
-                <a:latin typeface="Book Antiqua"/>
-                <a:cs typeface="Book Antiqua"/>
-              </a:rPr>
-              <a:t>the</a:t>
-            </a:r>
-            <a:r>
-              <a:rPr sz="1400" dirty="0">
-                <a:latin typeface="Book Antiqua"/>
-                <a:cs typeface="Book Antiqua"/>
-              </a:rPr>
-              <a:t> </a:t>
-            </a:r>
-            <a:r>
-              <a:rPr sz="1400" spc="-55" dirty="0">
-                <a:latin typeface="Book Antiqua"/>
-                <a:cs typeface="Book Antiqua"/>
-              </a:rPr>
-              <a:t>whole</a:t>
-            </a:r>
-            <a:r>
-              <a:rPr sz="1400" dirty="0">
-                <a:latin typeface="Book Antiqua"/>
-                <a:cs typeface="Book Antiqua"/>
-              </a:rPr>
-              <a:t> </a:t>
-            </a:r>
-            <a:r>
-              <a:rPr sz="1400" spc="-45" dirty="0">
-                <a:latin typeface="Book Antiqua"/>
-                <a:cs typeface="Book Antiqua"/>
-              </a:rPr>
-              <a:t>corpus</a:t>
-            </a:r>
-            <a:endParaRPr sz="1400" dirty="0">
-              <a:latin typeface="Book Antiqua"/>
-              <a:cs typeface="Book Antiqua"/>
-            </a:endParaRPr>
-          </a:p>
-          <a:p>
-            <a:pPr marL="313055" indent="-300990">
-              <a:lnSpc>
-                <a:spcPct val="100000"/>
-              </a:lnSpc>
-              <a:spcBef>
-                <a:spcPts val="254"/>
-              </a:spcBef>
-              <a:buChar char="-"/>
-              <a:tabLst>
-                <a:tab pos="312420" algn="l"/>
-                <a:tab pos="313690" algn="l"/>
-              </a:tabLst>
-            </a:pPr>
-            <a:r>
-              <a:rPr lang="en-US" sz="1800" spc="-50" dirty="0">
-                <a:latin typeface="Book Antiqua"/>
-                <a:cs typeface="Book Antiqua"/>
-              </a:rPr>
-              <a:t>Distinctive words</a:t>
-            </a:r>
-          </a:p>
-          <a:p>
-            <a:pPr marL="770255" lvl="1" indent="-300990">
-              <a:spcBef>
-                <a:spcPts val="254"/>
-              </a:spcBef>
-              <a:buChar char="-"/>
-              <a:tabLst>
-                <a:tab pos="312420" algn="l"/>
-                <a:tab pos="313690" algn="l"/>
-              </a:tabLst>
-            </a:pPr>
-            <a:r>
-              <a:rPr lang="en-US" sz="1400" spc="-50" dirty="0">
-                <a:latin typeface="Book Antiqua"/>
-                <a:cs typeface="Book Antiqua"/>
-              </a:rPr>
-              <a:t>Through difference of proportions, Chi-square test, classification, etc.</a:t>
-            </a:r>
-          </a:p>
-          <a:p>
-            <a:pPr marL="313055" indent="-300990">
-              <a:lnSpc>
-                <a:spcPct val="100000"/>
-              </a:lnSpc>
-              <a:spcBef>
-                <a:spcPts val="254"/>
-              </a:spcBef>
-              <a:buChar char="-"/>
-              <a:tabLst>
-                <a:tab pos="312420" algn="l"/>
-                <a:tab pos="313690" algn="l"/>
-              </a:tabLst>
-            </a:pPr>
-            <a:r>
-              <a:rPr sz="1800" spc="-50" dirty="0">
-                <a:latin typeface="Book Antiqua"/>
-                <a:cs typeface="Book Antiqua"/>
-              </a:rPr>
-              <a:t>Clustering</a:t>
-            </a:r>
-            <a:endParaRPr sz="1800" dirty="0">
-              <a:latin typeface="Book Antiqua"/>
-              <a:cs typeface="Book Antiqua"/>
-            </a:endParaRPr>
-          </a:p>
-          <a:p>
-            <a:pPr marL="770255" lvl="1" indent="-285115">
-              <a:lnSpc>
-                <a:spcPct val="100000"/>
-              </a:lnSpc>
-              <a:spcBef>
-                <a:spcPts val="330"/>
-              </a:spcBef>
-              <a:buChar char="-"/>
-              <a:tabLst>
-                <a:tab pos="769620" algn="l"/>
-                <a:tab pos="770890" algn="l"/>
-              </a:tabLst>
-            </a:pPr>
-            <a:r>
-              <a:rPr sz="1400" spc="-15" dirty="0">
-                <a:latin typeface="Book Antiqua"/>
-                <a:cs typeface="Book Antiqua"/>
-              </a:rPr>
-              <a:t>Of </a:t>
-            </a:r>
-            <a:r>
-              <a:rPr sz="1400" dirty="0">
-                <a:latin typeface="Book Antiqua"/>
-                <a:cs typeface="Book Antiqua"/>
-              </a:rPr>
-              <a:t>DTM </a:t>
-            </a:r>
-            <a:r>
-              <a:rPr sz="1400" spc="-25" dirty="0">
-                <a:latin typeface="Book Antiqua"/>
-                <a:cs typeface="Book Antiqua"/>
-              </a:rPr>
-              <a:t>or</a:t>
-            </a:r>
-            <a:r>
-              <a:rPr sz="1400" spc="10" dirty="0">
-                <a:latin typeface="Book Antiqua"/>
-                <a:cs typeface="Book Antiqua"/>
-              </a:rPr>
-              <a:t> </a:t>
-            </a:r>
-            <a:r>
-              <a:rPr sz="1400" dirty="0">
-                <a:latin typeface="Book Antiqua"/>
-                <a:cs typeface="Book Antiqua"/>
-              </a:rPr>
               <a:t>TF-IDF</a:t>
+            </a:r>
+            <a:r>
+              <a:rPr lang="en-US" sz="1400" dirty="0">
+                <a:latin typeface="Book Antiqua"/>
+                <a:cs typeface="Book Antiqua"/>
+              </a:rPr>
+              <a:t>, or of Word Embeddings</a:t>
             </a:r>
           </a:p>
         </p:txBody>
@@ -48587,6 +48741,112 @@
 </file>
 
 <file path=ppt/slides/slide33.xml><?xml version="1.0" encoding="utf-8"?>
+<p:sld xmlns:a="http://schemas.openxmlformats.org/drawingml/2006/main" xmlns:r="http://schemas.openxmlformats.org/officeDocument/2006/relationships" xmlns:p="http://schemas.openxmlformats.org/presentationml/2006/main" showMasterSp="0">
+  <p:cSld>
+    <p:spTree>
+      <p:nvGrpSpPr>
+        <p:cNvPr id="1" name=""/>
+        <p:cNvGrpSpPr/>
+        <p:nvPr/>
+      </p:nvGrpSpPr>
+      <p:grpSpPr>
+        <a:xfrm>
+          <a:off x="0" y="0"/>
+          <a:ext cx="0" cy="0"/>
+          <a:chOff x="0" y="0"/>
+          <a:chExt cx="0" cy="0"/>
+        </a:xfrm>
+      </p:grpSpPr>
+      <p:pic>
+        <p:nvPicPr>
+          <p:cNvPr id="76" name="Picture 75"/>
+          <p:cNvPicPr/>
+          <p:nvPr/>
+        </p:nvPicPr>
+        <p:blipFill>
+          <a:blip r:embed="rId3"/>
+          <a:stretch>
+            <a:fillRect/>
+          </a:stretch>
+        </p:blipFill>
+        <p:spPr>
+          <a:xfrm>
+            <a:off x="1888481" y="62215"/>
+            <a:ext cx="5375923" cy="5072689"/>
+          </a:xfrm>
+          <a:prstGeom prst="rect">
+            <a:avLst/>
+          </a:prstGeom>
+          <a:ln>
+            <a:noFill/>
+          </a:ln>
+        </p:spPr>
+      </p:pic>
+      <p:sp>
+        <p:nvSpPr>
+          <p:cNvPr id="2" name="TextBox 1"/>
+          <p:cNvSpPr txBox="1"/>
+          <p:nvPr/>
+        </p:nvSpPr>
+        <p:spPr>
+          <a:xfrm>
+            <a:off x="3886200" y="4800439"/>
+            <a:ext cx="1981200" cy="280846"/>
+          </a:xfrm>
+          <a:prstGeom prst="rect">
+            <a:avLst/>
+          </a:prstGeom>
+          <a:noFill/>
+        </p:spPr>
+        <p:txBody>
+          <a:bodyPr wrap="square" rtlCol="0">
+            <a:spAutoFit/>
+          </a:bodyPr>
+          <a:lstStyle/>
+          <a:p>
+            <a:r>
+              <a:rPr lang="en-US" sz="1225" dirty="0"/>
+              <a:t>Thanks to Laura K Nelson</a:t>
+            </a:r>
+          </a:p>
+        </p:txBody>
+      </p:sp>
+    </p:spTree>
+  </p:cSld>
+  <p:clrMapOvr>
+    <a:masterClrMapping/>
+  </p:clrMapOvr>
+  <p:timing>
+    <p:tnLst>
+      <p:par>
+        <p:cTn id="1" dur="indefinite" restart="never" nodeType="tmRoot">
+          <p:childTnLst>
+            <p:seq>
+              <p:cTn id="2" nodeType="mainSeq"/>
+              <p:prevCondLst>
+                <p:cond evt="onPrev" delay="0">
+                  <p:tgtEl>
+                    <p:sldTgt/>
+                  </p:tgtEl>
+                </p:cond>
+              </p:prevCondLst>
+              <p:nextCondLst>
+                <p:cond evt="onNext" delay="0">
+                  <p:tgtEl>
+                    <p:sldTgt/>
+                  </p:tgtEl>
+                </p:cond>
+              </p:nextCondLst>
+            </p:seq>
+          </p:childTnLst>
+        </p:cTn>
+      </p:par>
+    </p:tnLst>
+  </p:timing>
+</p:sld>
+</file>
+
+<file path=ppt/slides/slide34.xml><?xml version="1.0" encoding="utf-8"?>
 <p:sld xmlns:a="http://schemas.openxmlformats.org/drawingml/2006/main" xmlns:r="http://schemas.openxmlformats.org/officeDocument/2006/relationships" xmlns:p="http://schemas.openxmlformats.org/presentationml/2006/main" showMasterSp="0">
   <p:cSld>
     <p:spTree>
@@ -49072,7 +49332,7 @@
 </p:sld>
 </file>
 
-<file path=ppt/slides/slide34.xml><?xml version="1.0" encoding="utf-8"?>
+<file path=ppt/slides/slide35.xml><?xml version="1.0" encoding="utf-8"?>
 <p:sld xmlns:a="http://schemas.openxmlformats.org/drawingml/2006/main" xmlns:r="http://schemas.openxmlformats.org/officeDocument/2006/relationships" xmlns:p="http://schemas.openxmlformats.org/presentationml/2006/main" showMasterSp="0">
   <p:cSld>
     <p:spTree>
@@ -49260,7 +49520,7 @@
 </p:sld>
 </file>
 
-<file path=ppt/slides/slide35.xml><?xml version="1.0" encoding="utf-8"?>
+<file path=ppt/slides/slide36.xml><?xml version="1.0" encoding="utf-8"?>
 <p:sld xmlns:a="http://schemas.openxmlformats.org/drawingml/2006/main" xmlns:r="http://schemas.openxmlformats.org/officeDocument/2006/relationships" xmlns:p="http://schemas.openxmlformats.org/presentationml/2006/main" showMasterSp="0">
   <p:cSld>
     <p:spTree>
@@ -49626,7 +49886,7 @@
 </p:sld>
 </file>
 
-<file path=ppt/slides/slide36.xml><?xml version="1.0" encoding="utf-8"?>
+<file path=ppt/slides/slide37.xml><?xml version="1.0" encoding="utf-8"?>
 <p:sld xmlns:a="http://schemas.openxmlformats.org/drawingml/2006/main" xmlns:r="http://schemas.openxmlformats.org/officeDocument/2006/relationships" xmlns:p="http://schemas.openxmlformats.org/presentationml/2006/main" showMasterSp="0">
   <p:cSld>
     <p:spTree>
@@ -50524,7 +50784,7 @@
 </p:sld>
 </file>
 
-<file path=ppt/slides/slide37.xml><?xml version="1.0" encoding="utf-8"?>
+<file path=ppt/slides/slide38.xml><?xml version="1.0" encoding="utf-8"?>
 <p:sld xmlns:a="http://schemas.openxmlformats.org/drawingml/2006/main" xmlns:r="http://schemas.openxmlformats.org/officeDocument/2006/relationships" xmlns:p="http://schemas.openxmlformats.org/presentationml/2006/main" showMasterSp="0">
   <p:cSld>
     <p:spTree>
@@ -51409,7 +51669,7 @@
 </p:sld>
 </file>
 
-<file path=ppt/slides/slide38.xml><?xml version="1.0" encoding="utf-8"?>
+<file path=ppt/slides/slide39.xml><?xml version="1.0" encoding="utf-8"?>
 <p:sld xmlns:a="http://schemas.openxmlformats.org/drawingml/2006/main" xmlns:r="http://schemas.openxmlformats.org/officeDocument/2006/relationships" xmlns:p="http://schemas.openxmlformats.org/presentationml/2006/main" showMasterSp="0">
   <p:cSld>
     <p:spTree>
@@ -51574,135 +51834,6 @@
 </p:sld>
 </file>
 
-<file path=ppt/slides/slide39.xml><?xml version="1.0" encoding="utf-8"?>
-<p:sld xmlns:a="http://schemas.openxmlformats.org/drawingml/2006/main" xmlns:r="http://schemas.openxmlformats.org/officeDocument/2006/relationships" xmlns:p="http://schemas.openxmlformats.org/presentationml/2006/main" showMasterSp="0">
-  <p:cSld>
-    <p:spTree>
-      <p:nvGrpSpPr>
-        <p:cNvPr id="1" name=""/>
-        <p:cNvGrpSpPr/>
-        <p:nvPr/>
-      </p:nvGrpSpPr>
-      <p:grpSpPr>
-        <a:xfrm>
-          <a:off x="0" y="0"/>
-          <a:ext cx="0" cy="0"/>
-          <a:chOff x="0" y="0"/>
-          <a:chExt cx="0" cy="0"/>
-        </a:xfrm>
-      </p:grpSpPr>
-      <p:sp>
-        <p:nvSpPr>
-          <p:cNvPr id="2" name="object 2"/>
-          <p:cNvSpPr txBox="1">
-            <a:spLocks noGrp="1"/>
-          </p:cNvSpPr>
-          <p:nvPr>
-            <p:ph type="title"/>
-          </p:nvPr>
-        </p:nvSpPr>
-        <p:spPr>
-          <a:xfrm>
-            <a:off x="1826121" y="462111"/>
-            <a:ext cx="5490753" cy="637704"/>
-          </a:xfrm>
-          <a:prstGeom prst="rect">
-            <a:avLst/>
-          </a:prstGeom>
-        </p:spPr>
-        <p:txBody>
-          <a:bodyPr vert="horz" wrap="square" lIns="0" tIns="6697" rIns="0" bIns="0" rtlCol="0">
-            <a:spAutoFit/>
-          </a:bodyPr>
-          <a:lstStyle/>
-          <a:p>
-            <a:pPr marL="6697">
-              <a:spcBef>
-                <a:spcPts val="53"/>
-              </a:spcBef>
-            </a:pPr>
-            <a:r>
-              <a:rPr lang="en-US" spc="-82" dirty="0">
-                <a:solidFill>
-                  <a:schemeClr val="tx1"/>
-                </a:solidFill>
-              </a:rPr>
-              <a:t>Now to get our hands dirty</a:t>
-            </a:r>
-            <a:endParaRPr spc="40" dirty="0">
-              <a:solidFill>
-                <a:schemeClr val="tx1"/>
-              </a:solidFill>
-            </a:endParaRPr>
-          </a:p>
-        </p:txBody>
-      </p:sp>
-      <p:sp>
-        <p:nvSpPr>
-          <p:cNvPr id="4" name="object 4"/>
-          <p:cNvSpPr txBox="1"/>
-          <p:nvPr/>
-        </p:nvSpPr>
-        <p:spPr>
-          <a:xfrm>
-            <a:off x="1899791" y="1734592"/>
-            <a:ext cx="4577209" cy="468427"/>
-          </a:xfrm>
-          <a:prstGeom prst="rect">
-            <a:avLst/>
-          </a:prstGeom>
-        </p:spPr>
-        <p:txBody>
-          <a:bodyPr vert="horz" wrap="square" lIns="0" tIns="6697" rIns="0" bIns="0" rtlCol="0">
-            <a:spAutoFit/>
-          </a:bodyPr>
-          <a:lstStyle/>
-          <a:p>
-            <a:pPr marL="6697">
-              <a:spcBef>
-                <a:spcPts val="53"/>
-              </a:spcBef>
-            </a:pPr>
-            <a:r>
-              <a:rPr lang="en-US" sz="3000" dirty="0">
-                <a:solidFill>
-                  <a:schemeClr val="accent6"/>
-                </a:solidFill>
-                <a:latin typeface="Arial"/>
-                <a:cs typeface="Arial"/>
-                <a:hlinkClick r:id="rId3">
-                  <a:extLst>
-                    <a:ext uri="{A12FA001-AC4F-418D-AE19-62706E023703}">
-                      <ahyp:hlinkClr xmlns:ahyp="http://schemas.microsoft.com/office/drawing/2018/hyperlinkcolor" val="tx"/>
-                    </a:ext>
-                  </a:extLst>
-                </a:hlinkClick>
-              </a:rPr>
-              <a:t>http://bit.ly/intro-textxd19</a:t>
-            </a:r>
-            <a:endParaRPr sz="3000" dirty="0">
-              <a:solidFill>
-                <a:schemeClr val="accent6"/>
-              </a:solidFill>
-              <a:latin typeface="Arial"/>
-              <a:cs typeface="Arial"/>
-            </a:endParaRPr>
-          </a:p>
-        </p:txBody>
-      </p:sp>
-    </p:spTree>
-    <p:extLst>
-      <p:ext uri="{BB962C8B-B14F-4D97-AF65-F5344CB8AC3E}">
-        <p14:creationId xmlns:p14="http://schemas.microsoft.com/office/powerpoint/2010/main" val="1872855460"/>
-      </p:ext>
-    </p:extLst>
-  </p:cSld>
-  <p:clrMapOvr>
-    <a:masterClrMapping/>
-  </p:clrMapOvr>
-</p:sld>
-</file>
-
 <file path=ppt/slides/slide4.xml><?xml version="1.0" encoding="utf-8"?>
 <p:sld xmlns:a="http://schemas.openxmlformats.org/drawingml/2006/main" xmlns:r="http://schemas.openxmlformats.org/officeDocument/2006/relationships" xmlns:p="http://schemas.openxmlformats.org/presentationml/2006/main" showMasterSp="0">
   <p:cSld>
@@ -51839,6 +51970,135 @@
         </p:nvSpPr>
         <p:spPr>
           <a:xfrm>
+            <a:off x="1826121" y="462111"/>
+            <a:ext cx="5490753" cy="637704"/>
+          </a:xfrm>
+          <a:prstGeom prst="rect">
+            <a:avLst/>
+          </a:prstGeom>
+        </p:spPr>
+        <p:txBody>
+          <a:bodyPr vert="horz" wrap="square" lIns="0" tIns="6697" rIns="0" bIns="0" rtlCol="0">
+            <a:spAutoFit/>
+          </a:bodyPr>
+          <a:lstStyle/>
+          <a:p>
+            <a:pPr marL="6697">
+              <a:spcBef>
+                <a:spcPts val="53"/>
+              </a:spcBef>
+            </a:pPr>
+            <a:r>
+              <a:rPr lang="en-US" spc="-82" dirty="0">
+                <a:solidFill>
+                  <a:schemeClr val="tx1"/>
+                </a:solidFill>
+              </a:rPr>
+              <a:t>Now to get our hands dirty</a:t>
+            </a:r>
+            <a:endParaRPr spc="40" dirty="0">
+              <a:solidFill>
+                <a:schemeClr val="tx1"/>
+              </a:solidFill>
+            </a:endParaRPr>
+          </a:p>
+        </p:txBody>
+      </p:sp>
+      <p:sp>
+        <p:nvSpPr>
+          <p:cNvPr id="4" name="object 4"/>
+          <p:cNvSpPr txBox="1"/>
+          <p:nvPr/>
+        </p:nvSpPr>
+        <p:spPr>
+          <a:xfrm>
+            <a:off x="1899791" y="1734592"/>
+            <a:ext cx="4577209" cy="468427"/>
+          </a:xfrm>
+          <a:prstGeom prst="rect">
+            <a:avLst/>
+          </a:prstGeom>
+        </p:spPr>
+        <p:txBody>
+          <a:bodyPr vert="horz" wrap="square" lIns="0" tIns="6697" rIns="0" bIns="0" rtlCol="0">
+            <a:spAutoFit/>
+          </a:bodyPr>
+          <a:lstStyle/>
+          <a:p>
+            <a:pPr marL="6697">
+              <a:spcBef>
+                <a:spcPts val="53"/>
+              </a:spcBef>
+            </a:pPr>
+            <a:r>
+              <a:rPr lang="en-US" sz="3000" dirty="0">
+                <a:solidFill>
+                  <a:schemeClr val="accent6"/>
+                </a:solidFill>
+                <a:latin typeface="Arial"/>
+                <a:cs typeface="Arial"/>
+                <a:hlinkClick r:id="rId3">
+                  <a:extLst>
+                    <a:ext uri="{A12FA001-AC4F-418D-AE19-62706E023703}">
+                      <ahyp:hlinkClr xmlns:ahyp="http://schemas.microsoft.com/office/drawing/2018/hyperlinkcolor" val="tx"/>
+                    </a:ext>
+                  </a:extLst>
+                </a:hlinkClick>
+              </a:rPr>
+              <a:t>http://bit.ly/intro-textxd19</a:t>
+            </a:r>
+            <a:endParaRPr sz="3000" dirty="0">
+              <a:solidFill>
+                <a:schemeClr val="accent6"/>
+              </a:solidFill>
+              <a:latin typeface="Arial"/>
+              <a:cs typeface="Arial"/>
+            </a:endParaRPr>
+          </a:p>
+        </p:txBody>
+      </p:sp>
+    </p:spTree>
+    <p:extLst>
+      <p:ext uri="{BB962C8B-B14F-4D97-AF65-F5344CB8AC3E}">
+        <p14:creationId xmlns:p14="http://schemas.microsoft.com/office/powerpoint/2010/main" val="1872855460"/>
+      </p:ext>
+    </p:extLst>
+  </p:cSld>
+  <p:clrMapOvr>
+    <a:masterClrMapping/>
+  </p:clrMapOvr>
+</p:sld>
+</file>
+
+<file path=ppt/slides/slide41.xml><?xml version="1.0" encoding="utf-8"?>
+<p:sld xmlns:a="http://schemas.openxmlformats.org/drawingml/2006/main" xmlns:r="http://schemas.openxmlformats.org/officeDocument/2006/relationships" xmlns:p="http://schemas.openxmlformats.org/presentationml/2006/main" showMasterSp="0">
+  <p:cSld>
+    <p:spTree>
+      <p:nvGrpSpPr>
+        <p:cNvPr id="1" name=""/>
+        <p:cNvGrpSpPr/>
+        <p:nvPr/>
+      </p:nvGrpSpPr>
+      <p:grpSpPr>
+        <a:xfrm>
+          <a:off x="0" y="0"/>
+          <a:ext cx="0" cy="0"/>
+          <a:chOff x="0" y="0"/>
+          <a:chExt cx="0" cy="0"/>
+        </a:xfrm>
+      </p:grpSpPr>
+      <p:sp>
+        <p:nvSpPr>
+          <p:cNvPr id="2" name="object 2"/>
+          <p:cNvSpPr txBox="1">
+            <a:spLocks noGrp="1"/>
+          </p:cNvSpPr>
+          <p:nvPr>
+            <p:ph type="title"/>
+          </p:nvPr>
+        </p:nvSpPr>
+        <p:spPr>
+          <a:xfrm>
             <a:off x="384725" y="502810"/>
             <a:ext cx="2458085" cy="482600"/>
           </a:xfrm>
@@ -52411,7 +52671,7 @@
 </p:sld>
 </file>
 
-<file path=ppt/slides/slide41.xml><?xml version="1.0" encoding="utf-8"?>
+<file path=ppt/slides/slide42.xml><?xml version="1.0" encoding="utf-8"?>
 <p:sld xmlns:a="http://schemas.openxmlformats.org/drawingml/2006/main" xmlns:r="http://schemas.openxmlformats.org/officeDocument/2006/relationships" xmlns:p="http://schemas.openxmlformats.org/presentationml/2006/main" showMasterSp="0">
   <p:cSld>
     <p:spTree>
